--- a/09. Git - tutorial - 4 drogi wykorzystania tablicy zgłoszeń.pptx
+++ b/09. Git - tutorial - 4 drogi wykorzystania tablicy zgłoszeń.pptx
@@ -5,28 +5,35 @@
     <p:sldMasterId id="2147483648" r:id="rId1"/>
   </p:sldMasterIdLst>
   <p:notesMasterIdLst>
-    <p:notesMasterId r:id="rId21"/>
+    <p:notesMasterId r:id="rId28"/>
   </p:notesMasterIdLst>
   <p:sldIdLst>
-    <p:sldId id="310" r:id="rId2"/>
-    <p:sldId id="311" r:id="rId3"/>
-    <p:sldId id="327" r:id="rId4"/>
-    <p:sldId id="328" r:id="rId5"/>
-    <p:sldId id="309" r:id="rId6"/>
-    <p:sldId id="312" r:id="rId7"/>
-    <p:sldId id="313" r:id="rId8"/>
-    <p:sldId id="314" r:id="rId9"/>
-    <p:sldId id="315" r:id="rId10"/>
-    <p:sldId id="316" r:id="rId11"/>
-    <p:sldId id="317" r:id="rId12"/>
-    <p:sldId id="318" r:id="rId13"/>
-    <p:sldId id="321" r:id="rId14"/>
-    <p:sldId id="322" r:id="rId15"/>
-    <p:sldId id="323" r:id="rId16"/>
-    <p:sldId id="324" r:id="rId17"/>
-    <p:sldId id="325" r:id="rId18"/>
-    <p:sldId id="326" r:id="rId19"/>
-    <p:sldId id="319" r:id="rId20"/>
+    <p:sldId id="309" r:id="rId2"/>
+    <p:sldId id="312" r:id="rId3"/>
+    <p:sldId id="313" r:id="rId4"/>
+    <p:sldId id="314" r:id="rId5"/>
+    <p:sldId id="315" r:id="rId6"/>
+    <p:sldId id="316" r:id="rId7"/>
+    <p:sldId id="317" r:id="rId8"/>
+    <p:sldId id="318" r:id="rId9"/>
+    <p:sldId id="321" r:id="rId10"/>
+    <p:sldId id="322" r:id="rId11"/>
+    <p:sldId id="323" r:id="rId12"/>
+    <p:sldId id="324" r:id="rId13"/>
+    <p:sldId id="325" r:id="rId14"/>
+    <p:sldId id="326" r:id="rId15"/>
+    <p:sldId id="319" r:id="rId16"/>
+    <p:sldId id="310" r:id="rId17"/>
+    <p:sldId id="311" r:id="rId18"/>
+    <p:sldId id="327" r:id="rId19"/>
+    <p:sldId id="328" r:id="rId20"/>
+    <p:sldId id="329" r:id="rId21"/>
+    <p:sldId id="330" r:id="rId22"/>
+    <p:sldId id="331" r:id="rId23"/>
+    <p:sldId id="333" r:id="rId24"/>
+    <p:sldId id="332" r:id="rId25"/>
+    <p:sldId id="334" r:id="rId26"/>
+    <p:sldId id="335" r:id="rId27"/>
   </p:sldIdLst>
   <p:sldSz cx="9144000" cy="5143500" type="screen16x9"/>
   <p:notesSz cx="6858000" cy="9144000"/>
@@ -127,7 +134,7 @@
   </p:defaultTextStyle>
   <p:extLst>
     <p:ext uri="{EFAFB233-063F-42B5-8137-9DF3F51BA10A}">
-      <p15:sldGuideLst xmlns:p15="http://schemas.microsoft.com/office/powerpoint/2012/main">
+      <p15:sldGuideLst xmlns:p15="http://schemas.microsoft.com/office/powerpoint/2012/main" xmlns="">
         <p15:guide id="1" orient="horz" pos="1620">
           <p15:clr>
             <a:srgbClr val="A4A3A4"/>
@@ -226,7 +233,7 @@
           <a:p>
             <a:fld id="{F4CC630C-9AF6-49E5-9919-D038F5C57BFC}" type="datetimeFigureOut">
               <a:rPr lang="en-US" smtClean="0"/>
-              <a:t>4/30/2021</a:t>
+              <a:t>5/4/2021</a:t>
             </a:fld>
             <a:endParaRPr lang="en-US"/>
           </a:p>
@@ -675,7 +682,7 @@
           <a:p>
             <a:fld id="{F19922E3-32CA-40BB-949D-A04DA951D7AE}" type="datetimeFigureOut">
               <a:rPr lang="en-US" smtClean="0"/>
-              <a:t>4/30/2021</a:t>
+              <a:t>5/4/2021</a:t>
             </a:fld>
             <a:endParaRPr lang="en-US"/>
           </a:p>
@@ -845,7 +852,7 @@
           <a:p>
             <a:fld id="{F19922E3-32CA-40BB-949D-A04DA951D7AE}" type="datetimeFigureOut">
               <a:rPr lang="en-US" smtClean="0"/>
-              <a:t>4/30/2021</a:t>
+              <a:t>5/4/2021</a:t>
             </a:fld>
             <a:endParaRPr lang="en-US"/>
           </a:p>
@@ -1025,7 +1032,7 @@
           <a:p>
             <a:fld id="{F19922E3-32CA-40BB-949D-A04DA951D7AE}" type="datetimeFigureOut">
               <a:rPr lang="en-US" smtClean="0"/>
-              <a:t>4/30/2021</a:t>
+              <a:t>5/4/2021</a:t>
             </a:fld>
             <a:endParaRPr lang="en-US"/>
           </a:p>
@@ -1195,7 +1202,7 @@
           <a:p>
             <a:fld id="{F19922E3-32CA-40BB-949D-A04DA951D7AE}" type="datetimeFigureOut">
               <a:rPr lang="en-US" smtClean="0"/>
-              <a:t>4/30/2021</a:t>
+              <a:t>5/4/2021</a:t>
             </a:fld>
             <a:endParaRPr lang="en-US"/>
           </a:p>
@@ -1441,7 +1448,7 @@
           <a:p>
             <a:fld id="{F19922E3-32CA-40BB-949D-A04DA951D7AE}" type="datetimeFigureOut">
               <a:rPr lang="en-US" smtClean="0"/>
-              <a:t>4/30/2021</a:t>
+              <a:t>5/4/2021</a:t>
             </a:fld>
             <a:endParaRPr lang="en-US"/>
           </a:p>
@@ -1729,7 +1736,7 @@
           <a:p>
             <a:fld id="{F19922E3-32CA-40BB-949D-A04DA951D7AE}" type="datetimeFigureOut">
               <a:rPr lang="en-US" smtClean="0"/>
-              <a:t>4/30/2021</a:t>
+              <a:t>5/4/2021</a:t>
             </a:fld>
             <a:endParaRPr lang="en-US"/>
           </a:p>
@@ -2156,7 +2163,7 @@
           <a:p>
             <a:fld id="{F19922E3-32CA-40BB-949D-A04DA951D7AE}" type="datetimeFigureOut">
               <a:rPr lang="en-US" smtClean="0"/>
-              <a:t>4/30/2021</a:t>
+              <a:t>5/4/2021</a:t>
             </a:fld>
             <a:endParaRPr lang="en-US"/>
           </a:p>
@@ -2274,7 +2281,7 @@
           <a:p>
             <a:fld id="{F19922E3-32CA-40BB-949D-A04DA951D7AE}" type="datetimeFigureOut">
               <a:rPr lang="en-US" smtClean="0"/>
-              <a:t>4/30/2021</a:t>
+              <a:t>5/4/2021</a:t>
             </a:fld>
             <a:endParaRPr lang="en-US"/>
           </a:p>
@@ -2369,7 +2376,7 @@
           <a:p>
             <a:fld id="{F19922E3-32CA-40BB-949D-A04DA951D7AE}" type="datetimeFigureOut">
               <a:rPr lang="en-US" smtClean="0"/>
-              <a:t>4/30/2021</a:t>
+              <a:t>5/4/2021</a:t>
             </a:fld>
             <a:endParaRPr lang="en-US"/>
           </a:p>
@@ -2646,7 +2653,7 @@
           <a:p>
             <a:fld id="{F19922E3-32CA-40BB-949D-A04DA951D7AE}" type="datetimeFigureOut">
               <a:rPr lang="en-US" smtClean="0"/>
-              <a:t>4/30/2021</a:t>
+              <a:t>5/4/2021</a:t>
             </a:fld>
             <a:endParaRPr lang="en-US"/>
           </a:p>
@@ -2899,7 +2906,7 @@
           <a:p>
             <a:fld id="{F19922E3-32CA-40BB-949D-A04DA951D7AE}" type="datetimeFigureOut">
               <a:rPr lang="en-US" smtClean="0"/>
-              <a:t>4/30/2021</a:t>
+              <a:t>5/4/2021</a:t>
             </a:fld>
             <a:endParaRPr lang="en-US"/>
           </a:p>
@@ -3121,7 +3128,7 @@
           <a:p>
             <a:fld id="{F19922E3-32CA-40BB-949D-A04DA951D7AE}" type="datetimeFigureOut">
               <a:rPr lang="en-US" smtClean="0"/>
-              <a:t>4/30/2021</a:t>
+              <a:t>5/4/2021</a:t>
             </a:fld>
             <a:endParaRPr lang="en-US"/>
           </a:p>
@@ -3498,18 +3505,18 @@
       </p:grpSpPr>
       <p:sp>
         <p:nvSpPr>
-          <p:cNvPr id="2" name="Tytuł 1"/>
-          <p:cNvSpPr>
-            <a:spLocks noGrp="1"/>
-          </p:cNvSpPr>
-          <p:nvPr>
-            <p:ph type="ctrTitle"/>
+          <p:cNvPr id="3" name="Symbol zastępczy zawartości 2"/>
+          <p:cNvSpPr>
+            <a:spLocks noGrp="1"/>
+          </p:cNvSpPr>
+          <p:nvPr>
+            <p:ph idx="1"/>
           </p:nvPr>
         </p:nvSpPr>
         <p:spPr>
           <a:xfrm>
-            <a:off x="484456" y="2355726"/>
-            <a:ext cx="7615935" cy="1584176"/>
+            <a:off x="457200" y="987574"/>
+            <a:ext cx="8229600" cy="3607048"/>
           </a:xfrm>
         </p:spPr>
         <p:txBody>
@@ -3518,94 +3525,192 @@
           </a:bodyPr>
           <a:lstStyle/>
           <a:p>
-            <a:pPr algn="l"/>
-            <a:r>
-              <a:rPr lang="pl-PL" sz="1800" i="1" dirty="0" smtClean="0">
-                <a:latin typeface="Verdana" panose="020B0604030504040204" pitchFamily="34" charset="0"/>
-                <a:ea typeface="Verdana" panose="020B0604030504040204" pitchFamily="34" charset="0"/>
-              </a:rPr>
-              <a:t>Kontrola Wersji Oprogramowania </a:t>
+            <a:pPr marL="0" indent="0">
+              <a:buNone/>
+            </a:pPr>
+            <a:r>
+              <a:rPr lang="pl-PL" sz="2400" b="1" dirty="0" err="1" smtClean="0">
+                <a:latin typeface="+mj-lt"/>
+              </a:rPr>
+              <a:t>Issue</a:t>
+            </a:r>
+            <a:r>
+              <a:rPr lang="pl-PL" sz="2400" b="1" dirty="0" smtClean="0">
+                <a:latin typeface="+mj-lt"/>
+              </a:rPr>
+              <a:t> Board</a:t>
+            </a:r>
+            <a:endParaRPr lang="pl-PL" sz="1600" b="1" dirty="0" smtClean="0">
+              <a:latin typeface="+mj-lt"/>
+            </a:endParaRPr>
+          </a:p>
+          <a:p>
+            <a:r>
+              <a:rPr lang="pl-PL" sz="1600" dirty="0">
+                <a:latin typeface="Calibri" panose="020F0502020204030204" pitchFamily="34" charset="0"/>
+              </a:rPr>
+              <a:t>Każdy projekt GitLab dysponuje swoją własną tablicą zgłoszeń.</a:t>
+            </a:r>
+          </a:p>
+          <a:p>
+            <a:r>
+              <a:rPr lang="pl-PL" sz="1600" dirty="0">
+                <a:latin typeface="Calibri" panose="020F0502020204030204" pitchFamily="34" charset="0"/>
+              </a:rPr>
+              <a:t>Aby stworzyć nowe zgłoszenie w projekcie, wystarczy z menu GitLab dla projektu wybrać </a:t>
+            </a:r>
+            <a:endParaRPr lang="pl-PL" sz="1600" dirty="0" smtClean="0">
+              <a:latin typeface="Calibri" panose="020F0502020204030204" pitchFamily="34" charset="0"/>
+            </a:endParaRPr>
+          </a:p>
+          <a:p>
+            <a:pPr marL="358775" indent="-358775">
+              <a:buNone/>
+            </a:pPr>
+            <a:r>
+              <a:rPr lang="pl-PL" sz="1600" b="1" dirty="0">
+                <a:latin typeface="Calibri" panose="020F0502020204030204" pitchFamily="34" charset="0"/>
+              </a:rPr>
+              <a:t>	</a:t>
+            </a:r>
+            <a:r>
+              <a:rPr lang="pl-PL" sz="1600" b="1" dirty="0" smtClean="0">
+                <a:latin typeface="Calibri" panose="020F0502020204030204" pitchFamily="34" charset="0"/>
+              </a:rPr>
+              <a:t>	</a:t>
+            </a:r>
+            <a:r>
+              <a:rPr lang="pl-PL" sz="1600" b="1" dirty="0" err="1" smtClean="0">
+                <a:latin typeface="Calibri" panose="020F0502020204030204" pitchFamily="34" charset="0"/>
+              </a:rPr>
+              <a:t>Issues</a:t>
+            </a:r>
+            <a:r>
+              <a:rPr lang="pl-PL" sz="1600" b="1" dirty="0" smtClean="0">
+                <a:latin typeface="Calibri" panose="020F0502020204030204" pitchFamily="34" charset="0"/>
+              </a:rPr>
+              <a:t> </a:t>
+            </a:r>
+            <a:r>
+              <a:rPr lang="pl-PL" sz="1600" b="1" dirty="0">
+                <a:latin typeface="Calibri" panose="020F0502020204030204" pitchFamily="34" charset="0"/>
+              </a:rPr>
+              <a:t>-&gt; New </a:t>
+            </a:r>
+            <a:r>
+              <a:rPr lang="pl-PL" sz="1600" b="1" dirty="0" err="1">
+                <a:latin typeface="Calibri" panose="020F0502020204030204" pitchFamily="34" charset="0"/>
+              </a:rPr>
+              <a:t>issue</a:t>
+            </a:r>
+            <a:r>
+              <a:rPr lang="pl-PL" sz="1600" dirty="0">
+                <a:latin typeface="Calibri" panose="020F0502020204030204" pitchFamily="34" charset="0"/>
+              </a:rPr>
+              <a:t>, </a:t>
+            </a:r>
+            <a:r>
+              <a:rPr lang="pl-PL" sz="1600" dirty="0" smtClean="0">
+                <a:latin typeface="Calibri" panose="020F0502020204030204" pitchFamily="34" charset="0"/>
+              </a:rPr>
+              <a:t/>
             </a:r>
             <a:br>
-              <a:rPr lang="pl-PL" sz="1800" i="1" dirty="0" smtClean="0">
-                <a:latin typeface="Verdana" panose="020B0604030504040204" pitchFamily="34" charset="0"/>
-                <a:ea typeface="Verdana" panose="020B0604030504040204" pitchFamily="34" charset="0"/>
+              <a:rPr lang="pl-PL" sz="1600" dirty="0" smtClean="0">
+                <a:latin typeface="Calibri" panose="020F0502020204030204" pitchFamily="34" charset="0"/>
               </a:rPr>
             </a:br>
             <a:r>
-              <a:rPr lang="pl-PL" sz="1800" i="1" dirty="0" smtClean="0">
-                <a:latin typeface="Verdana" panose="020B0604030504040204" pitchFamily="34" charset="0"/>
-                <a:ea typeface="Verdana" panose="020B0604030504040204" pitchFamily="34" charset="0"/>
-              </a:rPr>
-              <a:t>GitLab </a:t>
-            </a:r>
-            <a:r>
-              <a:rPr lang="pl-PL" sz="1800" i="1" dirty="0" err="1" smtClean="0">
-                <a:latin typeface="Verdana" panose="020B0604030504040204" pitchFamily="34" charset="0"/>
-                <a:ea typeface="Verdana" panose="020B0604030504040204" pitchFamily="34" charset="0"/>
+              <a:rPr lang="pl-PL" sz="1600" dirty="0" smtClean="0">
+                <a:latin typeface="Calibri" panose="020F0502020204030204" pitchFamily="34" charset="0"/>
+              </a:rPr>
+              <a:t>a </a:t>
+            </a:r>
+            <a:r>
+              <a:rPr lang="pl-PL" sz="1600" dirty="0">
+                <a:latin typeface="Calibri" panose="020F0502020204030204" pitchFamily="34" charset="0"/>
+              </a:rPr>
+              <a:t>następnie nadać mu tytuł i dodać odpowiedni opis</a:t>
+            </a:r>
+            <a:r>
+              <a:rPr lang="pl-PL" sz="1600" dirty="0" smtClean="0">
+                <a:latin typeface="Calibri" panose="020F0502020204030204" pitchFamily="34" charset="0"/>
+              </a:rPr>
+              <a:t>.</a:t>
+            </a:r>
+          </a:p>
+          <a:p>
+            <a:pPr marL="358775" indent="-358775">
+              <a:buNone/>
+            </a:pPr>
+            <a:endParaRPr lang="pl-PL" sz="1600" dirty="0">
+              <a:latin typeface="Calibri" panose="020F0502020204030204" pitchFamily="34" charset="0"/>
+            </a:endParaRPr>
+          </a:p>
+          <a:p>
+            <a:r>
+              <a:rPr lang="pl-PL" sz="1600" dirty="0">
+                <a:latin typeface="Calibri" panose="020F0502020204030204" pitchFamily="34" charset="0"/>
+              </a:rPr>
+              <a:t>Moduł śledzenia tych ogłoszeń w GitLab </a:t>
+            </a:r>
+            <a:r>
+              <a:rPr lang="pl-PL" sz="1600" dirty="0" smtClean="0">
+                <a:latin typeface="Calibri" panose="020F0502020204030204" pitchFamily="34" charset="0"/>
+              </a:rPr>
+              <a:t> (</a:t>
+            </a:r>
+            <a:r>
+              <a:rPr lang="pl-PL" sz="1600" b="1" dirty="0" err="1" smtClean="0">
+                <a:latin typeface="Calibri" panose="020F0502020204030204" pitchFamily="34" charset="0"/>
               </a:rPr>
               <a:t>Issue</a:t>
             </a:r>
             <a:r>
-              <a:rPr lang="pl-PL" sz="1800" i="1" dirty="0" smtClean="0">
-                <a:latin typeface="Verdana" panose="020B0604030504040204" pitchFamily="34" charset="0"/>
-                <a:ea typeface="Verdana" panose="020B0604030504040204" pitchFamily="34" charset="0"/>
+              <a:rPr lang="pl-PL" sz="1600" b="1" dirty="0" smtClean="0">
+                <a:latin typeface="Calibri" panose="020F0502020204030204" pitchFamily="34" charset="0"/>
               </a:rPr>
               <a:t> </a:t>
             </a:r>
             <a:r>
-              <a:rPr lang="pl-PL" sz="1800" i="1" dirty="0" err="1" smtClean="0">
-                <a:latin typeface="Verdana" panose="020B0604030504040204" pitchFamily="34" charset="0"/>
-                <a:ea typeface="Verdana" panose="020B0604030504040204" pitchFamily="34" charset="0"/>
-              </a:rPr>
-              <a:t>Bord</a:t>
-            </a:r>
-            <a:r>
-              <a:rPr lang="pl-PL" sz="1800" i="1" dirty="0" smtClean="0">
-                <a:latin typeface="Verdana" panose="020B0604030504040204" pitchFamily="34" charset="0"/>
-                <a:ea typeface="Verdana" panose="020B0604030504040204" pitchFamily="34" charset="0"/>
-              </a:rPr>
-              <a:t> (tablica zgłoszeń/zadań)</a:t>
-            </a:r>
-            <a:endParaRPr lang="en-US" sz="1800" i="1" dirty="0">
-              <a:latin typeface="Verdana" panose="020B0604030504040204" pitchFamily="34" charset="0"/>
-              <a:ea typeface="Verdana" panose="020B0604030504040204" pitchFamily="34" charset="0"/>
-            </a:endParaRPr>
-          </a:p>
-        </p:txBody>
-      </p:sp>
-      <p:sp>
-        <p:nvSpPr>
-          <p:cNvPr id="4" name="pole tekstowe 3"/>
-          <p:cNvSpPr txBox="1"/>
-          <p:nvPr/>
-        </p:nvSpPr>
-        <p:spPr>
-          <a:xfrm>
-            <a:off x="467544" y="4290650"/>
-            <a:ext cx="2376264" cy="369332"/>
-          </a:xfrm>
-          <a:prstGeom prst="rect">
-            <a:avLst/>
-          </a:prstGeom>
-          <a:noFill/>
-        </p:spPr>
-        <p:txBody>
-          <a:bodyPr wrap="square" rtlCol="0">
-            <a:spAutoFit/>
-          </a:bodyPr>
-          <a:lstStyle/>
-          <a:p>
-            <a:r>
-              <a:rPr lang="pl-PL" dirty="0" smtClean="0">
-                <a:latin typeface="Verdana" panose="020B0604030504040204" pitchFamily="34" charset="0"/>
-                <a:ea typeface="Verdana" panose="020B0604030504040204" pitchFamily="34" charset="0"/>
-              </a:rPr>
-              <a:t>TARNÓW 2021</a:t>
-            </a:r>
-            <a:endParaRPr lang="en-US" dirty="0">
-              <a:latin typeface="Verdana" panose="020B0604030504040204" pitchFamily="34" charset="0"/>
-              <a:ea typeface="Verdana" panose="020B0604030504040204" pitchFamily="34" charset="0"/>
+              <a:rPr lang="pl-PL" sz="1600" b="1" dirty="0" err="1">
+                <a:latin typeface="Calibri" panose="020F0502020204030204" pitchFamily="34" charset="0"/>
+              </a:rPr>
+              <a:t>T</a:t>
+            </a:r>
+            <a:r>
+              <a:rPr lang="pl-PL" sz="1600" b="1" dirty="0" err="1" smtClean="0">
+                <a:latin typeface="Calibri" panose="020F0502020204030204" pitchFamily="34" charset="0"/>
+              </a:rPr>
+              <a:t>racker</a:t>
+            </a:r>
+            <a:r>
+              <a:rPr lang="pl-PL" sz="1600" dirty="0" smtClean="0">
+                <a:latin typeface="Calibri" panose="020F0502020204030204" pitchFamily="34" charset="0"/>
+              </a:rPr>
+              <a:t>) zapewnia </a:t>
+            </a:r>
+            <a:r>
+              <a:rPr lang="pl-PL" sz="1600" dirty="0">
+                <a:latin typeface="Calibri" panose="020F0502020204030204" pitchFamily="34" charset="0"/>
+              </a:rPr>
+              <a:t>szereg dodatkowych </a:t>
+            </a:r>
+            <a:r>
+              <a:rPr lang="pl-PL" sz="1600" dirty="0" smtClean="0">
+                <a:latin typeface="Calibri" panose="020F0502020204030204" pitchFamily="34" charset="0"/>
+              </a:rPr>
+              <a:t>funkcjonalności</a:t>
+            </a:r>
+            <a:r>
+              <a:rPr lang="pl-PL" sz="1600" dirty="0"/>
+              <a:t/>
+            </a:r>
+            <a:br>
+              <a:rPr lang="pl-PL" sz="1600" dirty="0"/>
+            </a:br>
+            <a:endParaRPr lang="pl-PL" sz="1600" dirty="0" smtClean="0">
+              <a:latin typeface="+mj-lt"/>
             </a:endParaRPr>
           </a:p>
         </p:txBody>
@@ -3613,13 +3718,20 @@
     </p:spTree>
     <p:extLst>
       <p:ext uri="{BB962C8B-B14F-4D97-AF65-F5344CB8AC3E}">
-        <p14:creationId xmlns:p14="http://schemas.microsoft.com/office/powerpoint/2010/main" val="1697670837"/>
+        <p14:creationId xmlns:p14="http://schemas.microsoft.com/office/powerpoint/2010/main" val="2046278719"/>
       </p:ext>
     </p:extLst>
   </p:cSld>
   <p:clrMapOvr>
     <a:masterClrMapping/>
   </p:clrMapOvr>
+  <p:timing>
+    <p:tnLst>
+      <p:par>
+        <p:cTn id="1" dur="indefinite" restart="never" nodeType="tmRoot"/>
+      </p:par>
+    </p:tnLst>
+  </p:timing>
 </p:sld>
 </file>
 
@@ -3658,7 +3770,7 @@
         </p:spPr>
         <p:txBody>
           <a:bodyPr>
-            <a:normAutofit/>
+            <a:normAutofit lnSpcReduction="10000"/>
           </a:bodyPr>
           <a:lstStyle/>
           <a:p>
@@ -3666,107 +3778,150 @@
               <a:buNone/>
             </a:pPr>
             <a:r>
-              <a:rPr lang="pl-PL" sz="2400" b="1" dirty="0" err="1"/>
+              <a:rPr lang="pl-PL" sz="2400" b="1" dirty="0" err="1" smtClean="0">
+                <a:latin typeface="Calibri" panose="020F0502020204030204" pitchFamily="34" charset="0"/>
+              </a:rPr>
               <a:t>Issue</a:t>
             </a:r>
             <a:r>
-              <a:rPr lang="pl-PL" sz="2400" b="1" dirty="0"/>
-              <a:t> Board</a:t>
-            </a:r>
-            <a:endParaRPr lang="pl-PL" sz="1600" b="1" dirty="0"/>
+              <a:rPr lang="pl-PL" sz="2400" b="1" dirty="0" smtClean="0">
+                <a:latin typeface="Calibri" panose="020F0502020204030204" pitchFamily="34" charset="0"/>
+              </a:rPr>
+              <a:t> Board w praktyce</a:t>
+            </a:r>
+            <a:endParaRPr lang="pl-PL" sz="1600" b="1" dirty="0">
+              <a:latin typeface="Calibri" panose="020F0502020204030204" pitchFamily="34" charset="0"/>
+            </a:endParaRPr>
           </a:p>
           <a:p>
             <a:pPr marL="0" indent="0">
               <a:buNone/>
             </a:pPr>
             <a:endParaRPr lang="pl-PL" sz="1600" b="1" dirty="0" smtClean="0">
-              <a:latin typeface="+mj-lt"/>
-            </a:endParaRPr>
-          </a:p>
-          <a:p>
-            <a:pPr marL="0" indent="0">
-              <a:buNone/>
-            </a:pPr>
-            <a:r>
-              <a:rPr lang="pl-PL" sz="1600" b="1" dirty="0" smtClean="0"/>
-              <a:t>Waga </a:t>
-            </a:r>
-            <a:r>
-              <a:rPr lang="pl-PL" sz="1600" b="1" dirty="0"/>
-              <a:t>zgłoszeń</a:t>
-            </a:r>
-          </a:p>
-          <a:p>
-            <a:pPr marL="0" indent="0">
-              <a:buNone/>
-            </a:pPr>
-            <a:endParaRPr lang="pl-PL" sz="1600" dirty="0" smtClean="0"/>
-          </a:p>
-          <a:p>
-            <a:pPr marL="0" indent="0">
-              <a:buNone/>
-            </a:pPr>
-            <a:r>
-              <a:rPr lang="pl-PL" sz="1600" dirty="0" smtClean="0"/>
-              <a:t>Każdemu </a:t>
-            </a:r>
-            <a:r>
-              <a:rPr lang="pl-PL" sz="1600" dirty="0"/>
-              <a:t>zgłoszeniu można przypisać odpowiednią wagę, aby precyzyjnie ustalić stopień trudności wdrożenia zgłoszonego pomysłu. </a:t>
-            </a:r>
-            <a:endParaRPr lang="pl-PL" sz="1600" dirty="0" smtClean="0"/>
-          </a:p>
-          <a:p>
-            <a:pPr marL="0" indent="0">
-              <a:buNone/>
-            </a:pPr>
-            <a:endParaRPr lang="pl-PL" sz="1600" dirty="0"/>
-          </a:p>
-          <a:p>
-            <a:pPr marL="0" indent="0">
-              <a:buNone/>
-            </a:pPr>
-            <a:r>
-              <a:rPr lang="pl-PL" sz="1600" dirty="0" smtClean="0"/>
-              <a:t>Łatwiejsze </a:t>
-            </a:r>
-            <a:r>
-              <a:rPr lang="pl-PL" sz="1600" dirty="0"/>
-              <a:t>z nich mogłyby otrzymać wagę 01-03, nieco trudniejsze 04-06, a najtrudniejsze 07-09. </a:t>
-            </a:r>
-            <a:endParaRPr lang="pl-PL" sz="1600" dirty="0" smtClean="0"/>
-          </a:p>
-          <a:p>
-            <a:pPr marL="0" indent="0">
-              <a:buNone/>
-            </a:pPr>
-            <a:endParaRPr lang="pl-PL" sz="1600" dirty="0"/>
-          </a:p>
-          <a:p>
-            <a:pPr marL="0" indent="0">
-              <a:buNone/>
-            </a:pPr>
-            <a:r>
-              <a:rPr lang="pl-PL" sz="1600" dirty="0" smtClean="0"/>
-              <a:t>W </a:t>
-            </a:r>
-            <a:r>
-              <a:rPr lang="pl-PL" sz="1600" dirty="0"/>
-              <a:t>porozumieniu z zespołem możesz oczywiście wypracować własne standardy wagowe.</a:t>
-            </a:r>
-          </a:p>
-          <a:p>
-            <a:pPr marL="0" indent="0">
-              <a:buNone/>
-            </a:pPr>
-            <a:endParaRPr lang="pl-PL" sz="1600" dirty="0"/>
+              <a:latin typeface="Calibri" panose="020F0502020204030204" pitchFamily="34" charset="0"/>
+            </a:endParaRPr>
+          </a:p>
+          <a:p>
+            <a:r>
+              <a:rPr lang="pl-PL" sz="2000" dirty="0" smtClean="0">
+                <a:latin typeface="Calibri" panose="020F0502020204030204" pitchFamily="34" charset="0"/>
+              </a:rPr>
+              <a:t>Jedno narzędzie / nieskończona funkcjonalność</a:t>
+            </a:r>
+          </a:p>
+          <a:p>
+            <a:endParaRPr lang="pl-PL" sz="2000" dirty="0" smtClean="0">
+              <a:latin typeface="Calibri" panose="020F0502020204030204" pitchFamily="34" charset="0"/>
+            </a:endParaRPr>
+          </a:p>
+          <a:p>
+            <a:r>
+              <a:rPr lang="pl-PL" sz="2000" dirty="0">
+                <a:latin typeface="Calibri" panose="020F0502020204030204" pitchFamily="34" charset="0"/>
+              </a:rPr>
+              <a:t>Wszystko w jednym </a:t>
+            </a:r>
+            <a:r>
+              <a:rPr lang="pl-PL" sz="2000" dirty="0" smtClean="0">
+                <a:latin typeface="Calibri" panose="020F0502020204030204" pitchFamily="34" charset="0"/>
+              </a:rPr>
+              <a:t>miejscu</a:t>
+            </a:r>
+          </a:p>
+          <a:p>
+            <a:endParaRPr lang="pl-PL" sz="2000" dirty="0" smtClean="0">
+              <a:latin typeface="Calibri" panose="020F0502020204030204" pitchFamily="34" charset="0"/>
+            </a:endParaRPr>
+          </a:p>
+          <a:p>
+            <a:r>
+              <a:rPr lang="pl-PL" sz="2000" dirty="0" smtClean="0">
+                <a:latin typeface="Calibri" panose="020F0502020204030204" pitchFamily="34" charset="0"/>
+              </a:rPr>
+              <a:t>Analiza problemów </a:t>
+            </a:r>
+            <a:r>
+              <a:rPr lang="pl-PL" sz="2000" dirty="0">
+                <a:latin typeface="Calibri" panose="020F0502020204030204" pitchFamily="34" charset="0"/>
+              </a:rPr>
+              <a:t>i </a:t>
+            </a:r>
+            <a:r>
+              <a:rPr lang="pl-PL" sz="2000" dirty="0" smtClean="0">
+                <a:latin typeface="Calibri" panose="020F0502020204030204" pitchFamily="34" charset="0"/>
+              </a:rPr>
+              <a:t>postępów </a:t>
+            </a:r>
+            <a:r>
+              <a:rPr lang="pl-PL" sz="2000" dirty="0">
+                <a:latin typeface="Calibri" panose="020F0502020204030204" pitchFamily="34" charset="0"/>
+              </a:rPr>
+              <a:t>bez przełączania się między </a:t>
+            </a:r>
+            <a:r>
+              <a:rPr lang="pl-PL" sz="2000" dirty="0" smtClean="0">
+                <a:latin typeface="Calibri" panose="020F0502020204030204" pitchFamily="34" charset="0"/>
+              </a:rPr>
+              <a:t>produktami</a:t>
+            </a:r>
+          </a:p>
+          <a:p>
+            <a:endParaRPr lang="pl-PL" sz="2000" dirty="0" smtClean="0">
+              <a:latin typeface="Calibri" panose="020F0502020204030204" pitchFamily="34" charset="0"/>
+            </a:endParaRPr>
+          </a:p>
+          <a:p>
+            <a:r>
+              <a:rPr lang="pl-PL" sz="2000" dirty="0" smtClean="0">
+                <a:latin typeface="Calibri" panose="020F0502020204030204" pitchFamily="34" charset="0"/>
+              </a:rPr>
+              <a:t>Jeden </a:t>
+            </a:r>
+            <a:r>
+              <a:rPr lang="pl-PL" sz="2000" dirty="0">
+                <a:latin typeface="Calibri" panose="020F0502020204030204" pitchFamily="34" charset="0"/>
+              </a:rPr>
+              <a:t>interfejs do śledzenia </a:t>
+            </a:r>
+            <a:r>
+              <a:rPr lang="pl-PL" sz="2000" dirty="0" smtClean="0">
+                <a:latin typeface="Calibri" panose="020F0502020204030204" pitchFamily="34" charset="0"/>
+              </a:rPr>
+              <a:t>wszystkich zgłoszeń </a:t>
+            </a:r>
+            <a:br>
+              <a:rPr lang="pl-PL" sz="2000" dirty="0" smtClean="0">
+                <a:latin typeface="Calibri" panose="020F0502020204030204" pitchFamily="34" charset="0"/>
+              </a:rPr>
+            </a:br>
+            <a:r>
+              <a:rPr lang="pl-PL" sz="2000" dirty="0" smtClean="0">
+                <a:latin typeface="Calibri" panose="020F0502020204030204" pitchFamily="34" charset="0"/>
+              </a:rPr>
+              <a:t>(od </a:t>
+            </a:r>
+            <a:r>
+              <a:rPr lang="pl-PL" sz="2000" dirty="0">
+                <a:latin typeface="Calibri" panose="020F0502020204030204" pitchFamily="34" charset="0"/>
+              </a:rPr>
+              <a:t>zaległości do </a:t>
+            </a:r>
+            <a:r>
+              <a:rPr lang="pl-PL" sz="2000" dirty="0" smtClean="0">
+                <a:latin typeface="Calibri" panose="020F0502020204030204" pitchFamily="34" charset="0"/>
+              </a:rPr>
+              <a:t>wykonania)</a:t>
+            </a:r>
+            <a:endParaRPr lang="pl-PL" sz="2000" dirty="0">
+              <a:latin typeface="Calibri" panose="020F0502020204030204" pitchFamily="34" charset="0"/>
+            </a:endParaRPr>
           </a:p>
         </p:txBody>
       </p:sp>
     </p:spTree>
     <p:extLst>
       <p:ext uri="{BB962C8B-B14F-4D97-AF65-F5344CB8AC3E}">
-        <p14:creationId xmlns:p14="http://schemas.microsoft.com/office/powerpoint/2010/main" val="3934441048"/>
+        <p14:creationId xmlns:p14="http://schemas.microsoft.com/office/powerpoint/2010/main" val="4058966072"/>
       </p:ext>
     </p:extLst>
   </p:cSld>
@@ -3818,7 +3973,7 @@
         </p:spPr>
         <p:txBody>
           <a:bodyPr>
-            <a:normAutofit lnSpcReduction="10000"/>
+            <a:normAutofit/>
           </a:bodyPr>
           <a:lstStyle/>
           <a:p>
@@ -3826,85 +3981,120 @@
               <a:buNone/>
             </a:pPr>
             <a:r>
-              <a:rPr lang="pl-PL" sz="2400" b="1" dirty="0" err="1"/>
+              <a:rPr lang="pl-PL" sz="2400" b="1" dirty="0" err="1" smtClean="0">
+                <a:latin typeface="Calibri" panose="020F0502020204030204" pitchFamily="34" charset="0"/>
+              </a:rPr>
               <a:t>Issue</a:t>
             </a:r>
             <a:r>
-              <a:rPr lang="pl-PL" sz="2400" b="1" dirty="0"/>
-              <a:t> Board</a:t>
-            </a:r>
-            <a:endParaRPr lang="pl-PL" sz="1600" b="1" dirty="0"/>
+              <a:rPr lang="pl-PL" sz="2400" b="1" dirty="0" smtClean="0">
+                <a:latin typeface="Calibri" panose="020F0502020204030204" pitchFamily="34" charset="0"/>
+              </a:rPr>
+              <a:t> Board w praktyce</a:t>
+            </a:r>
+            <a:endParaRPr lang="pl-PL" sz="1600" b="1" dirty="0">
+              <a:latin typeface="Calibri" panose="020F0502020204030204" pitchFamily="34" charset="0"/>
+            </a:endParaRPr>
           </a:p>
           <a:p>
             <a:pPr marL="0" indent="0">
               <a:buNone/>
             </a:pPr>
             <a:endParaRPr lang="pl-PL" sz="1600" b="1" dirty="0" smtClean="0">
-              <a:latin typeface="+mj-lt"/>
-            </a:endParaRPr>
-          </a:p>
-          <a:p>
-            <a:r>
-              <a:rPr lang="pl-PL" sz="1600" dirty="0"/>
-              <a:t>GitLab </a:t>
-            </a:r>
-            <a:r>
-              <a:rPr lang="pl-PL" sz="1600" dirty="0" err="1"/>
-              <a:t>Issue</a:t>
-            </a:r>
-            <a:r>
-              <a:rPr lang="pl-PL" sz="1600" dirty="0"/>
-              <a:t> Board (tablica zgłoszeń) to znakomite narzędzie do planowania i organizowania zgłoszeń, umożliwiające dopasowanie ich do procesów w Twoim projekcie</a:t>
-            </a:r>
-            <a:r>
-              <a:rPr lang="pl-PL" sz="1600" dirty="0" smtClean="0"/>
-              <a:t>.</a:t>
-            </a:r>
-          </a:p>
-          <a:p>
-            <a:endParaRPr lang="pl-PL" sz="1600" dirty="0"/>
-          </a:p>
-          <a:p>
-            <a:r>
-              <a:rPr lang="pl-PL" sz="1600" dirty="0"/>
-              <a:t>Tablica wyświetla odpowiednio oznaczone listy, umożliwiające dzielenie zgłoszeń według kategorii. Każda z list zawiera odpowiednie dla niej zgłoszenia, zaprezentowane w formie kart</a:t>
-            </a:r>
-            <a:r>
-              <a:rPr lang="pl-PL" sz="1600" dirty="0" smtClean="0"/>
-              <a:t>.</a:t>
-            </a:r>
-          </a:p>
-          <a:p>
-            <a:endParaRPr lang="pl-PL" sz="1600" dirty="0"/>
-          </a:p>
-          <a:p>
-            <a:r>
-              <a:rPr lang="pl-PL" sz="1600" dirty="0"/>
-              <a:t>Karty można przypinać do list w dowolny sposób. Taka akcja powoduje dodanie do niej znacznika listy. W efekcie ułatwia to pracę po przełączeniu z widoku tablicy (Board) na widok zgłoszenia (</a:t>
-            </a:r>
-            <a:r>
-              <a:rPr lang="pl-PL" sz="1600" dirty="0" err="1"/>
-              <a:t>Issues</a:t>
-            </a:r>
-            <a:r>
-              <a:rPr lang="pl-PL" sz="1600" dirty="0" smtClean="0"/>
-              <a:t>).</a:t>
-            </a:r>
-            <a:r>
-              <a:rPr lang="pl-PL" sz="1600" dirty="0"/>
-              <a:t/>
-            </a:r>
-            <a:br>
-              <a:rPr lang="pl-PL" sz="1600" dirty="0"/>
-            </a:br>
-            <a:endParaRPr lang="pl-PL" sz="1600" dirty="0"/>
+              <a:latin typeface="Calibri" panose="020F0502020204030204" pitchFamily="34" charset="0"/>
+            </a:endParaRPr>
+          </a:p>
+          <a:p>
+            <a:r>
+              <a:rPr lang="pl-PL" sz="2000" dirty="0" smtClean="0">
+                <a:latin typeface="Calibri" panose="020F0502020204030204" pitchFamily="34" charset="0"/>
+              </a:rPr>
+              <a:t>Więcej </a:t>
+            </a:r>
+            <a:r>
+              <a:rPr lang="pl-PL" sz="2000" dirty="0">
+                <a:latin typeface="Calibri" panose="020F0502020204030204" pitchFamily="34" charset="0"/>
+              </a:rPr>
+              <a:t>niż wizualna </a:t>
+            </a:r>
+            <a:r>
+              <a:rPr lang="pl-PL" sz="2000" dirty="0" smtClean="0">
+                <a:latin typeface="Calibri" panose="020F0502020204030204" pitchFamily="34" charset="0"/>
+              </a:rPr>
+              <a:t>reprezentacja</a:t>
+            </a:r>
+          </a:p>
+          <a:p>
+            <a:endParaRPr lang="pl-PL" sz="2000" dirty="0" smtClean="0">
+              <a:latin typeface="Calibri" panose="020F0502020204030204" pitchFamily="34" charset="0"/>
+            </a:endParaRPr>
+          </a:p>
+          <a:p>
+            <a:r>
+              <a:rPr lang="pl-PL" sz="2000" dirty="0" smtClean="0">
+                <a:latin typeface="Calibri" panose="020F0502020204030204" pitchFamily="34" charset="0"/>
+              </a:rPr>
+              <a:t>Zagadnienia, etykiety </a:t>
+            </a:r>
+            <a:r>
+              <a:rPr lang="pl-PL" sz="2000" dirty="0">
+                <a:latin typeface="Calibri" panose="020F0502020204030204" pitchFamily="34" charset="0"/>
+              </a:rPr>
+              <a:t>i wszystkie metadane, które się z nimi </a:t>
+            </a:r>
+            <a:r>
+              <a:rPr lang="pl-PL" sz="2000" dirty="0" smtClean="0">
+                <a:latin typeface="Calibri" panose="020F0502020204030204" pitchFamily="34" charset="0"/>
+              </a:rPr>
+              <a:t>wiążą</a:t>
+            </a:r>
+          </a:p>
+          <a:p>
+            <a:endParaRPr lang="pl-PL" sz="2000" dirty="0">
+              <a:latin typeface="Calibri" panose="020F0502020204030204" pitchFamily="34" charset="0"/>
+            </a:endParaRPr>
+          </a:p>
+          <a:p>
+            <a:r>
+              <a:rPr lang="pl-PL" sz="2000" dirty="0" smtClean="0">
+                <a:latin typeface="Calibri" panose="020F0502020204030204" pitchFamily="34" charset="0"/>
+              </a:rPr>
+              <a:t>Te </a:t>
+            </a:r>
+            <a:r>
+              <a:rPr lang="pl-PL" sz="2000" dirty="0">
+                <a:latin typeface="Calibri" panose="020F0502020204030204" pitchFamily="34" charset="0"/>
+              </a:rPr>
+              <a:t>same narzędzia </a:t>
+            </a:r>
+            <a:r>
+              <a:rPr lang="pl-PL" sz="2000" dirty="0" smtClean="0">
+                <a:latin typeface="Calibri" panose="020F0502020204030204" pitchFamily="34" charset="0"/>
+              </a:rPr>
+              <a:t>GitLab do </a:t>
+            </a:r>
+            <a:r>
+              <a:rPr lang="pl-PL" sz="2000" dirty="0">
+                <a:latin typeface="Calibri" panose="020F0502020204030204" pitchFamily="34" charset="0"/>
+              </a:rPr>
+              <a:t>sortowania i </a:t>
+            </a:r>
+            <a:r>
+              <a:rPr lang="pl-PL" sz="2000" dirty="0" smtClean="0">
+                <a:latin typeface="Calibri" panose="020F0502020204030204" pitchFamily="34" charset="0"/>
+              </a:rPr>
+              <a:t>filtrowania</a:t>
+            </a:r>
+            <a:endParaRPr lang="pl-PL" sz="2000" dirty="0">
+              <a:latin typeface="Calibri" panose="020F0502020204030204" pitchFamily="34" charset="0"/>
+            </a:endParaRPr>
           </a:p>
         </p:txBody>
       </p:sp>
     </p:spTree>
     <p:extLst>
       <p:ext uri="{BB962C8B-B14F-4D97-AF65-F5344CB8AC3E}">
-        <p14:creationId xmlns:p14="http://schemas.microsoft.com/office/powerpoint/2010/main" val="3050583687"/>
+        <p14:creationId xmlns:p14="http://schemas.microsoft.com/office/powerpoint/2010/main" val="4249108325"/>
       </p:ext>
     </p:extLst>
   </p:cSld>
@@ -3964,12 +4154,12 @@
               <a:buNone/>
             </a:pPr>
             <a:r>
-              <a:rPr lang="pl-PL" sz="2400" b="1" dirty="0" err="1"/>
+              <a:rPr lang="pl-PL" sz="2400" b="1" dirty="0" err="1" smtClean="0"/>
               <a:t>Issue</a:t>
             </a:r>
             <a:r>
-              <a:rPr lang="pl-PL" sz="2400" b="1" dirty="0"/>
-              <a:t> Board</a:t>
+              <a:rPr lang="pl-PL" sz="2400" b="1" dirty="0" smtClean="0"/>
+              <a:t> Board w praktyce</a:t>
             </a:r>
             <a:endParaRPr lang="pl-PL" sz="1600" b="1" dirty="0"/>
           </a:p>
@@ -3982,72 +4172,76 @@
             </a:endParaRPr>
           </a:p>
           <a:p>
-            <a:pPr marL="0" indent="0">
-              <a:buNone/>
-            </a:pPr>
-            <a:r>
-              <a:rPr lang="pl-PL" sz="2000" b="1" dirty="0"/>
-              <a:t>Nowością</a:t>
-            </a:r>
             <a:r>
               <a:rPr lang="pl-PL" sz="2000" dirty="0"/>
-              <a:t> która została wprowadzona niedawno jest możliwość wykorzystywania wielu tablic zgłoszeń (</a:t>
-            </a:r>
-            <a:r>
-              <a:rPr lang="pl-PL" sz="2000" dirty="0" err="1"/>
-              <a:t>Multiple</a:t>
+              <a:t>Ty określasz swój </a:t>
+            </a:r>
+            <a:r>
+              <a:rPr lang="pl-PL" sz="2000" dirty="0" smtClean="0"/>
+              <a:t>proces</a:t>
+            </a:r>
+          </a:p>
+          <a:p>
+            <a:r>
+              <a:rPr lang="pl-PL" sz="2000" dirty="0" smtClean="0"/>
+              <a:t>A organizacja spoczywa na GitLab</a:t>
+            </a:r>
+          </a:p>
+          <a:p>
+            <a:r>
+              <a:rPr lang="pl-PL" sz="2000" dirty="0" smtClean="0"/>
+              <a:t>Ty </a:t>
             </a:r>
             <a:r>
               <a:rPr lang="pl-PL" sz="2000" dirty="0"/>
-              <a:t> </a:t>
-            </a:r>
-            <a:r>
-              <a:rPr lang="pl-PL" sz="2000" dirty="0" err="1"/>
-              <a:t>Issue</a:t>
+              <a:t>tworzysz </a:t>
+            </a:r>
+            <a:r>
+              <a:rPr lang="pl-PL" sz="2000" dirty="0" smtClean="0"/>
+              <a:t>etykietę</a:t>
+            </a:r>
+          </a:p>
+          <a:p>
+            <a:r>
+              <a:rPr lang="pl-PL" sz="2000" dirty="0" smtClean="0"/>
+              <a:t>GitLab tworzy </a:t>
             </a:r>
             <a:r>
               <a:rPr lang="pl-PL" sz="2000" dirty="0"/>
-              <a:t> </a:t>
-            </a:r>
-            <a:r>
-              <a:rPr lang="pl-PL" sz="2000" dirty="0" err="1"/>
-              <a:t>Boards</a:t>
+              <a:t>odpowiednią </a:t>
+            </a:r>
+            <a:r>
+              <a:rPr lang="pl-PL" sz="2000" dirty="0" smtClean="0"/>
+              <a:t>kartę i wiąże z nią zgłoszenia</a:t>
+            </a:r>
+          </a:p>
+          <a:p>
+            <a:r>
+              <a:rPr lang="pl-PL" sz="2000" dirty="0" smtClean="0"/>
+              <a:t>Operacja przeciągania – </a:t>
+            </a:r>
+            <a:r>
+              <a:rPr lang="pl-PL" sz="2000" b="1" dirty="0" smtClean="0"/>
+              <a:t>drag &amp; drop</a:t>
+            </a:r>
+            <a:r>
+              <a:rPr lang="pl-PL" sz="2000" dirty="0" smtClean="0"/>
+              <a:t/>
+            </a:r>
+            <a:br>
+              <a:rPr lang="pl-PL" sz="2000" dirty="0" smtClean="0"/>
+            </a:br>
+            <a:r>
+              <a:rPr lang="pl-PL" sz="2000" dirty="0" smtClean="0"/>
+              <a:t>w prosty sposób pozwala przejść z </a:t>
             </a:r>
             <a:r>
               <a:rPr lang="pl-PL" sz="2000" dirty="0"/>
-              <a:t>) w jednym projekcie. </a:t>
-            </a:r>
-            <a:r>
-              <a:rPr lang="pl-PL" sz="2000" dirty="0" err="1"/>
-              <a:t>Multiple</a:t>
-            </a:r>
-            <a:r>
-              <a:rPr lang="pl-PL" sz="2000" dirty="0"/>
-              <a:t> </a:t>
-            </a:r>
-            <a:r>
-              <a:rPr lang="pl-PL" sz="2000" dirty="0" err="1"/>
-              <a:t>Issue</a:t>
-            </a:r>
-            <a:r>
-              <a:rPr lang="pl-PL" sz="2000" dirty="0"/>
-              <a:t> </a:t>
-            </a:r>
-            <a:r>
-              <a:rPr lang="pl-PL" sz="2000" dirty="0" err="1"/>
-              <a:t>Boards</a:t>
-            </a:r>
-            <a:r>
-              <a:rPr lang="pl-PL" sz="2000" dirty="0"/>
-              <a:t> jest najlepszym sposobem na jednoczesne organizowanie zgłoszeń z kilku różnych </a:t>
-            </a:r>
-            <a:r>
-              <a:rPr lang="pl-PL" sz="2000" dirty="0" err="1"/>
-              <a:t>workflow</a:t>
+              <a:t>jednego kroku do </a:t>
             </a:r>
             <a:r>
               <a:rPr lang="pl-PL" sz="2000" dirty="0" smtClean="0"/>
-              <a:t>.</a:t>
+              <a:t>następnego</a:t>
             </a:r>
             <a:endParaRPr lang="pl-PL" sz="2000" dirty="0"/>
           </a:p>
@@ -4056,7 +4250,7 @@
     </p:spTree>
     <p:extLst>
       <p:ext uri="{BB962C8B-B14F-4D97-AF65-F5344CB8AC3E}">
-        <p14:creationId xmlns:p14="http://schemas.microsoft.com/office/powerpoint/2010/main" val="2877446438"/>
+        <p14:creationId xmlns:p14="http://schemas.microsoft.com/office/powerpoint/2010/main" val="2742567098"/>
       </p:ext>
     </p:extLst>
   </p:cSld>
@@ -4108,7 +4302,7 @@
         </p:spPr>
         <p:txBody>
           <a:bodyPr>
-            <a:normAutofit lnSpcReduction="10000"/>
+            <a:normAutofit fontScale="85000" lnSpcReduction="20000"/>
           </a:bodyPr>
           <a:lstStyle/>
           <a:p>
@@ -4123,99 +4317,107 @@
               <a:rPr lang="pl-PL" sz="2400" b="1" dirty="0" smtClean="0"/>
               <a:t> Board w praktyce</a:t>
             </a:r>
+          </a:p>
+          <a:p>
+            <a:pPr marL="0" indent="0">
+              <a:buNone/>
+            </a:pPr>
             <a:endParaRPr lang="pl-PL" sz="1600" b="1" dirty="0"/>
           </a:p>
           <a:p>
-            <a:pPr marL="0" indent="0">
-              <a:buNone/>
-            </a:pPr>
-            <a:endParaRPr lang="pl-PL" sz="1600" b="1" dirty="0" smtClean="0">
+            <a:r>
+              <a:rPr lang="pl-PL" sz="1900" b="1" dirty="0" smtClean="0"/>
+              <a:t>Utwórz zgłoszenie</a:t>
+            </a:r>
+          </a:p>
+          <a:p>
+            <a:pPr marL="0" indent="0">
+              <a:buNone/>
+            </a:pPr>
+            <a:r>
+              <a:rPr lang="pl-PL" sz="1900" dirty="0" smtClean="0"/>
+              <a:t>Zgłoszenia pozwalają zbierać pomysły i dostosowywać role w zespole w celu osiągniecia wspólnego celu</a:t>
+            </a:r>
+          </a:p>
+          <a:p>
+            <a:pPr marL="0" indent="0">
+              <a:buNone/>
+            </a:pPr>
+            <a:endParaRPr lang="pl-PL" sz="1900" dirty="0" smtClean="0"/>
+          </a:p>
+          <a:p>
+            <a:r>
+              <a:rPr lang="pl-PL" sz="1900" b="1" dirty="0" smtClean="0"/>
+              <a:t>Przydziel etykietę do zgłoszenia</a:t>
+            </a:r>
+          </a:p>
+          <a:p>
+            <a:pPr marL="0" indent="0">
+              <a:buNone/>
+            </a:pPr>
+            <a:r>
+              <a:rPr lang="pl-PL" sz="1900" dirty="0"/>
+              <a:t>Etykiety ułatwiają kategoryzowanie problemów na podstawie opisowych tytułów. Pomagają zespołom szybko zrozumieć kontekst problemu. M</a:t>
+            </a:r>
+            <a:r>
+              <a:rPr lang="pl-PL" sz="1900" dirty="0" smtClean="0"/>
+              <a:t>ogą </a:t>
+            </a:r>
+            <a:r>
+              <a:rPr lang="pl-PL" sz="1900" dirty="0"/>
+              <a:t>służyć do opisywania typu problemu, np. „Nowa funkcja”, lub do opisywania etapu problemu, na przykład „Kontrola jakości”. </a:t>
+            </a:r>
+            <a:endParaRPr lang="pl-PL" sz="1900" dirty="0" smtClean="0"/>
+          </a:p>
+          <a:p>
+            <a:pPr marL="0" indent="0">
+              <a:buNone/>
+            </a:pPr>
+            <a:endParaRPr lang="pl-PL" sz="1900" dirty="0" smtClean="0"/>
+          </a:p>
+          <a:p>
+            <a:r>
+              <a:rPr lang="pl-PL" sz="1900" b="1" dirty="0"/>
+              <a:t>Przejdź do tablicy </a:t>
+            </a:r>
+            <a:r>
+              <a:rPr lang="pl-PL" sz="1900" b="1" dirty="0" smtClean="0"/>
+              <a:t>zgłosze</a:t>
+            </a:r>
+            <a:r>
+              <a:rPr lang="pl-PL" sz="1900" b="1" dirty="0"/>
+              <a:t>ń</a:t>
+            </a:r>
+            <a:endParaRPr lang="pl-PL" sz="1900" b="1" dirty="0" smtClean="0"/>
+          </a:p>
+          <a:p>
+            <a:pPr marL="0" indent="0">
+              <a:buNone/>
+            </a:pPr>
+            <a:r>
+              <a:rPr lang="pl-PL" sz="1900" dirty="0" smtClean="0"/>
+              <a:t>Zgłoszenia pojawiają </a:t>
+            </a:r>
+            <a:r>
+              <a:rPr lang="pl-PL" sz="1900" dirty="0"/>
+              <a:t>się jako karty na tablicy emisyjnej. Można je uporządkować w wielu kolumnach za pomocą list. </a:t>
+            </a:r>
+            <a:endParaRPr lang="en-US" sz="1900" dirty="0"/>
+          </a:p>
+          <a:p>
+            <a:pPr marL="0" indent="0">
+              <a:buNone/>
+            </a:pPr>
+            <a:endParaRPr lang="pl-PL" sz="1900" b="1" dirty="0" smtClean="0">
               <a:latin typeface="+mj-lt"/>
             </a:endParaRPr>
-          </a:p>
-          <a:p>
-            <a:r>
-              <a:rPr lang="pl-PL" sz="2000" dirty="0" smtClean="0"/>
-              <a:t>Jedno narzędzie / nieskończona funkcjonalność</a:t>
-            </a:r>
-          </a:p>
-          <a:p>
-            <a:endParaRPr lang="pl-PL" sz="2000" dirty="0" smtClean="0"/>
-          </a:p>
-          <a:p>
-            <a:r>
-              <a:rPr lang="pl-PL" sz="2000" dirty="0"/>
-              <a:t>Wszystko w jednym </a:t>
-            </a:r>
-            <a:r>
-              <a:rPr lang="pl-PL" sz="2000" dirty="0" smtClean="0"/>
-              <a:t>miejscu</a:t>
-            </a:r>
-          </a:p>
-          <a:p>
-            <a:endParaRPr lang="pl-PL" sz="2000" dirty="0" smtClean="0"/>
-          </a:p>
-          <a:p>
-            <a:r>
-              <a:rPr lang="pl-PL" sz="2000" dirty="0" smtClean="0"/>
-              <a:t>Analiza problemów </a:t>
-            </a:r>
-            <a:r>
-              <a:rPr lang="pl-PL" sz="2000" dirty="0"/>
-              <a:t>i </a:t>
-            </a:r>
-            <a:r>
-              <a:rPr lang="pl-PL" sz="2000" dirty="0" smtClean="0"/>
-              <a:t>postępów </a:t>
-            </a:r>
-            <a:r>
-              <a:rPr lang="pl-PL" sz="2000" dirty="0"/>
-              <a:t>bez przełączania się między </a:t>
-            </a:r>
-            <a:r>
-              <a:rPr lang="pl-PL" sz="2000" dirty="0" smtClean="0"/>
-              <a:t>produktami</a:t>
-            </a:r>
-          </a:p>
-          <a:p>
-            <a:endParaRPr lang="pl-PL" sz="2000" dirty="0" smtClean="0"/>
-          </a:p>
-          <a:p>
-            <a:r>
-              <a:rPr lang="pl-PL" sz="2000" dirty="0" smtClean="0"/>
-              <a:t>Jeden </a:t>
-            </a:r>
-            <a:r>
-              <a:rPr lang="pl-PL" sz="2000" dirty="0"/>
-              <a:t>interfejs do śledzenia </a:t>
-            </a:r>
-            <a:r>
-              <a:rPr lang="pl-PL" sz="2000" dirty="0" smtClean="0"/>
-              <a:t>wszystkich zgłoszeń </a:t>
-            </a:r>
-            <a:br>
-              <a:rPr lang="pl-PL" sz="2000" dirty="0" smtClean="0"/>
-            </a:br>
-            <a:r>
-              <a:rPr lang="pl-PL" sz="2000" dirty="0" smtClean="0"/>
-              <a:t>(od </a:t>
-            </a:r>
-            <a:r>
-              <a:rPr lang="pl-PL" sz="2000" dirty="0"/>
-              <a:t>zaległości do </a:t>
-            </a:r>
-            <a:r>
-              <a:rPr lang="pl-PL" sz="2000" dirty="0" smtClean="0"/>
-              <a:t>wykonania)</a:t>
-            </a:r>
-            <a:endParaRPr lang="pl-PL" sz="2000" dirty="0"/>
           </a:p>
         </p:txBody>
       </p:sp>
     </p:spTree>
     <p:extLst>
       <p:ext uri="{BB962C8B-B14F-4D97-AF65-F5344CB8AC3E}">
-        <p14:creationId xmlns:p14="http://schemas.microsoft.com/office/powerpoint/2010/main" val="911577590"/>
+        <p14:creationId xmlns:p14="http://schemas.microsoft.com/office/powerpoint/2010/main" val="3578570115"/>
       </p:ext>
     </p:extLst>
   </p:cSld>
@@ -4267,7 +4469,7 @@
         </p:spPr>
         <p:txBody>
           <a:bodyPr>
-            <a:normAutofit lnSpcReduction="10000"/>
+            <a:normAutofit/>
           </a:bodyPr>
           <a:lstStyle/>
           <a:p>
@@ -4285,96 +4487,81 @@
             <a:endParaRPr lang="pl-PL" sz="1600" b="1" dirty="0"/>
           </a:p>
           <a:p>
-            <a:pPr marL="0" indent="0">
-              <a:buNone/>
-            </a:pPr>
-            <a:endParaRPr lang="pl-PL" sz="1600" b="1" dirty="0" smtClean="0">
+            <a:r>
+              <a:rPr lang="pl-PL" sz="1800" b="1" dirty="0"/>
+              <a:t>Utwórz nową </a:t>
+            </a:r>
+            <a:r>
+              <a:rPr lang="pl-PL" sz="1800" b="1" dirty="0" smtClean="0"/>
+              <a:t>listę</a:t>
+            </a:r>
+          </a:p>
+          <a:p>
+            <a:pPr marL="0" indent="0">
+              <a:buNone/>
+            </a:pPr>
+            <a:r>
+              <a:rPr lang="pl-PL" sz="1800" dirty="0" smtClean="0"/>
+              <a:t>Listy </a:t>
+            </a:r>
+            <a:r>
+              <a:rPr lang="pl-PL" sz="1800" dirty="0"/>
+              <a:t>są oparte na etykietach już utworzonych dla Twojego projektu. </a:t>
+            </a:r>
+            <a:endParaRPr lang="pl-PL" sz="1800" dirty="0" smtClean="0"/>
+          </a:p>
+          <a:p>
+            <a:pPr marL="0" indent="0">
+              <a:buNone/>
+            </a:pPr>
+            <a:r>
+              <a:rPr lang="pl-PL" sz="1800" dirty="0" smtClean="0"/>
+              <a:t>Każda </a:t>
+            </a:r>
+            <a:r>
+              <a:rPr lang="pl-PL" sz="1800" dirty="0"/>
+              <a:t>lista zawiera sprawy przypisane do odpowiedniej </a:t>
+            </a:r>
+            <a:r>
+              <a:rPr lang="pl-PL" sz="1800" dirty="0" smtClean="0"/>
+              <a:t>etykiety</a:t>
+            </a:r>
+            <a:r>
+              <a:rPr lang="pl-PL" sz="1800" dirty="0"/>
+              <a:t>. </a:t>
+            </a:r>
+            <a:endParaRPr lang="pl-PL" sz="1800" dirty="0" smtClean="0"/>
+          </a:p>
+          <a:p>
+            <a:pPr marL="0" indent="0">
+              <a:buNone/>
+            </a:pPr>
+            <a:endParaRPr lang="pl-PL" sz="1800" dirty="0" smtClean="0"/>
+          </a:p>
+          <a:p>
+            <a:r>
+              <a:rPr lang="pl-PL" sz="1800" b="1" dirty="0" smtClean="0"/>
+              <a:t>Przenoś zgłoszenia pomiędzy listami</a:t>
+            </a:r>
+          </a:p>
+          <a:p>
+            <a:pPr marL="0" indent="0">
+              <a:buNone/>
+            </a:pPr>
+            <a:r>
+              <a:rPr lang="pl-PL" sz="1800" dirty="0" smtClean="0"/>
+              <a:t>Wykorzystując system zgłoszeń i list możesz w łatwy sposób śledzić postępy w realizacji projektu oraz łatwo dostosowywać swoje plany, bezpośrednio na podstawie tablicy zgłoszeń.</a:t>
+            </a:r>
+            <a:endParaRPr lang="pl-PL" sz="1800" b="1" dirty="0" smtClean="0">
               <a:latin typeface="+mj-lt"/>
             </a:endParaRPr>
-          </a:p>
-          <a:p>
-            <a:r>
-              <a:rPr lang="pl-PL" sz="2000" dirty="0" smtClean="0"/>
-              <a:t>Jedno narzędzie / nieskończona funkcjonalność</a:t>
-            </a:r>
-          </a:p>
-          <a:p>
-            <a:endParaRPr lang="pl-PL" sz="2000" dirty="0" smtClean="0"/>
-          </a:p>
-          <a:p>
-            <a:r>
-              <a:rPr lang="pl-PL" sz="2000" dirty="0"/>
-              <a:t>Wszystko w jednym </a:t>
-            </a:r>
-            <a:r>
-              <a:rPr lang="pl-PL" sz="2000" dirty="0" smtClean="0"/>
-              <a:t>miejscu</a:t>
-            </a:r>
-          </a:p>
-          <a:p>
-            <a:endParaRPr lang="pl-PL" sz="2000" dirty="0" smtClean="0"/>
-          </a:p>
-          <a:p>
-            <a:r>
-              <a:rPr lang="pl-PL" sz="2000" dirty="0" smtClean="0"/>
-              <a:t>Analiza problemów </a:t>
-            </a:r>
-            <a:r>
-              <a:rPr lang="pl-PL" sz="2000" dirty="0"/>
-              <a:t>i </a:t>
-            </a:r>
-            <a:r>
-              <a:rPr lang="pl-PL" sz="2000" dirty="0" smtClean="0"/>
-              <a:t>postępów </a:t>
-            </a:r>
-            <a:r>
-              <a:rPr lang="pl-PL" sz="2000" dirty="0"/>
-              <a:t>bez przełączania się między </a:t>
-            </a:r>
-            <a:r>
-              <a:rPr lang="pl-PL" sz="2000" dirty="0" smtClean="0"/>
-              <a:t>produktami</a:t>
-            </a:r>
-          </a:p>
-          <a:p>
-            <a:endParaRPr lang="pl-PL" sz="2000" dirty="0" smtClean="0"/>
-          </a:p>
-          <a:p>
-            <a:r>
-              <a:rPr lang="pl-PL" sz="2000" dirty="0" smtClean="0"/>
-              <a:t>Jeden </a:t>
-            </a:r>
-            <a:r>
-              <a:rPr lang="pl-PL" sz="2000" dirty="0"/>
-              <a:t>interfejs do śledzenia </a:t>
-            </a:r>
-            <a:r>
-              <a:rPr lang="pl-PL" sz="2000" dirty="0" smtClean="0"/>
-              <a:t>wszystkich zgłoszeń </a:t>
-            </a:r>
-            <a:br>
-              <a:rPr lang="pl-PL" sz="2000" dirty="0" smtClean="0"/>
-            </a:br>
-            <a:r>
-              <a:rPr lang="pl-PL" sz="2000" dirty="0" smtClean="0"/>
-              <a:t>(od </a:t>
-            </a:r>
-            <a:r>
-              <a:rPr lang="pl-PL" sz="2000" dirty="0"/>
-              <a:t>zaległości do </a:t>
-            </a:r>
-            <a:r>
-              <a:rPr lang="pl-PL" sz="2000" dirty="0" smtClean="0"/>
-              <a:t>wykonania)</a:t>
-            </a:r>
-            <a:endParaRPr lang="pl-PL" sz="2000" dirty="0"/>
           </a:p>
         </p:txBody>
       </p:sp>
     </p:spTree>
     <p:extLst>
       <p:ext uri="{BB962C8B-B14F-4D97-AF65-F5344CB8AC3E}">
-        <p14:creationId xmlns:p14="http://schemas.microsoft.com/office/powerpoint/2010/main" val="4058966072"/>
+        <p14:creationId xmlns:p14="http://schemas.microsoft.com/office/powerpoint/2010/main" val="734856888"/>
       </p:ext>
     </p:extLst>
   </p:cSld>
@@ -4434,12 +4621,16 @@
               <a:buNone/>
             </a:pPr>
             <a:r>
-              <a:rPr lang="pl-PL" sz="2400" b="1" dirty="0" err="1" smtClean="0"/>
+              <a:rPr lang="pl-PL" sz="2400" b="1" dirty="0" err="1"/>
               <a:t>Issue</a:t>
             </a:r>
             <a:r>
+              <a:rPr lang="pl-PL" sz="2400" b="1" dirty="0"/>
+              <a:t> </a:t>
+            </a:r>
+            <a:r>
               <a:rPr lang="pl-PL" sz="2400" b="1" dirty="0" smtClean="0"/>
-              <a:t> Board w praktyce</a:t>
+              <a:t>Board - linki</a:t>
             </a:r>
             <a:endParaRPr lang="pl-PL" sz="1600" b="1" dirty="0"/>
           </a:p>
@@ -4452,68 +4643,115 @@
             </a:endParaRPr>
           </a:p>
           <a:p>
-            <a:r>
-              <a:rPr lang="pl-PL" sz="2000" dirty="0" smtClean="0"/>
-              <a:t>Więcej </a:t>
-            </a:r>
-            <a:r>
-              <a:rPr lang="pl-PL" sz="2000" dirty="0"/>
-              <a:t>niż wizualna </a:t>
-            </a:r>
-            <a:r>
-              <a:rPr lang="pl-PL" sz="2000" dirty="0" smtClean="0"/>
-              <a:t>reprezentacja</a:t>
-            </a:r>
-          </a:p>
-          <a:p>
-            <a:endParaRPr lang="pl-PL" sz="2000" dirty="0" smtClean="0"/>
-          </a:p>
-          <a:p>
-            <a:r>
-              <a:rPr lang="pl-PL" sz="2000" dirty="0" smtClean="0"/>
-              <a:t>Zagadnienia, etykiety </a:t>
-            </a:r>
-            <a:r>
-              <a:rPr lang="pl-PL" sz="2000" dirty="0"/>
-              <a:t>i wszystkie metadane, które się z nimi </a:t>
-            </a:r>
-            <a:r>
-              <a:rPr lang="pl-PL" sz="2000" dirty="0" smtClean="0"/>
-              <a:t>wiążą</a:t>
-            </a:r>
-          </a:p>
-          <a:p>
-            <a:endParaRPr lang="pl-PL" sz="2000" dirty="0"/>
-          </a:p>
-          <a:p>
-            <a:r>
-              <a:rPr lang="pl-PL" sz="2000" dirty="0" smtClean="0"/>
-              <a:t>Te </a:t>
-            </a:r>
-            <a:r>
-              <a:rPr lang="pl-PL" sz="2000" dirty="0"/>
-              <a:t>same narzędzia </a:t>
-            </a:r>
-            <a:r>
-              <a:rPr lang="pl-PL" sz="2000" dirty="0" smtClean="0"/>
-              <a:t>GitLab do </a:t>
-            </a:r>
-            <a:r>
-              <a:rPr lang="pl-PL" sz="2000" dirty="0"/>
-              <a:t>sortowania i </a:t>
-            </a:r>
-            <a:r>
-              <a:rPr lang="pl-PL" sz="2000" dirty="0" smtClean="0"/>
-              <a:t>filtrowania</a:t>
-            </a:r>
-            <a:endParaRPr lang="pl-PL" sz="2000" dirty="0"/>
+            <a:pPr marL="0" indent="0">
+              <a:buNone/>
+            </a:pPr>
+            <a:r>
+              <a:rPr lang="pl-PL" sz="1600" u="sng" dirty="0">
+                <a:hlinkClick r:id="rId2"/>
+              </a:rPr>
+              <a:t>GitLab </a:t>
+            </a:r>
+            <a:r>
+              <a:rPr lang="pl-PL" sz="1600" u="sng" dirty="0" err="1">
+                <a:hlinkClick r:id="rId2"/>
+              </a:rPr>
+              <a:t>issue</a:t>
+            </a:r>
+            <a:r>
+              <a:rPr lang="pl-PL" sz="1600" u="sng" dirty="0">
+                <a:hlinkClick r:id="rId2"/>
+              </a:rPr>
+              <a:t> </a:t>
+            </a:r>
+            <a:r>
+              <a:rPr lang="pl-PL" sz="1600" u="sng" dirty="0" err="1">
+                <a:hlinkClick r:id="rId2"/>
+              </a:rPr>
+              <a:t>boards</a:t>
+            </a:r>
+            <a:r>
+              <a:rPr lang="pl-PL" sz="1600" u="sng" dirty="0">
+                <a:hlinkClick r:id="rId2"/>
+              </a:rPr>
+              <a:t> </a:t>
+            </a:r>
+            <a:r>
+              <a:rPr lang="pl-PL" sz="1600" u="sng" dirty="0" smtClean="0">
+                <a:hlinkClick r:id="rId2"/>
+              </a:rPr>
+              <a:t>demo</a:t>
+            </a:r>
+            <a:endParaRPr lang="pl-PL" sz="1600" u="sng" dirty="0" smtClean="0"/>
+          </a:p>
+          <a:p>
+            <a:pPr marL="0" indent="0">
+              <a:buNone/>
+            </a:pPr>
+            <a:r>
+              <a:rPr lang="en-US" sz="1600" u="sng" dirty="0">
+                <a:hlinkClick r:id="rId3"/>
+              </a:rPr>
+              <a:t>Announcing the GitLab Issue </a:t>
+            </a:r>
+            <a:r>
+              <a:rPr lang="en-US" sz="1600" u="sng" dirty="0" smtClean="0">
+                <a:hlinkClick r:id="rId3"/>
+              </a:rPr>
+              <a:t>Board</a:t>
+            </a:r>
+            <a:endParaRPr lang="pl-PL" sz="1600" u="sng" dirty="0" smtClean="0"/>
+          </a:p>
+          <a:p>
+            <a:pPr marL="0" indent="0">
+              <a:buNone/>
+            </a:pPr>
+            <a:r>
+              <a:rPr lang="en-US" sz="1600" u="sng" dirty="0">
+                <a:hlinkClick r:id="rId4"/>
+              </a:rPr>
+              <a:t>Introducing the GitLab Issue </a:t>
+            </a:r>
+            <a:r>
+              <a:rPr lang="en-US" sz="1600" u="sng" dirty="0" smtClean="0">
+                <a:hlinkClick r:id="rId4"/>
+              </a:rPr>
+              <a:t>Board</a:t>
+            </a:r>
+            <a:endParaRPr lang="pl-PL" sz="1600" u="sng" dirty="0" smtClean="0"/>
+          </a:p>
+          <a:p>
+            <a:pPr marL="0" indent="0">
+              <a:buNone/>
+            </a:pPr>
+            <a:r>
+              <a:rPr lang="en-US" sz="1600" u="sng" dirty="0">
+                <a:hlinkClick r:id="rId5"/>
+              </a:rPr>
+              <a:t>4 ways to use GitLab Issue </a:t>
+            </a:r>
+            <a:r>
+              <a:rPr lang="en-US" sz="1600" u="sng" dirty="0" smtClean="0">
+                <a:hlinkClick r:id="rId5"/>
+              </a:rPr>
+              <a:t>Boards</a:t>
+            </a:r>
+            <a:endParaRPr lang="pl-PL" sz="1600" u="sng" dirty="0" smtClean="0"/>
+          </a:p>
+          <a:p>
+            <a:pPr marL="0" indent="0">
+              <a:buNone/>
+            </a:pPr>
+            <a:endParaRPr lang="pl-PL" sz="1600" b="1" dirty="0" smtClean="0">
+              <a:latin typeface="+mj-lt"/>
+            </a:endParaRPr>
           </a:p>
         </p:txBody>
       </p:sp>
     </p:spTree>
     <p:extLst>
       <p:ext uri="{BB962C8B-B14F-4D97-AF65-F5344CB8AC3E}">
-        <p14:creationId xmlns:p14="http://schemas.microsoft.com/office/powerpoint/2010/main" val="4249108325"/>
+        <p14:creationId xmlns:p14="http://schemas.microsoft.com/office/powerpoint/2010/main" val="1453454870"/>
       </p:ext>
     </p:extLst>
   </p:cSld>
@@ -4549,18 +4787,18 @@
       </p:grpSpPr>
       <p:sp>
         <p:nvSpPr>
-          <p:cNvPr id="3" name="Symbol zastępczy zawartości 2"/>
-          <p:cNvSpPr>
-            <a:spLocks noGrp="1"/>
-          </p:cNvSpPr>
-          <p:nvPr>
-            <p:ph idx="1"/>
+          <p:cNvPr id="2" name="Tytuł 1"/>
+          <p:cNvSpPr>
+            <a:spLocks noGrp="1"/>
+          </p:cNvSpPr>
+          <p:nvPr>
+            <p:ph type="ctrTitle"/>
           </p:nvPr>
         </p:nvSpPr>
         <p:spPr>
           <a:xfrm>
-            <a:off x="457200" y="987574"/>
-            <a:ext cx="8229600" cy="3607048"/>
+            <a:off x="484456" y="2355726"/>
+            <a:ext cx="7615935" cy="1584176"/>
           </a:xfrm>
         </p:spPr>
         <p:txBody>
@@ -4569,120 +4807,108 @@
           </a:bodyPr>
           <a:lstStyle/>
           <a:p>
-            <a:pPr marL="0" indent="0">
-              <a:buNone/>
-            </a:pPr>
-            <a:r>
-              <a:rPr lang="pl-PL" sz="2400" b="1" dirty="0" err="1" smtClean="0"/>
+            <a:pPr algn="l"/>
+            <a:r>
+              <a:rPr lang="pl-PL" sz="1800" i="1" dirty="0" smtClean="0">
+                <a:latin typeface="Verdana" panose="020B0604030504040204" pitchFamily="34" charset="0"/>
+                <a:ea typeface="Verdana" panose="020B0604030504040204" pitchFamily="34" charset="0"/>
+              </a:rPr>
+              <a:t>Kontrola Wersji Oprogramowania </a:t>
+            </a:r>
+            <a:br>
+              <a:rPr lang="pl-PL" sz="1800" i="1" dirty="0" smtClean="0">
+                <a:latin typeface="Verdana" panose="020B0604030504040204" pitchFamily="34" charset="0"/>
+                <a:ea typeface="Verdana" panose="020B0604030504040204" pitchFamily="34" charset="0"/>
+              </a:rPr>
+            </a:br>
+            <a:r>
+              <a:rPr lang="pl-PL" sz="1800" i="1" dirty="0" smtClean="0">
+                <a:latin typeface="Verdana" panose="020B0604030504040204" pitchFamily="34" charset="0"/>
+                <a:ea typeface="Verdana" panose="020B0604030504040204" pitchFamily="34" charset="0"/>
+              </a:rPr>
+              <a:t>GitLab </a:t>
+            </a:r>
+            <a:r>
+              <a:rPr lang="pl-PL" sz="1800" i="1" dirty="0" err="1" smtClean="0">
+                <a:latin typeface="Verdana" panose="020B0604030504040204" pitchFamily="34" charset="0"/>
+                <a:ea typeface="Verdana" panose="020B0604030504040204" pitchFamily="34" charset="0"/>
+              </a:rPr>
               <a:t>Issue</a:t>
             </a:r>
             <a:r>
-              <a:rPr lang="pl-PL" sz="2400" b="1" dirty="0" smtClean="0"/>
-              <a:t> Board w praktyce</a:t>
-            </a:r>
-            <a:endParaRPr lang="pl-PL" sz="1600" b="1" dirty="0"/>
-          </a:p>
-          <a:p>
-            <a:pPr marL="0" indent="0">
-              <a:buNone/>
-            </a:pPr>
-            <a:endParaRPr lang="pl-PL" sz="1600" b="1" dirty="0" smtClean="0">
-              <a:latin typeface="+mj-lt"/>
-            </a:endParaRPr>
-          </a:p>
-          <a:p>
-            <a:r>
-              <a:rPr lang="pl-PL" sz="2000" dirty="0"/>
-              <a:t>Ty określasz swój </a:t>
-            </a:r>
-            <a:r>
-              <a:rPr lang="pl-PL" sz="2000" dirty="0" smtClean="0"/>
-              <a:t>proces</a:t>
-            </a:r>
-          </a:p>
-          <a:p>
-            <a:r>
-              <a:rPr lang="pl-PL" sz="2000" dirty="0" smtClean="0"/>
-              <a:t>A organizacja spoczywa na GitLab</a:t>
-            </a:r>
-          </a:p>
-          <a:p>
-            <a:r>
-              <a:rPr lang="pl-PL" sz="2000" dirty="0" smtClean="0"/>
-              <a:t>Ty </a:t>
-            </a:r>
-            <a:r>
-              <a:rPr lang="pl-PL" sz="2000" dirty="0"/>
-              <a:t>tworzysz </a:t>
-            </a:r>
-            <a:r>
-              <a:rPr lang="pl-PL" sz="2000" dirty="0" smtClean="0"/>
-              <a:t>etykietę</a:t>
-            </a:r>
-          </a:p>
-          <a:p>
-            <a:r>
-              <a:rPr lang="pl-PL" sz="2000" dirty="0" smtClean="0"/>
-              <a:t>GitLab tworzy </a:t>
-            </a:r>
-            <a:r>
-              <a:rPr lang="pl-PL" sz="2000" dirty="0"/>
-              <a:t>odpowiednią </a:t>
-            </a:r>
-            <a:r>
-              <a:rPr lang="pl-PL" sz="2000" dirty="0" smtClean="0"/>
-              <a:t>kartę i wiąże z nią zgłoszenia</a:t>
-            </a:r>
-          </a:p>
-          <a:p>
-            <a:r>
-              <a:rPr lang="pl-PL" sz="2000" dirty="0" smtClean="0"/>
-              <a:t>Operacja przeciągania – </a:t>
-            </a:r>
-            <a:r>
-              <a:rPr lang="pl-PL" sz="2000" b="1" dirty="0" smtClean="0"/>
-              <a:t>drag &amp; drop</a:t>
-            </a:r>
-            <a:r>
-              <a:rPr lang="pl-PL" sz="2000" dirty="0" smtClean="0"/>
-              <a:t/>
-            </a:r>
-            <a:br>
-              <a:rPr lang="pl-PL" sz="2000" dirty="0" smtClean="0"/>
-            </a:br>
-            <a:r>
-              <a:rPr lang="pl-PL" sz="2000" dirty="0" smtClean="0"/>
-              <a:t>w prosty sposób pozwala przejść z </a:t>
-            </a:r>
-            <a:r>
-              <a:rPr lang="pl-PL" sz="2000" dirty="0"/>
-              <a:t>jednego kroku do </a:t>
-            </a:r>
-            <a:r>
-              <a:rPr lang="pl-PL" sz="2000" dirty="0" smtClean="0"/>
-              <a:t>następnego</a:t>
-            </a:r>
-            <a:endParaRPr lang="pl-PL" sz="2000" dirty="0"/>
+              <a:rPr lang="pl-PL" sz="1800" i="1" dirty="0" smtClean="0">
+                <a:latin typeface="Verdana" panose="020B0604030504040204" pitchFamily="34" charset="0"/>
+                <a:ea typeface="Verdana" panose="020B0604030504040204" pitchFamily="34" charset="0"/>
+              </a:rPr>
+              <a:t> </a:t>
+            </a:r>
+            <a:r>
+              <a:rPr lang="pl-PL" sz="1800" i="1" dirty="0" err="1" smtClean="0">
+                <a:latin typeface="Verdana" panose="020B0604030504040204" pitchFamily="34" charset="0"/>
+                <a:ea typeface="Verdana" panose="020B0604030504040204" pitchFamily="34" charset="0"/>
+              </a:rPr>
+              <a:t>Bord</a:t>
+            </a:r>
+            <a:r>
+              <a:rPr lang="pl-PL" sz="1800" i="1" dirty="0" smtClean="0">
+                <a:latin typeface="Verdana" panose="020B0604030504040204" pitchFamily="34" charset="0"/>
+                <a:ea typeface="Verdana" panose="020B0604030504040204" pitchFamily="34" charset="0"/>
+              </a:rPr>
+              <a:t> (tablica zgłoszeń/zadań)</a:t>
+            </a:r>
+            <a:endParaRPr lang="en-US" sz="1800" i="1" dirty="0">
+              <a:latin typeface="Verdana" panose="020B0604030504040204" pitchFamily="34" charset="0"/>
+              <a:ea typeface="Verdana" panose="020B0604030504040204" pitchFamily="34" charset="0"/>
+            </a:endParaRPr>
+          </a:p>
+        </p:txBody>
+      </p:sp>
+      <p:sp>
+        <p:nvSpPr>
+          <p:cNvPr id="4" name="pole tekstowe 3"/>
+          <p:cNvSpPr txBox="1"/>
+          <p:nvPr/>
+        </p:nvSpPr>
+        <p:spPr>
+          <a:xfrm>
+            <a:off x="467544" y="4290650"/>
+            <a:ext cx="2376264" cy="369332"/>
+          </a:xfrm>
+          <a:prstGeom prst="rect">
+            <a:avLst/>
+          </a:prstGeom>
+          <a:noFill/>
+        </p:spPr>
+        <p:txBody>
+          <a:bodyPr wrap="square" rtlCol="0">
+            <a:spAutoFit/>
+          </a:bodyPr>
+          <a:lstStyle/>
+          <a:p>
+            <a:r>
+              <a:rPr lang="pl-PL" dirty="0" smtClean="0">
+                <a:latin typeface="Verdana" panose="020B0604030504040204" pitchFamily="34" charset="0"/>
+                <a:ea typeface="Verdana" panose="020B0604030504040204" pitchFamily="34" charset="0"/>
+              </a:rPr>
+              <a:t>TARNÓW 2021</a:t>
+            </a:r>
+            <a:endParaRPr lang="en-US" dirty="0">
+              <a:latin typeface="Verdana" panose="020B0604030504040204" pitchFamily="34" charset="0"/>
+              <a:ea typeface="Verdana" panose="020B0604030504040204" pitchFamily="34" charset="0"/>
+            </a:endParaRPr>
           </a:p>
         </p:txBody>
       </p:sp>
     </p:spTree>
     <p:extLst>
       <p:ext uri="{BB962C8B-B14F-4D97-AF65-F5344CB8AC3E}">
-        <p14:creationId xmlns:p14="http://schemas.microsoft.com/office/powerpoint/2010/main" val="2742567098"/>
+        <p14:creationId xmlns:p14="http://schemas.microsoft.com/office/powerpoint/2010/main" val="1697670837"/>
       </p:ext>
     </p:extLst>
   </p:cSld>
   <p:clrMapOvr>
     <a:masterClrMapping/>
   </p:clrMapOvr>
-  <p:timing>
-    <p:tnLst>
-      <p:par>
-        <p:cTn id="1" dur="indefinite" restart="never" nodeType="tmRoot"/>
-      </p:par>
-    </p:tnLst>
-  </p:timing>
 </p:sld>
 </file>
 
@@ -4721,114 +4947,87 @@
         </p:spPr>
         <p:txBody>
           <a:bodyPr>
-            <a:normAutofit fontScale="85000" lnSpcReduction="20000"/>
+            <a:normAutofit/>
           </a:bodyPr>
           <a:lstStyle/>
           <a:p>
-            <a:pPr marL="0" indent="0">
-              <a:buNone/>
-            </a:pPr>
-            <a:r>
-              <a:rPr lang="pl-PL" sz="2400" b="1" dirty="0" err="1" smtClean="0"/>
+            <a:r>
+              <a:rPr lang="pl-PL" sz="1800" dirty="0">
+                <a:latin typeface="Calibri" panose="020F0502020204030204" pitchFamily="34" charset="0"/>
+              </a:rPr>
+              <a:t>Istnieje wiele różnych sposobów tworzenia </a:t>
+            </a:r>
+            <a:r>
+              <a:rPr lang="pl-PL" sz="1800" dirty="0" smtClean="0">
+                <a:latin typeface="Calibri" panose="020F0502020204030204" pitchFamily="34" charset="0"/>
+              </a:rPr>
+              <a:t>oprogramowania</a:t>
+            </a:r>
+            <a:br>
+              <a:rPr lang="pl-PL" sz="1800" dirty="0" smtClean="0">
+                <a:latin typeface="Calibri" panose="020F0502020204030204" pitchFamily="34" charset="0"/>
+              </a:rPr>
+            </a:br>
+            <a:r>
+              <a:rPr lang="pl-PL" sz="1800" dirty="0" smtClean="0">
+                <a:latin typeface="Calibri" panose="020F0502020204030204" pitchFamily="34" charset="0"/>
+              </a:rPr>
+              <a:t>i </a:t>
+            </a:r>
+            <a:r>
+              <a:rPr lang="pl-PL" sz="1800" dirty="0">
+                <a:latin typeface="Calibri" panose="020F0502020204030204" pitchFamily="34" charset="0"/>
+              </a:rPr>
+              <a:t>uruchamiania projektów. </a:t>
+            </a:r>
+            <a:endParaRPr lang="pl-PL" sz="1800" dirty="0" smtClean="0">
+              <a:latin typeface="Calibri" panose="020F0502020204030204" pitchFamily="34" charset="0"/>
+            </a:endParaRPr>
+          </a:p>
+          <a:p>
+            <a:endParaRPr lang="pl-PL" sz="1800" dirty="0" smtClean="0">
+              <a:latin typeface="+mj-lt"/>
+            </a:endParaRPr>
+          </a:p>
+          <a:p>
+            <a:r>
+              <a:rPr lang="pl-PL" sz="1800" dirty="0">
+                <a:latin typeface="Calibri" panose="020F0502020204030204" pitchFamily="34" charset="0"/>
+              </a:rPr>
+              <a:t>Wbudowane tablice zgłoszeń (</a:t>
+            </a:r>
+            <a:r>
+              <a:rPr lang="pl-PL" sz="1800" dirty="0" err="1">
+                <a:latin typeface="Calibri" panose="020F0502020204030204" pitchFamily="34" charset="0"/>
+              </a:rPr>
               <a:t>Issue</a:t>
             </a:r>
             <a:r>
-              <a:rPr lang="pl-PL" sz="2400" b="1" dirty="0" smtClean="0"/>
-              <a:t> Board w praktyce</a:t>
-            </a:r>
-          </a:p>
-          <a:p>
-            <a:pPr marL="0" indent="0">
-              <a:buNone/>
-            </a:pPr>
-            <a:endParaRPr lang="pl-PL" sz="1600" b="1" dirty="0"/>
-          </a:p>
-          <a:p>
-            <a:r>
-              <a:rPr lang="pl-PL" sz="1900" b="1" dirty="0" smtClean="0"/>
-              <a:t>Utwórz zgłoszenie</a:t>
-            </a:r>
-          </a:p>
-          <a:p>
-            <a:pPr marL="0" indent="0">
-              <a:buNone/>
-            </a:pPr>
-            <a:r>
-              <a:rPr lang="pl-PL" sz="1900" dirty="0" smtClean="0"/>
-              <a:t>Zgłoszenia pozwalają zbierać pomysły i dostosowywać role w zespole w celu osiągniecia wspólnego celu</a:t>
-            </a:r>
-          </a:p>
-          <a:p>
-            <a:pPr marL="0" indent="0">
-              <a:buNone/>
-            </a:pPr>
-            <a:endParaRPr lang="pl-PL" sz="1900" dirty="0" smtClean="0"/>
-          </a:p>
-          <a:p>
-            <a:r>
-              <a:rPr lang="pl-PL" sz="1900" b="1" dirty="0" smtClean="0"/>
-              <a:t>Przydziel etykietę do zgłoszenia</a:t>
-            </a:r>
-          </a:p>
-          <a:p>
-            <a:pPr marL="0" indent="0">
-              <a:buNone/>
-            </a:pPr>
-            <a:r>
-              <a:rPr lang="pl-PL" sz="1900" dirty="0"/>
-              <a:t>Etykiety ułatwiają kategoryzowanie problemów na podstawie opisowych tytułów. Pomagają zespołom szybko zrozumieć kontekst problemu. M</a:t>
-            </a:r>
-            <a:r>
-              <a:rPr lang="pl-PL" sz="1900" dirty="0" smtClean="0"/>
-              <a:t>ogą </a:t>
-            </a:r>
-            <a:r>
-              <a:rPr lang="pl-PL" sz="1900" dirty="0"/>
-              <a:t>służyć do opisywania typu problemu, np. „Nowa funkcja”, lub do opisywania etapu problemu, na przykład „Kontrola jakości”. </a:t>
-            </a:r>
-            <a:endParaRPr lang="pl-PL" sz="1900" dirty="0" smtClean="0"/>
-          </a:p>
-          <a:p>
-            <a:pPr marL="0" indent="0">
-              <a:buNone/>
-            </a:pPr>
-            <a:endParaRPr lang="pl-PL" sz="1900" dirty="0" smtClean="0"/>
-          </a:p>
-          <a:p>
-            <a:r>
-              <a:rPr lang="pl-PL" sz="1900" b="1" dirty="0"/>
-              <a:t>Przejdź do tablicy </a:t>
-            </a:r>
-            <a:r>
-              <a:rPr lang="pl-PL" sz="1900" b="1" dirty="0" smtClean="0"/>
-              <a:t>zgłosze</a:t>
-            </a:r>
-            <a:r>
-              <a:rPr lang="pl-PL" sz="1900" b="1" dirty="0"/>
-              <a:t>ń</a:t>
-            </a:r>
-            <a:endParaRPr lang="pl-PL" sz="1900" b="1" dirty="0" smtClean="0"/>
-          </a:p>
-          <a:p>
-            <a:pPr marL="0" indent="0">
-              <a:buNone/>
-            </a:pPr>
-            <a:r>
-              <a:rPr lang="pl-PL" sz="1900" dirty="0" smtClean="0"/>
-              <a:t>Zgłoszenia pojawiają </a:t>
-            </a:r>
-            <a:r>
-              <a:rPr lang="pl-PL" sz="1900" dirty="0"/>
-              <a:t>się jako karty na tablicy emisyjnej. Można je uporządkować w wielu kolumnach za pomocą list. </a:t>
-            </a:r>
-            <a:endParaRPr lang="en-US" sz="1900" dirty="0"/>
-          </a:p>
-          <a:p>
-            <a:pPr marL="0" indent="0">
-              <a:buNone/>
-            </a:pPr>
-            <a:endParaRPr lang="pl-PL" sz="1900" b="1" dirty="0" smtClean="0">
-              <a:latin typeface="+mj-lt"/>
+              <a:rPr lang="pl-PL" sz="1800" dirty="0">
+                <a:latin typeface="Calibri" panose="020F0502020204030204" pitchFamily="34" charset="0"/>
+              </a:rPr>
+              <a:t> </a:t>
+            </a:r>
+            <a:r>
+              <a:rPr lang="pl-PL" sz="1800" dirty="0" err="1">
+                <a:latin typeface="Calibri" panose="020F0502020204030204" pitchFamily="34" charset="0"/>
+              </a:rPr>
+              <a:t>Boards</a:t>
+            </a:r>
+            <a:r>
+              <a:rPr lang="pl-PL" sz="1800" dirty="0">
+                <a:latin typeface="Calibri" panose="020F0502020204030204" pitchFamily="34" charset="0"/>
+              </a:rPr>
+              <a:t>) GitLab </a:t>
+            </a:r>
+            <a:r>
+              <a:rPr lang="pl-PL" sz="1800" dirty="0">
+                <a:latin typeface="Calibri" panose="020F0502020204030204" pitchFamily="34" charset="0"/>
+              </a:rPr>
+              <a:t>to świetny przykład tego, jak wybranie jednego, wszechstronnego narzędzia może znacznie zmniejszyć złożoność i konserwację narzędzi dla użytkownika, nie ograniczając jego możliwości.</a:t>
+            </a:r>
+            <a:endParaRPr lang="pl-PL" sz="1800" dirty="0">
+              <a:latin typeface="Calibri" panose="020F0502020204030204" pitchFamily="34" charset="0"/>
             </a:endParaRPr>
           </a:p>
         </p:txBody>
@@ -4836,7 +5035,7 @@
     </p:spTree>
     <p:extLst>
       <p:ext uri="{BB962C8B-B14F-4D97-AF65-F5344CB8AC3E}">
-        <p14:creationId xmlns:p14="http://schemas.microsoft.com/office/powerpoint/2010/main" val="3578570115"/>
+        <p14:creationId xmlns:p14="http://schemas.microsoft.com/office/powerpoint/2010/main" val="1922385198"/>
       </p:ext>
     </p:extLst>
   </p:cSld>
@@ -4892,86 +5091,85 @@
           </a:bodyPr>
           <a:lstStyle/>
           <a:p>
-            <a:pPr marL="0" indent="0">
-              <a:buNone/>
-            </a:pPr>
-            <a:r>
-              <a:rPr lang="pl-PL" sz="2400" b="1" dirty="0" err="1" smtClean="0"/>
-              <a:t>Issue</a:t>
-            </a:r>
-            <a:r>
-              <a:rPr lang="pl-PL" sz="2400" b="1" dirty="0" smtClean="0"/>
-              <a:t> Board w praktyce</a:t>
-            </a:r>
-            <a:endParaRPr lang="pl-PL" sz="1600" b="1" dirty="0"/>
-          </a:p>
-          <a:p>
-            <a:r>
-              <a:rPr lang="pl-PL" sz="1800" b="1" dirty="0"/>
-              <a:t>Utwórz nową </a:t>
-            </a:r>
-            <a:r>
-              <a:rPr lang="pl-PL" sz="1800" b="1" dirty="0" smtClean="0"/>
-              <a:t>listę</a:t>
-            </a:r>
-          </a:p>
-          <a:p>
-            <a:pPr marL="0" indent="0">
-              <a:buNone/>
-            </a:pPr>
-            <a:r>
-              <a:rPr lang="pl-PL" sz="1800" dirty="0" smtClean="0"/>
-              <a:t>Listy </a:t>
-            </a:r>
-            <a:r>
-              <a:rPr lang="pl-PL" sz="1800" dirty="0"/>
-              <a:t>są oparte na etykietach już utworzonych dla Twojego projektu. </a:t>
-            </a:r>
-            <a:endParaRPr lang="pl-PL" sz="1800" dirty="0" smtClean="0"/>
-          </a:p>
-          <a:p>
-            <a:pPr marL="0" indent="0">
-              <a:buNone/>
-            </a:pPr>
-            <a:r>
-              <a:rPr lang="pl-PL" sz="1800" dirty="0" smtClean="0"/>
-              <a:t>Każda </a:t>
-            </a:r>
-            <a:r>
-              <a:rPr lang="pl-PL" sz="1800" dirty="0"/>
-              <a:t>lista zawiera sprawy przypisane do odpowiedniej </a:t>
-            </a:r>
-            <a:r>
-              <a:rPr lang="pl-PL" sz="1800" dirty="0" smtClean="0"/>
-              <a:t>etykiety</a:t>
-            </a:r>
-            <a:r>
-              <a:rPr lang="pl-PL" sz="1800" dirty="0"/>
-              <a:t>. </a:t>
-            </a:r>
-            <a:endParaRPr lang="pl-PL" sz="1800" dirty="0" smtClean="0"/>
-          </a:p>
-          <a:p>
-            <a:pPr marL="0" indent="0">
-              <a:buNone/>
-            </a:pPr>
-            <a:endParaRPr lang="pl-PL" sz="1800" dirty="0" smtClean="0"/>
-          </a:p>
-          <a:p>
-            <a:r>
-              <a:rPr lang="pl-PL" sz="1800" b="1" dirty="0" smtClean="0"/>
-              <a:t>Przenoś zgłoszenia pomiędzy listami</a:t>
-            </a:r>
-          </a:p>
-          <a:p>
-            <a:pPr marL="0" indent="0">
-              <a:buNone/>
-            </a:pPr>
-            <a:r>
-              <a:rPr lang="pl-PL" sz="1800" dirty="0" smtClean="0"/>
-              <a:t>Wykorzystując system zgłoszeń i list możesz w łatwy sposób śledzić postępy w realizacji projektu oraz łatwo dostosowywać swoje plany, bezpośrednio na podstawie tablicy zgłoszeń.</a:t>
-            </a:r>
-            <a:endParaRPr lang="pl-PL" sz="1800" b="1" dirty="0" smtClean="0">
+            <a:r>
+              <a:rPr lang="pl-PL" sz="2400" dirty="0"/>
+              <a:t>Zarządzanie projektami i </a:t>
+            </a:r>
+            <a:r>
+              <a:rPr lang="pl-PL" sz="2400" dirty="0" smtClean="0"/>
+              <a:t>wytwarzaniem </a:t>
+            </a:r>
+            <a:r>
+              <a:rPr lang="pl-PL" sz="2400" dirty="0" smtClean="0"/>
+              <a:t>oprogramowania</a:t>
+            </a:r>
+            <a:r>
+              <a:rPr lang="pl-PL" sz="2400" dirty="0"/>
+              <a:t/>
+            </a:r>
+            <a:br>
+              <a:rPr lang="pl-PL" sz="2400" dirty="0"/>
+            </a:br>
+            <a:r>
+              <a:rPr lang="pl-PL" sz="2400" dirty="0" smtClean="0"/>
+              <a:t>jest </a:t>
+            </a:r>
+            <a:r>
+              <a:rPr lang="pl-PL" sz="2400" dirty="0"/>
+              <a:t>z natury skomplikowane, ale narzędzia </a:t>
+            </a:r>
+            <a:r>
+              <a:rPr lang="pl-PL" sz="2400" dirty="0" smtClean="0"/>
+              <a:t>do jego organizacji nie </a:t>
+            </a:r>
+            <a:r>
+              <a:rPr lang="pl-PL" sz="2400" dirty="0" smtClean="0"/>
+              <a:t>muszą wcale </a:t>
+            </a:r>
+            <a:r>
+              <a:rPr lang="pl-PL" sz="2400" dirty="0"/>
+              <a:t>takie </a:t>
+            </a:r>
+            <a:r>
+              <a:rPr lang="pl-PL" sz="2400" dirty="0" smtClean="0"/>
+              <a:t>być.</a:t>
+            </a:r>
+            <a:r>
+              <a:rPr lang="pl-PL" sz="2400" dirty="0"/>
+              <a:t> </a:t>
+            </a:r>
+            <a:endParaRPr lang="pl-PL" sz="2400" dirty="0" smtClean="0"/>
+          </a:p>
+          <a:p>
+            <a:r>
+              <a:rPr lang="pl-PL" sz="2400" dirty="0" smtClean="0"/>
+              <a:t>Niezależnie </a:t>
+            </a:r>
+            <a:r>
+              <a:rPr lang="pl-PL" sz="2400" dirty="0"/>
+              <a:t>od tego, </a:t>
+            </a:r>
+            <a:r>
+              <a:rPr lang="pl-PL" sz="2400" dirty="0" smtClean="0"/>
+              <a:t>iloma projektami, osobami lub produktami </a:t>
+            </a:r>
+            <a:r>
+              <a:rPr lang="pl-PL" sz="2400" dirty="0"/>
+              <a:t>zarządzasz, </a:t>
+            </a:r>
+            <a:r>
+              <a:rPr lang="pl-PL" sz="2400" dirty="0" smtClean="0"/>
+              <a:t>najważniejszą kwestią jest uzyskanie przejrzystości potrzebnej </a:t>
+            </a:r>
+            <a:r>
+              <a:rPr lang="pl-PL" sz="2400" dirty="0"/>
+              <a:t>do sprawnego </a:t>
+            </a:r>
+            <a:r>
+              <a:rPr lang="pl-PL" sz="2400" dirty="0" smtClean="0"/>
+              <a:t>działania.</a:t>
+            </a:r>
+            <a:endParaRPr lang="pl-PL" sz="1600" dirty="0" smtClean="0">
               <a:latin typeface="+mj-lt"/>
             </a:endParaRPr>
           </a:p>
@@ -4980,7 +5178,7 @@
     </p:spTree>
     <p:extLst>
       <p:ext uri="{BB962C8B-B14F-4D97-AF65-F5344CB8AC3E}">
-        <p14:creationId xmlns:p14="http://schemas.microsoft.com/office/powerpoint/2010/main" val="734856888"/>
+        <p14:creationId xmlns:p14="http://schemas.microsoft.com/office/powerpoint/2010/main" val="2245615856"/>
       </p:ext>
     </p:extLst>
   </p:cSld>
@@ -5036,132 +5234,117 @@
           </a:bodyPr>
           <a:lstStyle/>
           <a:p>
-            <a:pPr marL="0" indent="0">
-              <a:buNone/>
-            </a:pPr>
-            <a:r>
-              <a:rPr lang="pl-PL" sz="2400" b="1" dirty="0" err="1"/>
-              <a:t>Issue</a:t>
-            </a:r>
-            <a:r>
-              <a:rPr lang="pl-PL" sz="2400" b="1" dirty="0"/>
-              <a:t> </a:t>
-            </a:r>
-            <a:r>
-              <a:rPr lang="pl-PL" sz="2400" b="1" dirty="0" smtClean="0"/>
-              <a:t>Board - linki</a:t>
-            </a:r>
-            <a:endParaRPr lang="pl-PL" sz="1600" b="1" dirty="0"/>
-          </a:p>
-          <a:p>
-            <a:pPr marL="0" indent="0">
-              <a:buNone/>
-            </a:pPr>
-            <a:endParaRPr lang="pl-PL" sz="1600" b="1" dirty="0" smtClean="0">
-              <a:latin typeface="+mj-lt"/>
-            </a:endParaRPr>
-          </a:p>
-          <a:p>
-            <a:pPr marL="0" indent="0">
-              <a:buNone/>
-            </a:pPr>
-            <a:r>
-              <a:rPr lang="pl-PL" sz="1600" u="sng" dirty="0">
-                <a:hlinkClick r:id="rId2"/>
-              </a:rPr>
-              <a:t>GitLab </a:t>
-            </a:r>
-            <a:r>
-              <a:rPr lang="pl-PL" sz="1600" u="sng" dirty="0" err="1">
-                <a:hlinkClick r:id="rId2"/>
-              </a:rPr>
-              <a:t>issue</a:t>
-            </a:r>
-            <a:r>
-              <a:rPr lang="pl-PL" sz="1600" u="sng" dirty="0">
-                <a:hlinkClick r:id="rId2"/>
-              </a:rPr>
-              <a:t> </a:t>
-            </a:r>
-            <a:r>
-              <a:rPr lang="pl-PL" sz="1600" u="sng" dirty="0" err="1">
-                <a:hlinkClick r:id="rId2"/>
-              </a:rPr>
-              <a:t>boards</a:t>
-            </a:r>
-            <a:r>
-              <a:rPr lang="pl-PL" sz="1600" u="sng" dirty="0">
-                <a:hlinkClick r:id="rId2"/>
-              </a:rPr>
-              <a:t> </a:t>
-            </a:r>
-            <a:r>
-              <a:rPr lang="pl-PL" sz="1600" u="sng" dirty="0" smtClean="0">
-                <a:hlinkClick r:id="rId2"/>
-              </a:rPr>
-              <a:t>demo</a:t>
-            </a:r>
-            <a:endParaRPr lang="pl-PL" sz="1600" u="sng" dirty="0" smtClean="0"/>
-          </a:p>
-          <a:p>
-            <a:pPr marL="0" indent="0">
-              <a:buNone/>
-            </a:pPr>
-            <a:r>
-              <a:rPr lang="en-US" sz="1600" u="sng" dirty="0">
-                <a:hlinkClick r:id="rId3"/>
-              </a:rPr>
-              <a:t>Announcing the GitLab Issue </a:t>
-            </a:r>
-            <a:r>
-              <a:rPr lang="en-US" sz="1600" u="sng" dirty="0" smtClean="0">
-                <a:hlinkClick r:id="rId3"/>
-              </a:rPr>
-              <a:t>Board</a:t>
-            </a:r>
-            <a:endParaRPr lang="pl-PL" sz="1600" u="sng" dirty="0" smtClean="0"/>
-          </a:p>
-          <a:p>
-            <a:pPr marL="0" indent="0">
-              <a:buNone/>
-            </a:pPr>
-            <a:r>
-              <a:rPr lang="en-US" sz="1600" u="sng" dirty="0">
-                <a:hlinkClick r:id="rId4"/>
-              </a:rPr>
-              <a:t>Introducing the GitLab Issue </a:t>
-            </a:r>
-            <a:r>
-              <a:rPr lang="en-US" sz="1600" u="sng" dirty="0" smtClean="0">
-                <a:hlinkClick r:id="rId4"/>
-              </a:rPr>
-              <a:t>Board</a:t>
-            </a:r>
-            <a:endParaRPr lang="pl-PL" sz="1600" u="sng" dirty="0" smtClean="0"/>
-          </a:p>
-          <a:p>
-            <a:pPr marL="0" indent="0">
-              <a:buNone/>
-            </a:pPr>
-            <a:r>
-              <a:rPr lang="en-US" sz="1600" u="sng" dirty="0">
-                <a:hlinkClick r:id="rId5"/>
-              </a:rPr>
-              <a:t>4 ways to use GitLab Issue </a:t>
-            </a:r>
-            <a:r>
-              <a:rPr lang="en-US" sz="1600" u="sng" dirty="0" smtClean="0">
-                <a:hlinkClick r:id="rId5"/>
-              </a:rPr>
-              <a:t>Boards</a:t>
-            </a:r>
-            <a:endParaRPr lang="pl-PL" sz="1600" u="sng" dirty="0" smtClean="0"/>
-          </a:p>
-          <a:p>
-            <a:pPr marL="0" indent="0">
-              <a:buNone/>
-            </a:pPr>
-            <a:endParaRPr lang="pl-PL" sz="1600" b="1" dirty="0" smtClean="0">
+            <a:r>
+              <a:rPr lang="pl-PL" sz="2400" dirty="0"/>
+              <a:t>Tablica </a:t>
+            </a:r>
+            <a:r>
+              <a:rPr lang="pl-PL" sz="2400" dirty="0" smtClean="0"/>
+              <a:t>zgłoszeń GitLab </a:t>
+            </a:r>
+            <a:r>
+              <a:rPr lang="pl-PL" sz="2400" dirty="0"/>
+              <a:t>to uproszczone </a:t>
+            </a:r>
+            <a:r>
+              <a:rPr lang="pl-PL" sz="2400" dirty="0" smtClean="0"/>
+              <a:t/>
+            </a:r>
+            <a:br>
+              <a:rPr lang="pl-PL" sz="2400" dirty="0" smtClean="0"/>
+            </a:br>
+            <a:r>
+              <a:rPr lang="pl-PL" sz="2400" dirty="0" smtClean="0"/>
+              <a:t>podejście </a:t>
+            </a:r>
+            <a:r>
+              <a:rPr lang="pl-PL" sz="2400" dirty="0"/>
+              <a:t>do złożonego problemu. </a:t>
+            </a:r>
+            <a:endParaRPr lang="pl-PL" sz="2400" dirty="0" smtClean="0"/>
+          </a:p>
+          <a:p>
+            <a:r>
+              <a:rPr lang="pl-PL" sz="2400" dirty="0" smtClean="0"/>
+              <a:t>Tworzą je listy oparte na </a:t>
+            </a:r>
+            <a:r>
+              <a:rPr lang="pl-PL" sz="2400" dirty="0"/>
+              <a:t>tablicy </a:t>
+            </a:r>
+            <a:r>
+              <a:rPr lang="pl-PL" sz="2400" dirty="0" err="1" smtClean="0"/>
+              <a:t>Kanban</a:t>
+            </a:r>
+            <a:r>
+              <a:rPr lang="pl-PL" sz="2400" dirty="0" smtClean="0"/>
+              <a:t>.</a:t>
+            </a:r>
+          </a:p>
+          <a:p>
+            <a:r>
+              <a:rPr lang="pl-PL" sz="2400" dirty="0" smtClean="0"/>
+              <a:t>Możesz </a:t>
+            </a:r>
+            <a:r>
+              <a:rPr lang="pl-PL" sz="2400" dirty="0"/>
+              <a:t>tworzyć różne widoki swojej tablicy </a:t>
+            </a:r>
+            <a:r>
+              <a:rPr lang="pl-PL" sz="2400" dirty="0" smtClean="0"/>
+              <a:t>zgłoszeń, </a:t>
+            </a:r>
+            <a:r>
+              <a:rPr lang="pl-PL" sz="2400" dirty="0"/>
+              <a:t>zachowując te same możliwości filtrowania i </a:t>
+            </a:r>
+            <a:r>
+              <a:rPr lang="pl-PL" sz="2400" dirty="0" smtClean="0"/>
+              <a:t>sortowania.</a:t>
+            </a:r>
+          </a:p>
+          <a:p>
+            <a:r>
+              <a:rPr lang="pl-PL" sz="2400" dirty="0" smtClean="0"/>
+              <a:t>Możesz </a:t>
+            </a:r>
+            <a:r>
+              <a:rPr lang="pl-PL" sz="2400" dirty="0"/>
+              <a:t>utworzyć wiele tablic, aby uchwycić każdą warstwę </a:t>
+            </a:r>
+            <a:r>
+              <a:rPr lang="pl-PL" sz="2400" dirty="0" smtClean="0"/>
+              <a:t>zależności, </a:t>
+            </a:r>
+            <a:r>
+              <a:rPr lang="pl-PL" sz="2400" dirty="0"/>
+              <a:t>której </a:t>
+            </a:r>
+            <a:r>
+              <a:rPr lang="pl-PL" sz="2400" dirty="0" smtClean="0"/>
+              <a:t>potrzebujesz </a:t>
+            </a:r>
+            <a:r>
+              <a:rPr lang="pl-PL" sz="2400" dirty="0"/>
+              <a:t>i zdefiniować zakres </a:t>
+            </a:r>
+            <a:r>
+              <a:rPr lang="pl-PL" sz="2400" dirty="0" smtClean="0"/>
+              <a:t>prezentacji tablicy </a:t>
+            </a:r>
+            <a:r>
+              <a:rPr lang="pl-PL" sz="2400" dirty="0"/>
+              <a:t>według kamienia milowego, </a:t>
+            </a:r>
+            <a:r>
+              <a:rPr lang="pl-PL" sz="2400" dirty="0" smtClean="0"/>
+              <a:t>etykiety, przypisanej do zgłoszenia osoby i </a:t>
+            </a:r>
+            <a:r>
+              <a:rPr lang="pl-PL" sz="2400" dirty="0"/>
+              <a:t>wagi.</a:t>
+            </a:r>
+            <a:endParaRPr lang="pl-PL" sz="1600" dirty="0" smtClean="0">
               <a:latin typeface="+mj-lt"/>
             </a:endParaRPr>
           </a:p>
@@ -5170,7 +5353,7 @@
     </p:spTree>
     <p:extLst>
       <p:ext uri="{BB962C8B-B14F-4D97-AF65-F5344CB8AC3E}">
-        <p14:creationId xmlns:p14="http://schemas.microsoft.com/office/powerpoint/2010/main" val="1453454870"/>
+        <p14:creationId xmlns:p14="http://schemas.microsoft.com/office/powerpoint/2010/main" val="3239326751"/>
       </p:ext>
     </p:extLst>
   </p:cSld>
@@ -5222,63 +5405,252 @@
         </p:spPr>
         <p:txBody>
           <a:bodyPr>
+            <a:normAutofit lnSpcReduction="10000"/>
+          </a:bodyPr>
+          <a:lstStyle/>
+          <a:p>
+            <a:pPr marL="0" indent="0">
+              <a:buNone/>
+            </a:pPr>
+            <a:r>
+              <a:rPr lang="pl-PL" sz="2400" b="1" dirty="0" err="1"/>
+              <a:t>Issue</a:t>
+            </a:r>
+            <a:r>
+              <a:rPr lang="pl-PL" sz="2400" b="1" dirty="0"/>
+              <a:t> Board</a:t>
+            </a:r>
+            <a:endParaRPr lang="pl-PL" sz="1600" b="1" dirty="0"/>
+          </a:p>
+          <a:p>
+            <a:pPr marL="0" indent="0">
+              <a:buNone/>
+            </a:pPr>
+            <a:endParaRPr lang="pl-PL" sz="1600" b="1" dirty="0" smtClean="0">
+              <a:latin typeface="Calibri" panose="020F0502020204030204" pitchFamily="34" charset="0"/>
+            </a:endParaRPr>
+          </a:p>
+          <a:p>
+            <a:pPr marL="0" indent="0">
+              <a:buNone/>
+            </a:pPr>
+            <a:r>
+              <a:rPr lang="pl-PL" sz="1600" b="1" dirty="0">
+                <a:latin typeface="Calibri" panose="020F0502020204030204" pitchFamily="34" charset="0"/>
+              </a:rPr>
+              <a:t>Zgłoszenia </a:t>
+            </a:r>
+            <a:r>
+              <a:rPr lang="pl-PL" sz="1600" b="1" dirty="0" smtClean="0">
+                <a:latin typeface="Calibri" panose="020F0502020204030204" pitchFamily="34" charset="0"/>
+              </a:rPr>
+              <a:t>poufne</a:t>
+            </a:r>
+          </a:p>
+          <a:p>
+            <a:pPr marL="0" indent="0">
+              <a:buNone/>
+            </a:pPr>
+            <a:endParaRPr lang="pl-PL" sz="1600" b="1" dirty="0">
+              <a:latin typeface="Calibri" panose="020F0502020204030204" pitchFamily="34" charset="0"/>
+            </a:endParaRPr>
+          </a:p>
+          <a:p>
+            <a:pPr marL="0" indent="0">
+              <a:buNone/>
+            </a:pPr>
+            <a:r>
+              <a:rPr lang="pl-PL" sz="1600" dirty="0">
+                <a:latin typeface="Calibri" panose="020F0502020204030204" pitchFamily="34" charset="0"/>
+              </a:rPr>
+              <a:t>Jeśli chcesz, aby dyskusja pod zgłoszeniem była dostępna tylko dla Twojego zespołu, możesz oznaczyć je jako poufne. </a:t>
+            </a:r>
+            <a:endParaRPr lang="pl-PL" sz="1600" dirty="0" smtClean="0">
+              <a:latin typeface="Calibri" panose="020F0502020204030204" pitchFamily="34" charset="0"/>
+            </a:endParaRPr>
+          </a:p>
+          <a:p>
+            <a:pPr marL="0" indent="0">
+              <a:buNone/>
+            </a:pPr>
+            <a:endParaRPr lang="pl-PL" sz="1600" dirty="0" smtClean="0">
+              <a:latin typeface="Calibri" panose="020F0502020204030204" pitchFamily="34" charset="0"/>
+            </a:endParaRPr>
+          </a:p>
+          <a:p>
+            <a:pPr marL="0" indent="0">
+              <a:buNone/>
+            </a:pPr>
+            <a:r>
+              <a:rPr lang="pl-PL" sz="1600" dirty="0" smtClean="0">
+                <a:latin typeface="Calibri" panose="020F0502020204030204" pitchFamily="34" charset="0"/>
+              </a:rPr>
+              <a:t>Nawet </a:t>
+            </a:r>
+            <a:r>
+              <a:rPr lang="pl-PL" sz="1600" dirty="0">
+                <a:latin typeface="Calibri" panose="020F0502020204030204" pitchFamily="34" charset="0"/>
+              </a:rPr>
+              <a:t>jeśli projekt jest publiczny to konkretne zgłoszenie będzie chronione. </a:t>
+            </a:r>
+            <a:endParaRPr lang="pl-PL" sz="1600" dirty="0" smtClean="0">
+              <a:latin typeface="Calibri" panose="020F0502020204030204" pitchFamily="34" charset="0"/>
+            </a:endParaRPr>
+          </a:p>
+          <a:p>
+            <a:pPr marL="0" indent="0">
+              <a:buNone/>
+            </a:pPr>
+            <a:endParaRPr lang="pl-PL" sz="1600" dirty="0" smtClean="0">
+              <a:latin typeface="Calibri" panose="020F0502020204030204" pitchFamily="34" charset="0"/>
+            </a:endParaRPr>
+          </a:p>
+          <a:p>
+            <a:pPr marL="0" indent="0">
+              <a:buNone/>
+            </a:pPr>
+            <a:r>
+              <a:rPr lang="pl-PL" sz="1600" dirty="0" smtClean="0">
+                <a:latin typeface="Calibri" panose="020F0502020204030204" pitchFamily="34" charset="0"/>
+              </a:rPr>
+              <a:t>Przeglądarka </a:t>
+            </a:r>
+            <a:r>
+              <a:rPr lang="pl-PL" sz="1600" dirty="0">
+                <a:latin typeface="Calibri" panose="020F0502020204030204" pitchFamily="34" charset="0"/>
+              </a:rPr>
+              <a:t>pokaże błąd 404 jeśli ktoś bez uprawnień przynajmniej na poziomie </a:t>
+            </a:r>
+            <a:r>
+              <a:rPr lang="pl-PL" sz="1600" b="1" dirty="0">
+                <a:latin typeface="Calibri" panose="020F0502020204030204" pitchFamily="34" charset="0"/>
+              </a:rPr>
+              <a:t>Reporter</a:t>
+            </a:r>
+            <a:r>
+              <a:rPr lang="pl-PL" sz="1600" dirty="0">
+                <a:latin typeface="Calibri" panose="020F0502020204030204" pitchFamily="34" charset="0"/>
+              </a:rPr>
+              <a:t> spróbuje otworzyć adres URL zgłoszenia.</a:t>
+            </a:r>
+          </a:p>
+          <a:p>
+            <a:pPr marL="0" indent="0">
+              <a:buNone/>
+            </a:pPr>
+            <a:r>
+              <a:rPr lang="pl-PL" sz="1600" dirty="0">
+                <a:latin typeface="Calibri" panose="020F0502020204030204" pitchFamily="34" charset="0"/>
+              </a:rPr>
+              <a:t/>
+            </a:r>
+            <a:br>
+              <a:rPr lang="pl-PL" sz="1600" dirty="0">
+                <a:latin typeface="Calibri" panose="020F0502020204030204" pitchFamily="34" charset="0"/>
+              </a:rPr>
+            </a:br>
+            <a:endParaRPr lang="pl-PL" sz="1600" dirty="0" smtClean="0">
+              <a:latin typeface="Calibri" panose="020F0502020204030204" pitchFamily="34" charset="0"/>
+            </a:endParaRPr>
+          </a:p>
+        </p:txBody>
+      </p:sp>
+    </p:spTree>
+    <p:extLst>
+      <p:ext uri="{BB962C8B-B14F-4D97-AF65-F5344CB8AC3E}">
+        <p14:creationId xmlns:p14="http://schemas.microsoft.com/office/powerpoint/2010/main" val="1819133453"/>
+      </p:ext>
+    </p:extLst>
+  </p:cSld>
+  <p:clrMapOvr>
+    <a:masterClrMapping/>
+  </p:clrMapOvr>
+  <p:timing>
+    <p:tnLst>
+      <p:par>
+        <p:cTn id="1" dur="indefinite" restart="never" nodeType="tmRoot"/>
+      </p:par>
+    </p:tnLst>
+  </p:timing>
+</p:sld>
+</file>
+
+<file path=ppt/slides/slide20.xml><?xml version="1.0" encoding="utf-8"?>
+<p:sld xmlns:a="http://schemas.openxmlformats.org/drawingml/2006/main" xmlns:r="http://schemas.openxmlformats.org/officeDocument/2006/relationships" xmlns:p="http://schemas.openxmlformats.org/presentationml/2006/main">
+  <p:cSld>
+    <p:spTree>
+      <p:nvGrpSpPr>
+        <p:cNvPr id="1" name=""/>
+        <p:cNvGrpSpPr/>
+        <p:nvPr/>
+      </p:nvGrpSpPr>
+      <p:grpSpPr>
+        <a:xfrm>
+          <a:off x="0" y="0"/>
+          <a:ext cx="0" cy="0"/>
+          <a:chOff x="0" y="0"/>
+          <a:chExt cx="0" cy="0"/>
+        </a:xfrm>
+      </p:grpSpPr>
+      <p:sp>
+        <p:nvSpPr>
+          <p:cNvPr id="3" name="Symbol zastępczy zawartości 2"/>
+          <p:cNvSpPr>
+            <a:spLocks noGrp="1"/>
+          </p:cNvSpPr>
+          <p:nvPr>
+            <p:ph idx="1"/>
+          </p:nvPr>
+        </p:nvSpPr>
+        <p:spPr>
+          <a:xfrm>
+            <a:off x="457200" y="987574"/>
+            <a:ext cx="8229600" cy="3607048"/>
+          </a:xfrm>
+        </p:spPr>
+        <p:txBody>
+          <a:bodyPr>
             <a:normAutofit/>
           </a:bodyPr>
           <a:lstStyle/>
           <a:p>
             <a:r>
-              <a:rPr lang="pl-PL" sz="1800" dirty="0">
+              <a:rPr lang="pl-PL" sz="1600" dirty="0" smtClean="0">
                 <a:latin typeface="+mj-lt"/>
               </a:rPr>
-              <a:t>Istnieje wiele różnych sposobów tworzenia oprogramowania i uruchamiania projektów. </a:t>
-            </a:r>
-            <a:endParaRPr lang="pl-PL" sz="1800" dirty="0" smtClean="0">
-              <a:latin typeface="+mj-lt"/>
-            </a:endParaRPr>
-          </a:p>
-          <a:p>
-            <a:endParaRPr lang="pl-PL" sz="1800" dirty="0" smtClean="0">
-              <a:latin typeface="+mj-lt"/>
-            </a:endParaRPr>
-          </a:p>
-          <a:p>
-            <a:r>
-              <a:rPr lang="pl-PL" sz="1800" dirty="0" smtClean="0">
+              <a:t>Tablica zgłoszeń opiera się na strukturze etykiet projektu i z tego względu</a:t>
+            </a:r>
+            <a:br>
+              <a:rPr lang="pl-PL" sz="1600" dirty="0" smtClean="0">
                 <a:latin typeface="+mj-lt"/>
               </a:rPr>
-              <a:t>Wbudowane tablice zgłoszeń (</a:t>
-            </a:r>
-            <a:r>
-              <a:rPr lang="pl-PL" sz="1800" dirty="0" err="1" smtClean="0">
+            </a:br>
+            <a:r>
+              <a:rPr lang="pl-PL" sz="1600" dirty="0" smtClean="0">
                 <a:latin typeface="+mj-lt"/>
               </a:rPr>
-              <a:t>Issue</a:t>
-            </a:r>
-            <a:r>
-              <a:rPr lang="pl-PL" sz="1800" dirty="0" smtClean="0">
+              <a:t>stosuje się te same etykiety opisowe do różnych zagadnień.</a:t>
+            </a:r>
+            <a:br>
+              <a:rPr lang="pl-PL" sz="1600" dirty="0" smtClean="0">
                 <a:latin typeface="+mj-lt"/>
               </a:rPr>
-              <a:t> </a:t>
-            </a:r>
-            <a:r>
-              <a:rPr lang="pl-PL" sz="1800" dirty="0" err="1" smtClean="0">
+            </a:br>
+            <a:r>
+              <a:rPr lang="pl-PL" sz="1600" dirty="0" smtClean="0">
                 <a:latin typeface="+mj-lt"/>
               </a:rPr>
-              <a:t>Boards</a:t>
-            </a:r>
-            <a:r>
-              <a:rPr lang="pl-PL" sz="1800" dirty="0" smtClean="0">
+              <a:t>Pozwala to wskazać umiejscowienie zadań na tablicy i zachować spójność w całym organizacji w procesie realizacji projektu.</a:t>
+            </a:r>
+          </a:p>
+          <a:p>
+            <a:r>
+              <a:rPr lang="pl-PL" sz="1600" dirty="0" smtClean="0">
                 <a:latin typeface="+mj-lt"/>
               </a:rPr>
-              <a:t>) GitLab </a:t>
-            </a:r>
-            <a:r>
-              <a:rPr lang="pl-PL" sz="1800" dirty="0">
-                <a:latin typeface="+mj-lt"/>
-              </a:rPr>
-              <a:t>to świetny przykład tego, jak wybranie jednego, wszechstronnego narzędzia może znacznie zmniejszyć złożoność i konserwację narzędzi dla użytkownika, nie ograniczając jego możliwości.</a:t>
-            </a:r>
-            <a:endParaRPr lang="pl-PL" sz="1200" dirty="0" smtClean="0">
+              <a:t>Tablica zgłoszeń pokazuje nad którymi problemami pracuje zespół, kto jest do nich przypisany i na jakim etapie znajduje się realizacja całego projektu.</a:t>
+            </a:r>
+            <a:endParaRPr lang="pl-PL" sz="1600" dirty="0" smtClean="0">
               <a:latin typeface="+mj-lt"/>
             </a:endParaRPr>
           </a:p>
@@ -5287,7 +5659,760 @@
     </p:spTree>
     <p:extLst>
       <p:ext uri="{BB962C8B-B14F-4D97-AF65-F5344CB8AC3E}">
-        <p14:creationId xmlns:p14="http://schemas.microsoft.com/office/powerpoint/2010/main" val="1922385198"/>
+        <p14:creationId xmlns:p14="http://schemas.microsoft.com/office/powerpoint/2010/main" val="4107276680"/>
+      </p:ext>
+    </p:extLst>
+  </p:cSld>
+  <p:clrMapOvr>
+    <a:masterClrMapping/>
+  </p:clrMapOvr>
+  <p:timing>
+    <p:tnLst>
+      <p:par>
+        <p:cTn id="1" dur="indefinite" restart="never" nodeType="tmRoot"/>
+      </p:par>
+    </p:tnLst>
+  </p:timing>
+</p:sld>
+</file>
+
+<file path=ppt/slides/slide21.xml><?xml version="1.0" encoding="utf-8"?>
+<p:sld xmlns:a="http://schemas.openxmlformats.org/drawingml/2006/main" xmlns:r="http://schemas.openxmlformats.org/officeDocument/2006/relationships" xmlns:p="http://schemas.openxmlformats.org/presentationml/2006/main">
+  <p:cSld>
+    <p:spTree>
+      <p:nvGrpSpPr>
+        <p:cNvPr id="1" name=""/>
+        <p:cNvGrpSpPr/>
+        <p:nvPr/>
+      </p:nvGrpSpPr>
+      <p:grpSpPr>
+        <a:xfrm>
+          <a:off x="0" y="0"/>
+          <a:ext cx="0" cy="0"/>
+          <a:chOff x="0" y="0"/>
+          <a:chExt cx="0" cy="0"/>
+        </a:xfrm>
+      </p:grpSpPr>
+      <p:sp>
+        <p:nvSpPr>
+          <p:cNvPr id="3" name="Symbol zastępczy zawartości 2"/>
+          <p:cNvSpPr>
+            <a:spLocks noGrp="1"/>
+          </p:cNvSpPr>
+          <p:nvPr>
+            <p:ph idx="1"/>
+          </p:nvPr>
+        </p:nvSpPr>
+        <p:spPr>
+          <a:xfrm>
+            <a:off x="457200" y="987574"/>
+            <a:ext cx="8229600" cy="3607048"/>
+          </a:xfrm>
+        </p:spPr>
+        <p:txBody>
+          <a:bodyPr>
+            <a:normAutofit/>
+          </a:bodyPr>
+          <a:lstStyle/>
+          <a:p>
+            <a:pPr marL="0" indent="0">
+              <a:buNone/>
+            </a:pPr>
+            <a:r>
+              <a:rPr lang="pl-PL" sz="1600" b="1" dirty="0" smtClean="0"/>
+              <a:t>1. Śledzenie </a:t>
+            </a:r>
+            <a:r>
+              <a:rPr lang="pl-PL" sz="1800" b="1" dirty="0"/>
+              <a:t>przepływu pracy z tablicą zgłoszeń</a:t>
+            </a:r>
+            <a:endParaRPr lang="pl-PL" sz="1800" b="1" dirty="0"/>
+          </a:p>
+          <a:p>
+            <a:r>
+              <a:rPr lang="pl-PL" sz="1600" dirty="0" smtClean="0">
+                <a:latin typeface="+mj-lt"/>
+              </a:rPr>
+              <a:t>Widoczność przepływu pracy pomiędzy etapami realizacji projektu</a:t>
+            </a:r>
+            <a:br>
+              <a:rPr lang="pl-PL" sz="1600" dirty="0" smtClean="0">
+                <a:latin typeface="+mj-lt"/>
+              </a:rPr>
+            </a:br>
+            <a:r>
+              <a:rPr lang="pl-PL" sz="1600" dirty="0" smtClean="0">
+                <a:latin typeface="+mj-lt"/>
+              </a:rPr>
+              <a:t>jest krytyczna</a:t>
+            </a:r>
+          </a:p>
+          <a:p>
+            <a:r>
+              <a:rPr lang="pl-PL" sz="1600" dirty="0" smtClean="0">
+                <a:latin typeface="+mj-lt"/>
+              </a:rPr>
+              <a:t>Aby utworzyć tablicę zgłoszeń należy utworzyć etykiety dla każdego etapu przepływu pracy i dodaj je jako listy do zgłoszeń na tablicy. </a:t>
+            </a:r>
+          </a:p>
+          <a:p>
+            <a:r>
+              <a:rPr lang="pl-PL" sz="1600" dirty="0" smtClean="0">
+                <a:latin typeface="+mj-lt"/>
+              </a:rPr>
+              <a:t>Po oznaczeniu zagadnienia etykietą pojawi się ono automatycznie na liście. </a:t>
+            </a:r>
+          </a:p>
+          <a:p>
+            <a:r>
+              <a:rPr lang="pl-PL" sz="1600" dirty="0" smtClean="0">
+                <a:latin typeface="+mj-lt"/>
+              </a:rPr>
+              <a:t>Gdy zagadnienie będzie gotowe, aby przejść do kolejnego etapu, po prostu przeciąg je pomiędzy listami.</a:t>
+            </a:r>
+          </a:p>
+          <a:p>
+            <a:r>
+              <a:rPr lang="pl-PL" sz="1600" dirty="0" smtClean="0">
+                <a:latin typeface="+mj-lt"/>
+              </a:rPr>
+              <a:t>Możesz także zmieniać etykiety we właściwościach zadania, co automatycznie wpłynie na organizację ich na tablicy.</a:t>
+            </a:r>
+          </a:p>
+          <a:p>
+            <a:endParaRPr lang="pl-PL" sz="1600" dirty="0" smtClean="0">
+              <a:latin typeface="+mj-lt"/>
+            </a:endParaRPr>
+          </a:p>
+          <a:p>
+            <a:endParaRPr lang="pl-PL" sz="1600" dirty="0" smtClean="0">
+              <a:latin typeface="+mj-lt"/>
+            </a:endParaRPr>
+          </a:p>
+        </p:txBody>
+      </p:sp>
+    </p:spTree>
+    <p:extLst>
+      <p:ext uri="{BB962C8B-B14F-4D97-AF65-F5344CB8AC3E}">
+        <p14:creationId xmlns:p14="http://schemas.microsoft.com/office/powerpoint/2010/main" val="2070542514"/>
+      </p:ext>
+    </p:extLst>
+  </p:cSld>
+  <p:clrMapOvr>
+    <a:masterClrMapping/>
+  </p:clrMapOvr>
+  <p:timing>
+    <p:tnLst>
+      <p:par>
+        <p:cTn id="1" dur="indefinite" restart="never" nodeType="tmRoot"/>
+      </p:par>
+    </p:tnLst>
+  </p:timing>
+</p:sld>
+</file>
+
+<file path=ppt/slides/slide22.xml><?xml version="1.0" encoding="utf-8"?>
+<p:sld xmlns:a="http://schemas.openxmlformats.org/drawingml/2006/main" xmlns:r="http://schemas.openxmlformats.org/officeDocument/2006/relationships" xmlns:p="http://schemas.openxmlformats.org/presentationml/2006/main">
+  <p:cSld>
+    <p:spTree>
+      <p:nvGrpSpPr>
+        <p:cNvPr id="1" name=""/>
+        <p:cNvGrpSpPr/>
+        <p:nvPr/>
+      </p:nvGrpSpPr>
+      <p:grpSpPr>
+        <a:xfrm>
+          <a:off x="0" y="0"/>
+          <a:ext cx="0" cy="0"/>
+          <a:chOff x="0" y="0"/>
+          <a:chExt cx="0" cy="0"/>
+        </a:xfrm>
+      </p:grpSpPr>
+      <p:pic>
+        <p:nvPicPr>
+          <p:cNvPr id="1028" name="Picture 4" descr="Używanie tablicy problemów do śledzenia przepływu pracy"/>
+          <p:cNvPicPr>
+            <a:picLocks noChangeAspect="1" noChangeArrowheads="1"/>
+          </p:cNvPicPr>
+          <p:nvPr/>
+        </p:nvPicPr>
+        <p:blipFill>
+          <a:blip r:embed="rId2" cstate="print">
+            <a:extLst>
+              <a:ext uri="{28A0092B-C50C-407E-A947-70E740481C1C}">
+                <a14:useLocalDpi xmlns:a14="http://schemas.microsoft.com/office/drawing/2010/main" val="0"/>
+              </a:ext>
+            </a:extLst>
+          </a:blip>
+          <a:srcRect/>
+          <a:stretch>
+            <a:fillRect/>
+          </a:stretch>
+        </p:blipFill>
+        <p:spPr bwMode="auto">
+          <a:xfrm>
+            <a:off x="518303" y="699542"/>
+            <a:ext cx="8014137" cy="4032448"/>
+          </a:xfrm>
+          <a:prstGeom prst="rect">
+            <a:avLst/>
+          </a:prstGeom>
+          <a:noFill/>
+          <a:extLst>
+            <a:ext uri="{909E8E84-426E-40DD-AFC4-6F175D3DCCD1}">
+              <a14:hiddenFill xmlns:a14="http://schemas.microsoft.com/office/drawing/2010/main">
+                <a:solidFill>
+                  <a:srgbClr val="FFFFFF"/>
+                </a:solidFill>
+              </a14:hiddenFill>
+            </a:ext>
+          </a:extLst>
+        </p:spPr>
+      </p:pic>
+    </p:spTree>
+    <p:extLst>
+      <p:ext uri="{BB962C8B-B14F-4D97-AF65-F5344CB8AC3E}">
+        <p14:creationId xmlns:p14="http://schemas.microsoft.com/office/powerpoint/2010/main" val="3084480692"/>
+      </p:ext>
+    </p:extLst>
+  </p:cSld>
+  <p:clrMapOvr>
+    <a:masterClrMapping/>
+  </p:clrMapOvr>
+  <p:timing>
+    <p:tnLst>
+      <p:par>
+        <p:cTn id="1" dur="indefinite" restart="never" nodeType="tmRoot"/>
+      </p:par>
+    </p:tnLst>
+  </p:timing>
+</p:sld>
+</file>
+
+<file path=ppt/slides/slide23.xml><?xml version="1.0" encoding="utf-8"?>
+<p:sld xmlns:a="http://schemas.openxmlformats.org/drawingml/2006/main" xmlns:r="http://schemas.openxmlformats.org/officeDocument/2006/relationships" xmlns:p="http://schemas.openxmlformats.org/presentationml/2006/main">
+  <p:cSld>
+    <p:spTree>
+      <p:nvGrpSpPr>
+        <p:cNvPr id="1" name=""/>
+        <p:cNvGrpSpPr/>
+        <p:nvPr/>
+      </p:nvGrpSpPr>
+      <p:grpSpPr>
+        <a:xfrm>
+          <a:off x="0" y="0"/>
+          <a:ext cx="0" cy="0"/>
+          <a:chOff x="0" y="0"/>
+          <a:chExt cx="0" cy="0"/>
+        </a:xfrm>
+      </p:grpSpPr>
+      <p:sp>
+        <p:nvSpPr>
+          <p:cNvPr id="3" name="Symbol zastępczy zawartości 2"/>
+          <p:cNvSpPr>
+            <a:spLocks noGrp="1"/>
+          </p:cNvSpPr>
+          <p:nvPr>
+            <p:ph idx="1"/>
+          </p:nvPr>
+        </p:nvSpPr>
+        <p:spPr>
+          <a:xfrm>
+            <a:off x="457200" y="987574"/>
+            <a:ext cx="8229600" cy="3607048"/>
+          </a:xfrm>
+        </p:spPr>
+        <p:txBody>
+          <a:bodyPr>
+            <a:normAutofit/>
+          </a:bodyPr>
+          <a:lstStyle/>
+          <a:p>
+            <a:pPr marL="0" indent="0">
+              <a:buNone/>
+            </a:pPr>
+            <a:r>
+              <a:rPr lang="pl-PL" sz="1600" dirty="0" smtClean="0"/>
+              <a:t>Przepływ </a:t>
+            </a:r>
+            <a:r>
+              <a:rPr lang="pl-PL" sz="1600" dirty="0"/>
+              <a:t>pracy </a:t>
+            </a:r>
+            <a:r>
+              <a:rPr lang="pl-PL" sz="1600" dirty="0" smtClean="0"/>
+              <a:t>(etykiety etapów) może </a:t>
+            </a:r>
+            <a:r>
+              <a:rPr lang="pl-PL" sz="1600" dirty="0"/>
+              <a:t>wyglądać mniej więcej tak:</a:t>
+            </a:r>
+          </a:p>
+          <a:p>
+            <a:r>
+              <a:rPr lang="pl-PL" sz="1600" dirty="0"/>
+              <a:t>Rozwój</a:t>
+            </a:r>
+          </a:p>
+          <a:p>
+            <a:r>
+              <a:rPr lang="pl-PL" sz="1600" dirty="0" smtClean="0"/>
+              <a:t>Projektowanie</a:t>
+            </a:r>
+            <a:endParaRPr lang="pl-PL" sz="1600" dirty="0"/>
+          </a:p>
+          <a:p>
+            <a:r>
+              <a:rPr lang="pl-PL" sz="1600" dirty="0" smtClean="0"/>
+              <a:t>Przegląd</a:t>
+            </a:r>
+            <a:endParaRPr lang="pl-PL" sz="1600" dirty="0"/>
+          </a:p>
+          <a:p>
+            <a:r>
+              <a:rPr lang="pl-PL" sz="1600" dirty="0" smtClean="0"/>
+              <a:t>Testy</a:t>
+            </a:r>
+            <a:endParaRPr lang="pl-PL" sz="1600" dirty="0"/>
+          </a:p>
+          <a:p>
+            <a:r>
+              <a:rPr lang="pl-PL" sz="1600" dirty="0" smtClean="0"/>
+              <a:t>Integracja</a:t>
+            </a:r>
+          </a:p>
+          <a:p>
+            <a:endParaRPr lang="pl-PL" sz="1600" dirty="0"/>
+          </a:p>
+          <a:p>
+            <a:pPr marL="0" indent="0">
+              <a:buNone/>
+            </a:pPr>
+            <a:endParaRPr lang="pl-PL" sz="1600" dirty="0" smtClean="0"/>
+          </a:p>
+          <a:p>
+            <a:pPr marL="0" indent="0">
+              <a:buNone/>
+            </a:pPr>
+            <a:r>
+              <a:rPr lang="pl-PL" sz="1600" dirty="0" smtClean="0"/>
+              <a:t>Aby utworzyć właściwą tablicę zgłoszeń zdefiniuj wymagane etykiety i przydziel je do odpowiednich zadań.</a:t>
+            </a:r>
+            <a:endParaRPr lang="pl-PL" sz="1600" dirty="0"/>
+          </a:p>
+          <a:p>
+            <a:endParaRPr lang="pl-PL" sz="1600" dirty="0" smtClean="0">
+              <a:latin typeface="+mj-lt"/>
+            </a:endParaRPr>
+          </a:p>
+          <a:p>
+            <a:endParaRPr lang="pl-PL" sz="1600" dirty="0" smtClean="0">
+              <a:latin typeface="+mj-lt"/>
+            </a:endParaRPr>
+          </a:p>
+        </p:txBody>
+      </p:sp>
+    </p:spTree>
+    <p:extLst>
+      <p:ext uri="{BB962C8B-B14F-4D97-AF65-F5344CB8AC3E}">
+        <p14:creationId xmlns:p14="http://schemas.microsoft.com/office/powerpoint/2010/main" val="2700001883"/>
+      </p:ext>
+    </p:extLst>
+  </p:cSld>
+  <p:clrMapOvr>
+    <a:masterClrMapping/>
+  </p:clrMapOvr>
+  <p:timing>
+    <p:tnLst>
+      <p:par>
+        <p:cTn id="1" dur="indefinite" restart="never" nodeType="tmRoot"/>
+      </p:par>
+    </p:tnLst>
+  </p:timing>
+</p:sld>
+</file>
+
+<file path=ppt/slides/slide24.xml><?xml version="1.0" encoding="utf-8"?>
+<p:sld xmlns:a="http://schemas.openxmlformats.org/drawingml/2006/main" xmlns:r="http://schemas.openxmlformats.org/officeDocument/2006/relationships" xmlns:p="http://schemas.openxmlformats.org/presentationml/2006/main">
+  <p:cSld>
+    <p:spTree>
+      <p:nvGrpSpPr>
+        <p:cNvPr id="1" name=""/>
+        <p:cNvGrpSpPr/>
+        <p:nvPr/>
+      </p:nvGrpSpPr>
+      <p:grpSpPr>
+        <a:xfrm>
+          <a:off x="0" y="0"/>
+          <a:ext cx="0" cy="0"/>
+          <a:chOff x="0" y="0"/>
+          <a:chExt cx="0" cy="0"/>
+        </a:xfrm>
+      </p:grpSpPr>
+      <p:sp>
+        <p:nvSpPr>
+          <p:cNvPr id="3" name="Symbol zastępczy zawartości 2"/>
+          <p:cNvSpPr>
+            <a:spLocks noGrp="1"/>
+          </p:cNvSpPr>
+          <p:nvPr>
+            <p:ph idx="1"/>
+          </p:nvPr>
+        </p:nvSpPr>
+        <p:spPr>
+          <a:xfrm>
+            <a:off x="457200" y="987574"/>
+            <a:ext cx="8229600" cy="3607048"/>
+          </a:xfrm>
+        </p:spPr>
+        <p:txBody>
+          <a:bodyPr>
+            <a:normAutofit/>
+          </a:bodyPr>
+          <a:lstStyle/>
+          <a:p>
+            <a:pPr marL="0" indent="0">
+              <a:buNone/>
+            </a:pPr>
+            <a:r>
+              <a:rPr lang="pl-PL" sz="1600" b="1" dirty="0" smtClean="0"/>
+              <a:t>2. Planowanie na podstawie kategorii</a:t>
+            </a:r>
+          </a:p>
+          <a:p>
+            <a:pPr marL="0" indent="0">
+              <a:buNone/>
+            </a:pPr>
+            <a:r>
+              <a:rPr lang="pl-PL" sz="1600" dirty="0" smtClean="0">
+                <a:latin typeface="+mj-lt"/>
+              </a:rPr>
+              <a:t>Tablica zgłoszeń może być również tworzona na podstawie kategorii.</a:t>
+            </a:r>
+          </a:p>
+          <a:p>
+            <a:pPr marL="0" indent="0">
+              <a:buNone/>
+            </a:pPr>
+            <a:r>
+              <a:rPr lang="pl-PL" sz="1600" dirty="0" smtClean="0">
+                <a:latin typeface="+mj-lt"/>
+              </a:rPr>
+              <a:t>Analiza pracy w projekcie może być realizowana w oparciu o jej przepływ pomiędzy etapami określonymi przez przypisane do zadań etykiety.</a:t>
+            </a:r>
+          </a:p>
+          <a:p>
+            <a:pPr marL="0" indent="0">
+              <a:buNone/>
+            </a:pPr>
+            <a:r>
+              <a:rPr lang="pl-PL" sz="1600" dirty="0" smtClean="0">
+                <a:latin typeface="+mj-lt"/>
+              </a:rPr>
+              <a:t>Podobnie możliwa jest też analiza pracy w kilku projektach, w oparciu o definicje pomocnych kategorii.</a:t>
+            </a:r>
+          </a:p>
+          <a:p>
+            <a:pPr marL="0" indent="0">
+              <a:buNone/>
+            </a:pPr>
+            <a:r>
+              <a:rPr lang="pl-PL" sz="1600" dirty="0" smtClean="0">
+                <a:latin typeface="+mj-lt"/>
+              </a:rPr>
+              <a:t>Mogą być one wiązane z określonym kamieniem milowym, dzięki czemu można obserwować, które zagadnienia są z nim związane i które mają wpływ na jego osiągnięcie.</a:t>
+            </a:r>
+          </a:p>
+          <a:p>
+            <a:pPr marL="0" indent="0">
+              <a:buNone/>
+            </a:pPr>
+            <a:endParaRPr lang="pl-PL" sz="1600" dirty="0" smtClean="0">
+              <a:latin typeface="+mj-lt"/>
+            </a:endParaRPr>
+          </a:p>
+          <a:p>
+            <a:pPr marL="0" indent="0">
+              <a:buNone/>
+            </a:pPr>
+            <a:endParaRPr lang="pl-PL" sz="1600" dirty="0" smtClean="0">
+              <a:latin typeface="+mj-lt"/>
+            </a:endParaRPr>
+          </a:p>
+        </p:txBody>
+      </p:sp>
+    </p:spTree>
+    <p:extLst>
+      <p:ext uri="{BB962C8B-B14F-4D97-AF65-F5344CB8AC3E}">
+        <p14:creationId xmlns:p14="http://schemas.microsoft.com/office/powerpoint/2010/main" val="721366535"/>
+      </p:ext>
+    </p:extLst>
+  </p:cSld>
+  <p:clrMapOvr>
+    <a:masterClrMapping/>
+  </p:clrMapOvr>
+  <p:timing>
+    <p:tnLst>
+      <p:par>
+        <p:cTn id="1" dur="indefinite" restart="never" nodeType="tmRoot"/>
+      </p:par>
+    </p:tnLst>
+  </p:timing>
+</p:sld>
+</file>
+
+<file path=ppt/slides/slide25.xml><?xml version="1.0" encoding="utf-8"?>
+<p:sld xmlns:a="http://schemas.openxmlformats.org/drawingml/2006/main" xmlns:r="http://schemas.openxmlformats.org/officeDocument/2006/relationships" xmlns:p="http://schemas.openxmlformats.org/presentationml/2006/main">
+  <p:cSld>
+    <p:spTree>
+      <p:nvGrpSpPr>
+        <p:cNvPr id="1" name=""/>
+        <p:cNvGrpSpPr/>
+        <p:nvPr/>
+      </p:nvGrpSpPr>
+      <p:grpSpPr>
+        <a:xfrm>
+          <a:off x="0" y="0"/>
+          <a:ext cx="0" cy="0"/>
+          <a:chOff x="0" y="0"/>
+          <a:chExt cx="0" cy="0"/>
+        </a:xfrm>
+      </p:grpSpPr>
+      <p:sp>
+        <p:nvSpPr>
+          <p:cNvPr id="3" name="Symbol zastępczy zawartości 2"/>
+          <p:cNvSpPr>
+            <a:spLocks noGrp="1"/>
+          </p:cNvSpPr>
+          <p:nvPr>
+            <p:ph idx="1"/>
+          </p:nvPr>
+        </p:nvSpPr>
+        <p:spPr>
+          <a:xfrm>
+            <a:off x="457200" y="987574"/>
+            <a:ext cx="8229600" cy="3607048"/>
+          </a:xfrm>
+        </p:spPr>
+        <p:txBody>
+          <a:bodyPr>
+            <a:normAutofit/>
+          </a:bodyPr>
+          <a:lstStyle/>
+          <a:p>
+            <a:pPr marL="0" indent="0">
+              <a:buNone/>
+            </a:pPr>
+            <a:r>
+              <a:rPr lang="pl-PL" sz="1600" b="1" dirty="0" smtClean="0"/>
+              <a:t>3. Analiza pracy zespołu</a:t>
+            </a:r>
+          </a:p>
+          <a:p>
+            <a:pPr marL="0" indent="0">
+              <a:buNone/>
+            </a:pPr>
+            <a:r>
+              <a:rPr lang="pl-PL" sz="1600" dirty="0" smtClean="0">
+                <a:latin typeface="+mj-lt"/>
+              </a:rPr>
+              <a:t>Możliwa jest również analiza pracy ze względu na poszczególnych członków zespołu i przypisanych im zadań.</a:t>
+            </a:r>
+          </a:p>
+          <a:p>
+            <a:pPr marL="0" indent="0">
+              <a:buNone/>
+            </a:pPr>
+            <a:endParaRPr lang="pl-PL" sz="1600" dirty="0" smtClean="0">
+              <a:latin typeface="+mj-lt"/>
+            </a:endParaRPr>
+          </a:p>
+        </p:txBody>
+      </p:sp>
+      <p:pic>
+        <p:nvPicPr>
+          <p:cNvPr id="3074" name="Picture 2" descr="Example assignee issue board view"/>
+          <p:cNvPicPr>
+            <a:picLocks noChangeAspect="1" noChangeArrowheads="1"/>
+          </p:cNvPicPr>
+          <p:nvPr/>
+        </p:nvPicPr>
+        <p:blipFill>
+          <a:blip r:embed="rId2" cstate="print">
+            <a:extLst>
+              <a:ext uri="{28A0092B-C50C-407E-A947-70E740481C1C}">
+                <a14:useLocalDpi xmlns:a14="http://schemas.microsoft.com/office/drawing/2010/main" val="0"/>
+              </a:ext>
+            </a:extLst>
+          </a:blip>
+          <a:srcRect/>
+          <a:stretch>
+            <a:fillRect/>
+          </a:stretch>
+        </p:blipFill>
+        <p:spPr bwMode="auto">
+          <a:xfrm>
+            <a:off x="971600" y="1851670"/>
+            <a:ext cx="6483005" cy="2880320"/>
+          </a:xfrm>
+          <a:prstGeom prst="rect">
+            <a:avLst/>
+          </a:prstGeom>
+          <a:noFill/>
+          <a:extLst>
+            <a:ext uri="{909E8E84-426E-40DD-AFC4-6F175D3DCCD1}">
+              <a14:hiddenFill xmlns:a14="http://schemas.microsoft.com/office/drawing/2010/main">
+                <a:solidFill>
+                  <a:srgbClr val="FFFFFF"/>
+                </a:solidFill>
+              </a14:hiddenFill>
+            </a:ext>
+          </a:extLst>
+        </p:spPr>
+      </p:pic>
+    </p:spTree>
+    <p:extLst>
+      <p:ext uri="{BB962C8B-B14F-4D97-AF65-F5344CB8AC3E}">
+        <p14:creationId xmlns:p14="http://schemas.microsoft.com/office/powerpoint/2010/main" val="2715982994"/>
+      </p:ext>
+    </p:extLst>
+  </p:cSld>
+  <p:clrMapOvr>
+    <a:masterClrMapping/>
+  </p:clrMapOvr>
+  <p:timing>
+    <p:tnLst>
+      <p:par>
+        <p:cTn id="1" dur="indefinite" restart="never" nodeType="tmRoot"/>
+      </p:par>
+    </p:tnLst>
+  </p:timing>
+</p:sld>
+</file>
+
+<file path=ppt/slides/slide26.xml><?xml version="1.0" encoding="utf-8"?>
+<p:sld xmlns:a="http://schemas.openxmlformats.org/drawingml/2006/main" xmlns:r="http://schemas.openxmlformats.org/officeDocument/2006/relationships" xmlns:p="http://schemas.openxmlformats.org/presentationml/2006/main">
+  <p:cSld>
+    <p:spTree>
+      <p:nvGrpSpPr>
+        <p:cNvPr id="1" name=""/>
+        <p:cNvGrpSpPr/>
+        <p:nvPr/>
+      </p:nvGrpSpPr>
+      <p:grpSpPr>
+        <a:xfrm>
+          <a:off x="0" y="0"/>
+          <a:ext cx="0" cy="0"/>
+          <a:chOff x="0" y="0"/>
+          <a:chExt cx="0" cy="0"/>
+        </a:xfrm>
+      </p:grpSpPr>
+      <p:sp>
+        <p:nvSpPr>
+          <p:cNvPr id="3" name="Symbol zastępczy zawartości 2"/>
+          <p:cNvSpPr>
+            <a:spLocks noGrp="1"/>
+          </p:cNvSpPr>
+          <p:nvPr>
+            <p:ph idx="1"/>
+          </p:nvPr>
+        </p:nvSpPr>
+        <p:spPr>
+          <a:xfrm>
+            <a:off x="457200" y="987574"/>
+            <a:ext cx="8229600" cy="3607048"/>
+          </a:xfrm>
+        </p:spPr>
+        <p:txBody>
+          <a:bodyPr>
+            <a:normAutofit/>
+          </a:bodyPr>
+          <a:lstStyle/>
+          <a:p>
+            <a:pPr marL="0" indent="0">
+              <a:buNone/>
+            </a:pPr>
+            <a:r>
+              <a:rPr lang="pl-PL" sz="1600" b="1" dirty="0" smtClean="0"/>
+              <a:t>4. Planowanie zgłoszeń i kamieni milowych</a:t>
+            </a:r>
+          </a:p>
+          <a:p>
+            <a:pPr marL="0" indent="0">
+              <a:buNone/>
+            </a:pPr>
+            <a:r>
+              <a:rPr lang="pl-PL" sz="1600" dirty="0" smtClean="0"/>
+              <a:t>Podobny widok można uzyskać z wykorzystaniem zdefiniowanych kamieni milowych</a:t>
+            </a:r>
+          </a:p>
+          <a:p>
+            <a:pPr marL="0" indent="0">
+              <a:buNone/>
+            </a:pPr>
+            <a:endParaRPr lang="pl-PL" sz="1600" b="1" dirty="0" smtClean="0"/>
+          </a:p>
+          <a:p>
+            <a:pPr marL="0" indent="0">
+              <a:buNone/>
+            </a:pPr>
+            <a:endParaRPr lang="pl-PL" sz="1600" b="1" dirty="0" smtClean="0"/>
+          </a:p>
+          <a:p>
+            <a:pPr marL="0" indent="0">
+              <a:buNone/>
+            </a:pPr>
+            <a:endParaRPr lang="pl-PL" sz="1600" dirty="0" smtClean="0">
+              <a:latin typeface="+mj-lt"/>
+            </a:endParaRPr>
+          </a:p>
+        </p:txBody>
+      </p:sp>
+      <p:pic>
+        <p:nvPicPr>
+          <p:cNvPr id="4098" name="Picture 2" descr="Przykład listy kamieni milowych"/>
+          <p:cNvPicPr>
+            <a:picLocks noChangeAspect="1" noChangeArrowheads="1"/>
+          </p:cNvPicPr>
+          <p:nvPr/>
+        </p:nvPicPr>
+        <p:blipFill>
+          <a:blip r:embed="rId2" cstate="print">
+            <a:extLst>
+              <a:ext uri="{28A0092B-C50C-407E-A947-70E740481C1C}">
+                <a14:useLocalDpi xmlns:a14="http://schemas.microsoft.com/office/drawing/2010/main" val="0"/>
+              </a:ext>
+            </a:extLst>
+          </a:blip>
+          <a:srcRect/>
+          <a:stretch>
+            <a:fillRect/>
+          </a:stretch>
+        </p:blipFill>
+        <p:spPr bwMode="auto">
+          <a:xfrm>
+            <a:off x="899592" y="1870215"/>
+            <a:ext cx="6552729" cy="2263109"/>
+          </a:xfrm>
+          <a:prstGeom prst="rect">
+            <a:avLst/>
+          </a:prstGeom>
+          <a:noFill/>
+          <a:extLst>
+            <a:ext uri="{909E8E84-426E-40DD-AFC4-6F175D3DCCD1}">
+              <a14:hiddenFill xmlns:a14="http://schemas.microsoft.com/office/drawing/2010/main">
+                <a:solidFill>
+                  <a:srgbClr val="FFFFFF"/>
+                </a:solidFill>
+              </a14:hiddenFill>
+            </a:ext>
+          </a:extLst>
+        </p:spPr>
+      </p:pic>
+    </p:spTree>
+    <p:extLst>
+      <p:ext uri="{BB962C8B-B14F-4D97-AF65-F5344CB8AC3E}">
+        <p14:creationId xmlns:p14="http://schemas.microsoft.com/office/powerpoint/2010/main" val="1164794314"/>
       </p:ext>
     </p:extLst>
   </p:cSld>
@@ -5343,74 +6468,179 @@
           </a:bodyPr>
           <a:lstStyle/>
           <a:p>
-            <a:r>
-              <a:rPr lang="pl-PL" sz="2400" dirty="0"/>
-              <a:t>Zarządzanie projektami i oprogramowaniem </a:t>
-            </a:r>
-            <a:r>
-              <a:rPr lang="pl-PL" sz="2400" dirty="0"/>
-              <a:t/>
-            </a:r>
-            <a:br>
-              <a:rPr lang="pl-PL" sz="2400" dirty="0"/>
-            </a:br>
-            <a:r>
-              <a:rPr lang="pl-PL" sz="2400" dirty="0" smtClean="0"/>
-              <a:t>jest </a:t>
-            </a:r>
-            <a:r>
-              <a:rPr lang="pl-PL" sz="2400" dirty="0"/>
-              <a:t>z natury skomplikowane, ale narzędzia </a:t>
-            </a:r>
-            <a:r>
-              <a:rPr lang="pl-PL" sz="2400" dirty="0" smtClean="0"/>
-              <a:t>nie muszą wcale </a:t>
-            </a:r>
-            <a:r>
-              <a:rPr lang="pl-PL" sz="2400" dirty="0"/>
-              <a:t>takie </a:t>
-            </a:r>
-            <a:r>
-              <a:rPr lang="pl-PL" sz="2400" dirty="0" smtClean="0"/>
-              <a:t>być.</a:t>
-            </a:r>
-            <a:r>
-              <a:rPr lang="pl-PL" sz="2400" dirty="0"/>
-              <a:t> </a:t>
-            </a:r>
-            <a:endParaRPr lang="pl-PL" sz="2400" dirty="0" smtClean="0"/>
-          </a:p>
-          <a:p>
-            <a:r>
-              <a:rPr lang="pl-PL" sz="2400" dirty="0" smtClean="0"/>
-              <a:t>Niezależnie </a:t>
-            </a:r>
-            <a:r>
-              <a:rPr lang="pl-PL" sz="2400" dirty="0"/>
-              <a:t>od tego, </a:t>
-            </a:r>
-            <a:r>
-              <a:rPr lang="pl-PL" sz="2400" dirty="0" smtClean="0"/>
-              <a:t>iloma projektami, osobami lub produktami </a:t>
-            </a:r>
-            <a:r>
-              <a:rPr lang="pl-PL" sz="2400" dirty="0"/>
-              <a:t>zarządzasz, </a:t>
-            </a:r>
-            <a:r>
-              <a:rPr lang="pl-PL" sz="2400" dirty="0" smtClean="0"/>
-              <a:t>najważniejszą kwestią jest uzyskanie przejrzystości potrzebnej </a:t>
-            </a:r>
-            <a:r>
-              <a:rPr lang="pl-PL" sz="2400" dirty="0"/>
-              <a:t>do sprawnego </a:t>
-            </a:r>
-            <a:r>
-              <a:rPr lang="pl-PL" sz="2400" dirty="0" smtClean="0"/>
-              <a:t>działania.</a:t>
-            </a:r>
+            <a:pPr marL="0" indent="0">
+              <a:buNone/>
+            </a:pPr>
+            <a:r>
+              <a:rPr lang="pl-PL" sz="2400" b="1" dirty="0" err="1">
+                <a:latin typeface="Calibri" panose="020F0502020204030204" pitchFamily="34" charset="0"/>
+              </a:rPr>
+              <a:t>Issue</a:t>
+            </a:r>
+            <a:r>
+              <a:rPr lang="pl-PL" sz="2400" b="1" dirty="0">
+                <a:latin typeface="Calibri" panose="020F0502020204030204" pitchFamily="34" charset="0"/>
+              </a:rPr>
+              <a:t> Board</a:t>
+            </a:r>
+            <a:endParaRPr lang="pl-PL" sz="1600" b="1" dirty="0">
+              <a:latin typeface="Calibri" panose="020F0502020204030204" pitchFamily="34" charset="0"/>
+            </a:endParaRPr>
+          </a:p>
+          <a:p>
+            <a:pPr marL="0" indent="0">
+              <a:buNone/>
+            </a:pPr>
+            <a:endParaRPr lang="pl-PL" sz="1600" b="1" dirty="0" smtClean="0">
+              <a:latin typeface="Calibri" panose="020F0502020204030204" pitchFamily="34" charset="0"/>
+            </a:endParaRPr>
+          </a:p>
+          <a:p>
+            <a:pPr marL="0" indent="0">
+              <a:buNone/>
+            </a:pPr>
+            <a:r>
+              <a:rPr lang="pl-PL" sz="1600" b="1" dirty="0">
+                <a:latin typeface="Calibri" panose="020F0502020204030204" pitchFamily="34" charset="0"/>
+              </a:rPr>
+              <a:t>Terminy</a:t>
+            </a:r>
+          </a:p>
+          <a:p>
+            <a:pPr marL="0" indent="0">
+              <a:buNone/>
+            </a:pPr>
             <a:endParaRPr lang="pl-PL" sz="1600" dirty="0" smtClean="0">
-              <a:latin typeface="+mj-lt"/>
+              <a:latin typeface="Calibri" panose="020F0502020204030204" pitchFamily="34" charset="0"/>
+            </a:endParaRPr>
+          </a:p>
+          <a:p>
+            <a:pPr marL="0" indent="0">
+              <a:buNone/>
+            </a:pPr>
+            <a:r>
+              <a:rPr lang="pl-PL" sz="1600" dirty="0" smtClean="0">
+                <a:latin typeface="Calibri" panose="020F0502020204030204" pitchFamily="34" charset="0"/>
+              </a:rPr>
+              <a:t>Do </a:t>
+            </a:r>
+            <a:r>
+              <a:rPr lang="pl-PL" sz="1600" dirty="0">
+                <a:latin typeface="Calibri" panose="020F0502020204030204" pitchFamily="34" charset="0"/>
+              </a:rPr>
+              <a:t>każdego zgłoszenia możesz przypisać termin. Niektóre zespoły mają napięty grafik, więc konieczna jest możliwość ustawienia </a:t>
+            </a:r>
+            <a:r>
+              <a:rPr lang="pl-PL" sz="1600" dirty="0" err="1">
+                <a:latin typeface="Calibri" panose="020F0502020204030204" pitchFamily="34" charset="0"/>
+              </a:rPr>
+              <a:t>deadline’u</a:t>
+            </a:r>
+            <a:r>
+              <a:rPr lang="pl-PL" sz="1600" dirty="0">
+                <a:latin typeface="Calibri" panose="020F0502020204030204" pitchFamily="34" charset="0"/>
+              </a:rPr>
+              <a:t> dla wdrożeń i rozwiązywania problemów. Terminy wprowadzają taką możliwość.</a:t>
+            </a:r>
+          </a:p>
+          <a:p>
+            <a:pPr marL="0" indent="0">
+              <a:buNone/>
+            </a:pPr>
+            <a:endParaRPr lang="pl-PL" sz="1600" dirty="0" smtClean="0">
+              <a:latin typeface="Calibri" panose="020F0502020204030204" pitchFamily="34" charset="0"/>
+            </a:endParaRPr>
+          </a:p>
+          <a:p>
+            <a:pPr marL="0" indent="0">
+              <a:buNone/>
+            </a:pPr>
+            <a:r>
+              <a:rPr lang="pl-PL" sz="1600" dirty="0" smtClean="0">
+                <a:latin typeface="Calibri" panose="020F0502020204030204" pitchFamily="34" charset="0"/>
+              </a:rPr>
+              <a:t>W </a:t>
+            </a:r>
+            <a:r>
+              <a:rPr lang="pl-PL" sz="1600" dirty="0">
+                <a:latin typeface="Calibri" panose="020F0502020204030204" pitchFamily="34" charset="0"/>
+              </a:rPr>
+              <a:t>przypadku terminów w projektach wielozadaniowych, takich jak: </a:t>
+            </a:r>
+            <a:r>
+              <a:rPr lang="pl-PL" sz="1600" b="1" dirty="0" err="1" smtClean="0">
+                <a:latin typeface="Calibri" panose="020F0502020204030204" pitchFamily="34" charset="0"/>
+              </a:rPr>
+              <a:t>new</a:t>
+            </a:r>
+            <a:r>
+              <a:rPr lang="pl-PL" sz="1600" b="1" dirty="0" smtClean="0">
+                <a:latin typeface="Calibri" panose="020F0502020204030204" pitchFamily="34" charset="0"/>
+              </a:rPr>
+              <a:t> </a:t>
+            </a:r>
+            <a:r>
+              <a:rPr lang="pl-PL" sz="1600" b="1" dirty="0" err="1" smtClean="0">
+                <a:latin typeface="Calibri" panose="020F0502020204030204" pitchFamily="34" charset="0"/>
+              </a:rPr>
+              <a:t>release</a:t>
+            </a:r>
+            <a:r>
+              <a:rPr lang="pl-PL" sz="1600" dirty="0">
+                <a:latin typeface="Calibri" panose="020F0502020204030204" pitchFamily="34" charset="0"/>
+              </a:rPr>
+              <a:t>, </a:t>
+            </a:r>
+            <a:r>
+              <a:rPr lang="pl-PL" sz="1600" b="1" dirty="0">
+                <a:latin typeface="Calibri" panose="020F0502020204030204" pitchFamily="34" charset="0"/>
+              </a:rPr>
+              <a:t>uruchomienie produktu</a:t>
+            </a:r>
+            <a:r>
+              <a:rPr lang="pl-PL" sz="1600" dirty="0">
+                <a:latin typeface="Calibri" panose="020F0502020204030204" pitchFamily="34" charset="0"/>
+              </a:rPr>
+              <a:t> czy też </a:t>
+            </a:r>
+            <a:r>
+              <a:rPr lang="pl-PL" sz="1600" b="1" dirty="0">
+                <a:latin typeface="Calibri" panose="020F0502020204030204" pitchFamily="34" charset="0"/>
+              </a:rPr>
+              <a:t>kwartalne śledzenie zadań</a:t>
+            </a:r>
+            <a:r>
+              <a:rPr lang="pl-PL" sz="1600" dirty="0">
+                <a:latin typeface="Calibri" panose="020F0502020204030204" pitchFamily="34" charset="0"/>
+              </a:rPr>
+              <a:t>, mamy do </a:t>
+            </a:r>
+            <a:r>
+              <a:rPr lang="pl-PL" sz="1600" dirty="0" smtClean="0">
+                <a:latin typeface="Calibri" panose="020F0502020204030204" pitchFamily="34" charset="0"/>
+              </a:rPr>
+              <a:t>dyspozycji</a:t>
+            </a:r>
+            <a:r>
+              <a:rPr lang="pl-PL" sz="1600" dirty="0">
+                <a:latin typeface="Calibri" panose="020F0502020204030204" pitchFamily="34" charset="0"/>
+              </a:rPr>
+              <a:t> </a:t>
+            </a:r>
+            <a:r>
+              <a:rPr lang="pl-PL" sz="1600" b="1" dirty="0" smtClean="0">
+                <a:latin typeface="Calibri" panose="020F0502020204030204" pitchFamily="34" charset="0"/>
+              </a:rPr>
+              <a:t>kamienie milowe</a:t>
+            </a:r>
+            <a:r>
+              <a:rPr lang="pl-PL" sz="1600" dirty="0" smtClean="0">
+                <a:latin typeface="Calibri" panose="020F0502020204030204" pitchFamily="34" charset="0"/>
+              </a:rPr>
+              <a:t>.</a:t>
+            </a:r>
+            <a:endParaRPr lang="pl-PL" sz="1600" dirty="0">
+              <a:latin typeface="Calibri" panose="020F0502020204030204" pitchFamily="34" charset="0"/>
             </a:endParaRPr>
           </a:p>
         </p:txBody>
@@ -5418,7 +6648,7 @@
     </p:spTree>
     <p:extLst>
       <p:ext uri="{BB962C8B-B14F-4D97-AF65-F5344CB8AC3E}">
-        <p14:creationId xmlns:p14="http://schemas.microsoft.com/office/powerpoint/2010/main" val="2245615856"/>
+        <p14:creationId xmlns:p14="http://schemas.microsoft.com/office/powerpoint/2010/main" val="4125917706"/>
       </p:ext>
     </p:extLst>
   </p:cSld>
@@ -5474,111 +6704,157 @@
           </a:bodyPr>
           <a:lstStyle/>
           <a:p>
-            <a:r>
-              <a:rPr lang="pl-PL" sz="2400" dirty="0"/>
-              <a:t>Tablica </a:t>
-            </a:r>
-            <a:r>
-              <a:rPr lang="pl-PL" sz="2400" dirty="0" smtClean="0"/>
-              <a:t>zgłoszeń GitLab </a:t>
-            </a:r>
-            <a:r>
-              <a:rPr lang="pl-PL" sz="2400" dirty="0"/>
-              <a:t>to uproszczone podejście do złożonego problemu. </a:t>
-            </a:r>
-            <a:endParaRPr lang="pl-PL" sz="2400" dirty="0" smtClean="0"/>
-          </a:p>
-          <a:p>
-            <a:r>
-              <a:rPr lang="pl-PL" sz="2400" dirty="0" smtClean="0"/>
-              <a:t>Tworzą je listy oparte na </a:t>
-            </a:r>
-            <a:r>
-              <a:rPr lang="pl-PL" sz="2400" dirty="0"/>
-              <a:t>tablicy </a:t>
-            </a:r>
-            <a:r>
-              <a:rPr lang="pl-PL" sz="2400" dirty="0" err="1" smtClean="0"/>
-              <a:t>Kanban</a:t>
-            </a:r>
-            <a:r>
-              <a:rPr lang="pl-PL" sz="2400" dirty="0" smtClean="0"/>
-              <a:t>.</a:t>
-            </a:r>
-          </a:p>
-          <a:p>
-            <a:r>
-              <a:rPr lang="pl-PL" sz="2400" dirty="0" smtClean="0"/>
-              <a:t>Możesz </a:t>
-            </a:r>
-            <a:r>
-              <a:rPr lang="pl-PL" sz="2400" dirty="0"/>
-              <a:t>tworzyć różne widoki swojej tablicy </a:t>
-            </a:r>
-            <a:r>
-              <a:rPr lang="pl-PL" sz="2400" dirty="0" smtClean="0"/>
-              <a:t>zgłoszeń, </a:t>
-            </a:r>
-            <a:r>
-              <a:rPr lang="pl-PL" sz="2400" dirty="0"/>
-              <a:t>zachowując te same możliwości filtrowania i </a:t>
-            </a:r>
-            <a:r>
-              <a:rPr lang="pl-PL" sz="2400" dirty="0" smtClean="0"/>
-              <a:t>sortowania.</a:t>
-            </a:r>
-          </a:p>
-          <a:p>
-            <a:r>
-              <a:rPr lang="pl-PL" sz="2400" dirty="0" smtClean="0"/>
-              <a:t>Możesz </a:t>
-            </a:r>
-            <a:r>
-              <a:rPr lang="pl-PL" sz="2400" dirty="0"/>
-              <a:t>utworzyć wiele tablic, aby uchwycić każdą warstwę </a:t>
-            </a:r>
-            <a:r>
-              <a:rPr lang="pl-PL" sz="2400" dirty="0" smtClean="0"/>
-              <a:t>zależności, </a:t>
-            </a:r>
-            <a:r>
-              <a:rPr lang="pl-PL" sz="2400" dirty="0"/>
-              <a:t>której </a:t>
-            </a:r>
-            <a:r>
-              <a:rPr lang="pl-PL" sz="2400" dirty="0" smtClean="0"/>
-              <a:t>potrzebujesz </a:t>
-            </a:r>
-            <a:r>
-              <a:rPr lang="pl-PL" sz="2400" dirty="0"/>
-              <a:t>i zdefiniować zakres </a:t>
-            </a:r>
-            <a:r>
-              <a:rPr lang="pl-PL" sz="2400" dirty="0" smtClean="0"/>
-              <a:t>prezentacji tablicy </a:t>
-            </a:r>
-            <a:r>
-              <a:rPr lang="pl-PL" sz="2400" dirty="0"/>
-              <a:t>według kamienia milowego, </a:t>
-            </a:r>
-            <a:r>
-              <a:rPr lang="pl-PL" sz="2400" dirty="0" smtClean="0"/>
-              <a:t>etykiety</a:t>
-            </a:r>
-            <a:r>
-              <a:rPr lang="pl-PL" sz="2400" smtClean="0"/>
-              <a:t>, przypisanej do </a:t>
-            </a:r>
-            <a:r>
-              <a:rPr lang="pl-PL" sz="2400" dirty="0" smtClean="0"/>
-              <a:t>zgłoszenia osoby i </a:t>
-            </a:r>
-            <a:r>
-              <a:rPr lang="pl-PL" sz="2400" dirty="0"/>
-              <a:t>wagi.</a:t>
+            <a:pPr marL="0" indent="0">
+              <a:buNone/>
+            </a:pPr>
+            <a:r>
+              <a:rPr lang="pl-PL" sz="2400" b="1" dirty="0" err="1">
+                <a:latin typeface="Calibri" panose="020F0502020204030204" pitchFamily="34" charset="0"/>
+              </a:rPr>
+              <a:t>Issue</a:t>
+            </a:r>
+            <a:r>
+              <a:rPr lang="pl-PL" sz="2400" b="1" dirty="0">
+                <a:latin typeface="Calibri" panose="020F0502020204030204" pitchFamily="34" charset="0"/>
+              </a:rPr>
+              <a:t> Board</a:t>
+            </a:r>
+            <a:endParaRPr lang="pl-PL" sz="1600" b="1" dirty="0">
+              <a:latin typeface="Calibri" panose="020F0502020204030204" pitchFamily="34" charset="0"/>
+            </a:endParaRPr>
+          </a:p>
+          <a:p>
+            <a:pPr marL="0" indent="0">
+              <a:buNone/>
+            </a:pPr>
+            <a:endParaRPr lang="pl-PL" sz="1600" b="1" dirty="0" smtClean="0">
+              <a:latin typeface="Calibri" panose="020F0502020204030204" pitchFamily="34" charset="0"/>
+            </a:endParaRPr>
+          </a:p>
+          <a:p>
+            <a:pPr marL="0" indent="0">
+              <a:buNone/>
+            </a:pPr>
+            <a:r>
+              <a:rPr lang="pl-PL" sz="1600" b="1" dirty="0" smtClean="0">
+                <a:latin typeface="Calibri" panose="020F0502020204030204" pitchFamily="34" charset="0"/>
+              </a:rPr>
+              <a:t>Przydziały</a:t>
+            </a:r>
+          </a:p>
+          <a:p>
+            <a:pPr marL="0" indent="0">
+              <a:buNone/>
+            </a:pPr>
+            <a:endParaRPr lang="pl-PL" sz="1600" b="1" dirty="0">
+              <a:latin typeface="Calibri" panose="020F0502020204030204" pitchFamily="34" charset="0"/>
+            </a:endParaRPr>
+          </a:p>
+          <a:p>
+            <a:pPr marL="0" indent="0">
+              <a:buNone/>
+            </a:pPr>
+            <a:r>
+              <a:rPr lang="pl-PL" sz="1600" dirty="0">
+                <a:latin typeface="Calibri" panose="020F0502020204030204" pitchFamily="34" charset="0"/>
+              </a:rPr>
+              <a:t>Gdy ktoś </a:t>
+            </a:r>
+            <a:r>
+              <a:rPr lang="pl-PL" sz="1600" dirty="0" smtClean="0">
+                <a:latin typeface="Calibri" panose="020F0502020204030204" pitchFamily="34" charset="0"/>
+              </a:rPr>
+              <a:t>rozpoczyna </a:t>
+            </a:r>
+            <a:r>
+              <a:rPr lang="pl-PL" sz="1600" dirty="0">
+                <a:latin typeface="Calibri" panose="020F0502020204030204" pitchFamily="34" charset="0"/>
+              </a:rPr>
+              <a:t>pracę nad zgłoszeniem, można je przypisać bezpośrednio do tej osoby. </a:t>
             </a:r>
             <a:endParaRPr lang="pl-PL" sz="1600" dirty="0" smtClean="0">
-              <a:latin typeface="+mj-lt"/>
+              <a:latin typeface="Calibri" panose="020F0502020204030204" pitchFamily="34" charset="0"/>
+            </a:endParaRPr>
+          </a:p>
+          <a:p>
+            <a:pPr marL="0" indent="0">
+              <a:buNone/>
+            </a:pPr>
+            <a:endParaRPr lang="pl-PL" sz="1600" dirty="0" smtClean="0">
+              <a:latin typeface="Calibri" panose="020F0502020204030204" pitchFamily="34" charset="0"/>
+            </a:endParaRPr>
+          </a:p>
+          <a:p>
+            <a:pPr marL="0" indent="0">
+              <a:buNone/>
+            </a:pPr>
+            <a:r>
+              <a:rPr lang="pl-PL" sz="1600" dirty="0" smtClean="0">
+                <a:latin typeface="Calibri" panose="020F0502020204030204" pitchFamily="34" charset="0"/>
+              </a:rPr>
+              <a:t>Przydziały </a:t>
+            </a:r>
+            <a:r>
+              <a:rPr lang="pl-PL" sz="1600" dirty="0">
+                <a:latin typeface="Calibri" panose="020F0502020204030204" pitchFamily="34" charset="0"/>
+              </a:rPr>
+              <a:t>można zmieniać bez ograniczeń. </a:t>
+            </a:r>
+            <a:endParaRPr lang="pl-PL" sz="1600" dirty="0" smtClean="0">
+              <a:latin typeface="Calibri" panose="020F0502020204030204" pitchFamily="34" charset="0"/>
+            </a:endParaRPr>
+          </a:p>
+          <a:p>
+            <a:pPr marL="0" indent="0">
+              <a:buNone/>
+            </a:pPr>
+            <a:r>
+              <a:rPr lang="pl-PL" sz="1600" dirty="0" smtClean="0">
+                <a:latin typeface="Calibri" panose="020F0502020204030204" pitchFamily="34" charset="0"/>
+              </a:rPr>
+              <a:t>Idea </a:t>
+            </a:r>
+            <a:r>
+              <a:rPr lang="pl-PL" sz="1600" dirty="0">
+                <a:latin typeface="Calibri" panose="020F0502020204030204" pitchFamily="34" charset="0"/>
+              </a:rPr>
+              <a:t>jest taka, by osoba przypisana była odpowiedzialna za zgłoszenie do momentu przydzielenia go komuś innemu. </a:t>
+            </a:r>
+            <a:endParaRPr lang="pl-PL" sz="1600" dirty="0" smtClean="0">
+              <a:latin typeface="Calibri" panose="020F0502020204030204" pitchFamily="34" charset="0"/>
+            </a:endParaRPr>
+          </a:p>
+          <a:p>
+            <a:pPr marL="0" indent="0">
+              <a:buNone/>
+            </a:pPr>
+            <a:endParaRPr lang="pl-PL" sz="1600" dirty="0" smtClean="0">
+              <a:latin typeface="Calibri" panose="020F0502020204030204" pitchFamily="34" charset="0"/>
+            </a:endParaRPr>
+          </a:p>
+          <a:p>
+            <a:pPr marL="0" indent="0">
+              <a:buNone/>
+            </a:pPr>
+            <a:r>
+              <a:rPr lang="pl-PL" sz="1600" dirty="0" smtClean="0">
+                <a:latin typeface="Calibri" panose="020F0502020204030204" pitchFamily="34" charset="0"/>
+              </a:rPr>
+              <a:t>Oczywiście </a:t>
+            </a:r>
+            <a:r>
+              <a:rPr lang="pl-PL" sz="1600" dirty="0">
+                <a:latin typeface="Calibri" panose="020F0502020204030204" pitchFamily="34" charset="0"/>
+              </a:rPr>
+              <a:t>istnieje możliwość filtrowania zgłoszenia według przydziałów.</a:t>
+            </a:r>
+          </a:p>
+          <a:p>
+            <a:pPr marL="0" indent="0">
+              <a:buNone/>
+            </a:pPr>
+            <a:endParaRPr lang="pl-PL" sz="1600" dirty="0">
+              <a:latin typeface="Calibri" panose="020F0502020204030204" pitchFamily="34" charset="0"/>
             </a:endParaRPr>
           </a:p>
         </p:txBody>
@@ -5586,7 +6862,7 @@
     </p:spTree>
     <p:extLst>
       <p:ext uri="{BB962C8B-B14F-4D97-AF65-F5344CB8AC3E}">
-        <p14:creationId xmlns:p14="http://schemas.microsoft.com/office/powerpoint/2010/main" val="3239326751"/>
+        <p14:creationId xmlns:p14="http://schemas.microsoft.com/office/powerpoint/2010/main" val="3389744202"/>
       </p:ext>
     </p:extLst>
   </p:cSld>
@@ -5638,7 +6914,7 @@
         </p:spPr>
         <p:txBody>
           <a:bodyPr>
-            <a:normAutofit/>
+            <a:normAutofit lnSpcReduction="10000"/>
           </a:bodyPr>
           <a:lstStyle/>
           <a:p>
@@ -5646,138 +6922,157 @@
               <a:buNone/>
             </a:pPr>
             <a:r>
-              <a:rPr lang="pl-PL" sz="2400" b="1" dirty="0" err="1" smtClean="0">
-                <a:latin typeface="+mj-lt"/>
+              <a:rPr lang="pl-PL" sz="2400" b="1" dirty="0" err="1">
+                <a:latin typeface="Calibri" panose="020F0502020204030204" pitchFamily="34" charset="0"/>
               </a:rPr>
               <a:t>Issue</a:t>
             </a:r>
             <a:r>
-              <a:rPr lang="pl-PL" sz="2400" b="1" dirty="0" smtClean="0">
-                <a:latin typeface="+mj-lt"/>
+              <a:rPr lang="pl-PL" sz="2400" b="1" dirty="0">
+                <a:latin typeface="Calibri" panose="020F0502020204030204" pitchFamily="34" charset="0"/>
               </a:rPr>
               <a:t> Board</a:t>
             </a:r>
+            <a:endParaRPr lang="pl-PL" sz="1600" b="1" dirty="0">
+              <a:latin typeface="Calibri" panose="020F0502020204030204" pitchFamily="34" charset="0"/>
+            </a:endParaRPr>
+          </a:p>
+          <a:p>
+            <a:pPr marL="0" indent="0">
+              <a:buNone/>
+            </a:pPr>
             <a:endParaRPr lang="pl-PL" sz="1600" b="1" dirty="0" smtClean="0">
-              <a:latin typeface="+mj-lt"/>
-            </a:endParaRPr>
-          </a:p>
-          <a:p>
-            <a:r>
-              <a:rPr lang="pl-PL" sz="1600" dirty="0"/>
-              <a:t>Każdy projekt GitLab dysponuje swoją własną tablicą zgłoszeń.</a:t>
-            </a:r>
-          </a:p>
-          <a:p>
-            <a:r>
-              <a:rPr lang="pl-PL" sz="1600" dirty="0"/>
-              <a:t>Aby stworzyć nowe zgłoszenie w projekcie, wystarczy z menu GitLab dla projektu wybrać </a:t>
-            </a:r>
-            <a:endParaRPr lang="pl-PL" sz="1600" dirty="0" smtClean="0"/>
-          </a:p>
-          <a:p>
-            <a:pPr marL="358775" indent="-358775">
-              <a:buNone/>
-            </a:pPr>
-            <a:r>
-              <a:rPr lang="pl-PL" sz="1600" b="1" dirty="0"/>
-              <a:t>	</a:t>
-            </a:r>
-            <a:r>
-              <a:rPr lang="pl-PL" sz="1600" b="1" dirty="0" smtClean="0"/>
-              <a:t>	</a:t>
-            </a:r>
-            <a:r>
-              <a:rPr lang="pl-PL" sz="1600" b="1" dirty="0" err="1" smtClean="0"/>
-              <a:t>Issues</a:t>
-            </a:r>
-            <a:r>
-              <a:rPr lang="pl-PL" sz="1600" b="1" dirty="0" smtClean="0"/>
+              <a:latin typeface="Calibri" panose="020F0502020204030204" pitchFamily="34" charset="0"/>
+            </a:endParaRPr>
+          </a:p>
+          <a:p>
+            <a:pPr marL="0" indent="0">
+              <a:buNone/>
+            </a:pPr>
+            <a:r>
+              <a:rPr lang="pl-PL" sz="1600" b="1" dirty="0">
+                <a:latin typeface="Calibri" panose="020F0502020204030204" pitchFamily="34" charset="0"/>
+              </a:rPr>
+              <a:t>Oznaczenia</a:t>
+            </a:r>
+          </a:p>
+          <a:p>
+            <a:pPr marL="0" indent="0">
+              <a:buNone/>
+            </a:pPr>
+            <a:endParaRPr lang="pl-PL" sz="1600" dirty="0" smtClean="0">
+              <a:latin typeface="Calibri" panose="020F0502020204030204" pitchFamily="34" charset="0"/>
+            </a:endParaRPr>
+          </a:p>
+          <a:p>
+            <a:pPr marL="0" indent="0">
+              <a:buNone/>
+            </a:pPr>
+            <a:r>
+              <a:rPr lang="pl-PL" sz="1600" dirty="0" smtClean="0">
+                <a:latin typeface="Calibri" panose="020F0502020204030204" pitchFamily="34" charset="0"/>
+              </a:rPr>
+              <a:t>Oznaczenia </a:t>
+            </a:r>
+            <a:r>
+              <a:rPr lang="pl-PL" sz="1600" dirty="0">
+                <a:latin typeface="Calibri" panose="020F0502020204030204" pitchFamily="34" charset="0"/>
+              </a:rPr>
+              <a:t>GitLab to kolejna ważna część </a:t>
+            </a:r>
+            <a:r>
+              <a:rPr lang="pl-PL" sz="1600" dirty="0" err="1">
+                <a:latin typeface="Calibri" panose="020F0502020204030204" pitchFamily="34" charset="0"/>
+              </a:rPr>
+              <a:t>workflow</a:t>
+            </a:r>
+            <a:r>
+              <a:rPr lang="pl-PL" sz="1600" dirty="0">
+                <a:latin typeface="Calibri" panose="020F0502020204030204" pitchFamily="34" charset="0"/>
+              </a:rPr>
               <a:t> </a:t>
             </a:r>
             <a:r>
-              <a:rPr lang="pl-PL" sz="1600" b="1" dirty="0"/>
-              <a:t>-&gt; New </a:t>
-            </a:r>
-            <a:r>
-              <a:rPr lang="pl-PL" sz="1600" b="1" dirty="0" err="1"/>
-              <a:t>issue</a:t>
-            </a:r>
-            <a:r>
-              <a:rPr lang="pl-PL" sz="1600" dirty="0"/>
-              <a:t>, </a:t>
-            </a:r>
-            <a:r>
-              <a:rPr lang="pl-PL" sz="1600" dirty="0" smtClean="0"/>
-              <a:t/>
-            </a:r>
-            <a:br>
-              <a:rPr lang="pl-PL" sz="1600" dirty="0" smtClean="0"/>
-            </a:br>
-            <a:r>
-              <a:rPr lang="pl-PL" sz="1600" dirty="0" smtClean="0"/>
-              <a:t>a </a:t>
-            </a:r>
-            <a:r>
-              <a:rPr lang="pl-PL" sz="1600" dirty="0"/>
-              <a:t>następnie nadać mu tytuł i dodać odpowiedni opis</a:t>
-            </a:r>
-            <a:r>
-              <a:rPr lang="pl-PL" sz="1600" dirty="0" smtClean="0"/>
+              <a:rPr lang="pl-PL" sz="1600" dirty="0" err="1">
+                <a:latin typeface="Calibri" panose="020F0502020204030204" pitchFamily="34" charset="0"/>
+              </a:rPr>
+              <a:t>GitLab’a</a:t>
+            </a:r>
+            <a:r>
+              <a:rPr lang="pl-PL" sz="1600" dirty="0">
+                <a:latin typeface="Calibri" panose="020F0502020204030204" pitchFamily="34" charset="0"/>
+              </a:rPr>
+              <a:t>. Możemy używać ich do kategoryzowania zgłoszeń, rozmieszczania ich w </a:t>
+            </a:r>
+            <a:r>
+              <a:rPr lang="pl-PL" sz="1600" dirty="0" err="1">
+                <a:latin typeface="Calibri" panose="020F0502020204030204" pitchFamily="34" charset="0"/>
+              </a:rPr>
+              <a:t>workflow</a:t>
+            </a:r>
+            <a:r>
+              <a:rPr lang="pl-PL" sz="1600" dirty="0">
+                <a:latin typeface="Calibri" panose="020F0502020204030204" pitchFamily="34" charset="0"/>
+              </a:rPr>
+              <a:t>, jak i również do nadawania priorytetów.</a:t>
+            </a:r>
+          </a:p>
+          <a:p>
+            <a:pPr marL="0" indent="0">
+              <a:buNone/>
+            </a:pPr>
+            <a:endParaRPr lang="pl-PL" sz="1600" dirty="0">
+              <a:latin typeface="Calibri" panose="020F0502020204030204" pitchFamily="34" charset="0"/>
+            </a:endParaRPr>
+          </a:p>
+          <a:p>
+            <a:pPr marL="0" indent="0">
+              <a:buNone/>
+            </a:pPr>
+            <a:r>
+              <a:rPr lang="pl-PL" sz="1600" dirty="0">
+                <a:latin typeface="Calibri" panose="020F0502020204030204" pitchFamily="34" charset="0"/>
+              </a:rPr>
+              <a:t>Oznaczenia pozwalają pracować z tablicą zgłoszeń GitLab, umożliwiając planowanie i organizując </a:t>
+            </a:r>
+            <a:r>
+              <a:rPr lang="pl-PL" sz="1600" dirty="0" err="1">
+                <a:latin typeface="Calibri" panose="020F0502020204030204" pitchFamily="34" charset="0"/>
+              </a:rPr>
+              <a:t>workflow</a:t>
+            </a:r>
+            <a:r>
+              <a:rPr lang="pl-PL" sz="1600" dirty="0">
+                <a:latin typeface="Calibri" panose="020F0502020204030204" pitchFamily="34" charset="0"/>
+              </a:rPr>
               <a:t>.</a:t>
             </a:r>
           </a:p>
           <a:p>
-            <a:pPr marL="358775" indent="-358775">
-              <a:buNone/>
-            </a:pPr>
-            <a:endParaRPr lang="pl-PL" sz="1600" dirty="0"/>
-          </a:p>
-          <a:p>
-            <a:r>
-              <a:rPr lang="pl-PL" sz="1600" dirty="0"/>
-              <a:t>Moduł śledzenia tych ogłoszeń w GitLab </a:t>
-            </a:r>
-            <a:r>
-              <a:rPr lang="pl-PL" sz="1600" dirty="0" smtClean="0"/>
-              <a:t> (</a:t>
-            </a:r>
-            <a:r>
-              <a:rPr lang="pl-PL" sz="1600" b="1" dirty="0" err="1" smtClean="0"/>
-              <a:t>Issue</a:t>
-            </a:r>
-            <a:r>
-              <a:rPr lang="pl-PL" sz="1600" b="1" dirty="0" smtClean="0"/>
-              <a:t> </a:t>
-            </a:r>
-            <a:r>
-              <a:rPr lang="pl-PL" sz="1600" b="1" dirty="0" err="1"/>
-              <a:t>T</a:t>
-            </a:r>
-            <a:r>
-              <a:rPr lang="pl-PL" sz="1600" b="1" dirty="0" err="1" smtClean="0"/>
-              <a:t>racker</a:t>
-            </a:r>
-            <a:r>
-              <a:rPr lang="pl-PL" sz="1600" dirty="0" smtClean="0"/>
-              <a:t>) zapewnia </a:t>
-            </a:r>
-            <a:r>
-              <a:rPr lang="pl-PL" sz="1600" dirty="0"/>
-              <a:t>szereg dodatkowych </a:t>
-            </a:r>
-            <a:r>
-              <a:rPr lang="pl-PL" sz="1600" dirty="0" smtClean="0"/>
-              <a:t>funkcjonalności</a:t>
-            </a:r>
-            <a:r>
-              <a:rPr lang="pl-PL" sz="1600" dirty="0"/>
-              <a:t/>
-            </a:r>
-            <a:br>
-              <a:rPr lang="pl-PL" sz="1600" dirty="0"/>
-            </a:br>
-            <a:endParaRPr lang="pl-PL" sz="1600" dirty="0" smtClean="0">
-              <a:latin typeface="+mj-lt"/>
+            <a:pPr marL="0" indent="0">
+              <a:buNone/>
+            </a:pPr>
+            <a:endParaRPr lang="pl-PL" sz="1600" dirty="0">
+              <a:latin typeface="Calibri" panose="020F0502020204030204" pitchFamily="34" charset="0"/>
+            </a:endParaRPr>
+          </a:p>
+          <a:p>
+            <a:pPr marL="0" indent="0">
+              <a:buNone/>
+            </a:pPr>
+            <a:r>
+              <a:rPr lang="pl-PL" sz="1600" dirty="0">
+                <a:latin typeface="Calibri" panose="020F0502020204030204" pitchFamily="34" charset="0"/>
+              </a:rPr>
+              <a:t>Nowością jest możliwość tworzenia oznaczeń grupowych, które pozwalają na przypisywanie tych samych oznaczeń do grup projektów.</a:t>
+            </a:r>
+          </a:p>
+          <a:p>
+            <a:pPr marL="0" indent="0">
+              <a:buNone/>
+            </a:pPr>
+            <a:endParaRPr lang="pl-PL" sz="1600" dirty="0">
+              <a:latin typeface="Calibri" panose="020F0502020204030204" pitchFamily="34" charset="0"/>
             </a:endParaRPr>
           </a:p>
         </p:txBody>
@@ -5785,7 +7080,7 @@
     </p:spTree>
     <p:extLst>
       <p:ext uri="{BB962C8B-B14F-4D97-AF65-F5344CB8AC3E}">
-        <p14:creationId xmlns:p14="http://schemas.microsoft.com/office/powerpoint/2010/main" val="2046278719"/>
+        <p14:creationId xmlns:p14="http://schemas.microsoft.com/office/powerpoint/2010/main" val="2839700375"/>
       </p:ext>
     </p:extLst>
   </p:cSld>
@@ -5837,7 +7132,7 @@
         </p:spPr>
         <p:txBody>
           <a:bodyPr>
-            <a:normAutofit lnSpcReduction="10000"/>
+            <a:normAutofit/>
           </a:bodyPr>
           <a:lstStyle/>
           <a:p>
@@ -5845,112 +7140,133 @@
               <a:buNone/>
             </a:pPr>
             <a:r>
-              <a:rPr lang="pl-PL" sz="2400" b="1" dirty="0" err="1"/>
+              <a:rPr lang="pl-PL" sz="2400" b="1" dirty="0" err="1">
+                <a:latin typeface="Calibri" panose="020F0502020204030204" pitchFamily="34" charset="0"/>
+              </a:rPr>
               <a:t>Issue</a:t>
             </a:r>
             <a:r>
-              <a:rPr lang="pl-PL" sz="2400" b="1" dirty="0"/>
+              <a:rPr lang="pl-PL" sz="2400" b="1" dirty="0">
+                <a:latin typeface="Calibri" panose="020F0502020204030204" pitchFamily="34" charset="0"/>
+              </a:rPr>
               <a:t> Board</a:t>
             </a:r>
-            <a:endParaRPr lang="pl-PL" sz="1600" b="1" dirty="0"/>
+            <a:endParaRPr lang="pl-PL" sz="1600" b="1" dirty="0">
+              <a:latin typeface="Calibri" panose="020F0502020204030204" pitchFamily="34" charset="0"/>
+            </a:endParaRPr>
           </a:p>
           <a:p>
             <a:pPr marL="0" indent="0">
               <a:buNone/>
             </a:pPr>
             <a:endParaRPr lang="pl-PL" sz="1600" b="1" dirty="0" smtClean="0">
-              <a:latin typeface="+mj-lt"/>
-            </a:endParaRPr>
-          </a:p>
-          <a:p>
-            <a:pPr marL="0" indent="0">
-              <a:buNone/>
-            </a:pPr>
-            <a:r>
-              <a:rPr lang="pl-PL" sz="1600" b="1" dirty="0"/>
-              <a:t>Zgłoszenia </a:t>
-            </a:r>
-            <a:r>
-              <a:rPr lang="pl-PL" sz="1600" b="1" dirty="0" smtClean="0"/>
-              <a:t>poufne</a:t>
-            </a:r>
-          </a:p>
-          <a:p>
-            <a:pPr marL="0" indent="0">
-              <a:buNone/>
-            </a:pPr>
-            <a:endParaRPr lang="pl-PL" sz="1600" b="1" dirty="0"/>
-          </a:p>
-          <a:p>
-            <a:pPr marL="0" indent="0">
-              <a:buNone/>
-            </a:pPr>
-            <a:r>
-              <a:rPr lang="pl-PL" sz="1600" dirty="0"/>
-              <a:t>Jeśli chcesz, aby dyskusja pod zgłoszeniem była dostępna tylko dla Twojego zespołu, możesz oznaczyć je jako poufne. </a:t>
-            </a:r>
-            <a:endParaRPr lang="pl-PL" sz="1600" dirty="0" smtClean="0"/>
-          </a:p>
-          <a:p>
-            <a:pPr marL="0" indent="0">
-              <a:buNone/>
-            </a:pPr>
-            <a:endParaRPr lang="pl-PL" sz="1600" dirty="0" smtClean="0"/>
-          </a:p>
-          <a:p>
-            <a:pPr marL="0" indent="0">
-              <a:buNone/>
-            </a:pPr>
-            <a:r>
-              <a:rPr lang="pl-PL" sz="1600" dirty="0" smtClean="0"/>
-              <a:t>Nawet </a:t>
-            </a:r>
-            <a:r>
-              <a:rPr lang="pl-PL" sz="1600" dirty="0"/>
-              <a:t>jeśli projekt jest publiczny to konkretne zgłoszenie będzie chronione. </a:t>
-            </a:r>
-            <a:endParaRPr lang="pl-PL" sz="1600" dirty="0" smtClean="0"/>
-          </a:p>
-          <a:p>
-            <a:pPr marL="0" indent="0">
-              <a:buNone/>
-            </a:pPr>
-            <a:endParaRPr lang="pl-PL" sz="1600" dirty="0" smtClean="0"/>
-          </a:p>
-          <a:p>
-            <a:pPr marL="0" indent="0">
-              <a:buNone/>
-            </a:pPr>
-            <a:r>
-              <a:rPr lang="pl-PL" sz="1600" dirty="0" smtClean="0"/>
-              <a:t>Przeglądarka </a:t>
-            </a:r>
-            <a:r>
-              <a:rPr lang="pl-PL" sz="1600" dirty="0"/>
-              <a:t>pokaże błąd 404 jeśli ktoś bez uprawnień przynajmniej na poziomie </a:t>
-            </a:r>
-            <a:r>
-              <a:rPr lang="pl-PL" sz="1600" b="1" dirty="0"/>
-              <a:t>Reporter</a:t>
-            </a:r>
-            <a:r>
-              <a:rPr lang="pl-PL" sz="1600" dirty="0"/>
-              <a:t> spróbuje otworzyć adres URL zgłoszenia.</a:t>
-            </a:r>
-          </a:p>
-          <a:p>
-            <a:pPr marL="0" indent="0">
-              <a:buNone/>
-            </a:pPr>
-            <a:r>
-              <a:rPr lang="pl-PL" sz="1600" dirty="0"/>
-              <a:t/>
-            </a:r>
-            <a:br>
-              <a:rPr lang="pl-PL" sz="1600" dirty="0"/>
-            </a:br>
+              <a:latin typeface="Calibri" panose="020F0502020204030204" pitchFamily="34" charset="0"/>
+            </a:endParaRPr>
+          </a:p>
+          <a:p>
+            <a:pPr marL="0" indent="0">
+              <a:buNone/>
+            </a:pPr>
+            <a:r>
+              <a:rPr lang="pl-PL" sz="1600" b="1" dirty="0" smtClean="0">
+                <a:latin typeface="Calibri" panose="020F0502020204030204" pitchFamily="34" charset="0"/>
+              </a:rPr>
+              <a:t>Waga </a:t>
+            </a:r>
+            <a:r>
+              <a:rPr lang="pl-PL" sz="1600" b="1" dirty="0">
+                <a:latin typeface="Calibri" panose="020F0502020204030204" pitchFamily="34" charset="0"/>
+              </a:rPr>
+              <a:t>zgłoszeń</a:t>
+            </a:r>
+          </a:p>
+          <a:p>
+            <a:pPr marL="0" indent="0">
+              <a:buNone/>
+            </a:pPr>
             <a:endParaRPr lang="pl-PL" sz="1600" dirty="0" smtClean="0">
-              <a:latin typeface="+mj-lt"/>
+              <a:latin typeface="Calibri" panose="020F0502020204030204" pitchFamily="34" charset="0"/>
+            </a:endParaRPr>
+          </a:p>
+          <a:p>
+            <a:pPr marL="0" indent="0">
+              <a:buNone/>
+            </a:pPr>
+            <a:r>
+              <a:rPr lang="pl-PL" sz="1600" dirty="0" smtClean="0">
+                <a:latin typeface="Calibri" panose="020F0502020204030204" pitchFamily="34" charset="0"/>
+              </a:rPr>
+              <a:t>Każdemu </a:t>
+            </a:r>
+            <a:r>
+              <a:rPr lang="pl-PL" sz="1600" dirty="0">
+                <a:latin typeface="Calibri" panose="020F0502020204030204" pitchFamily="34" charset="0"/>
+              </a:rPr>
+              <a:t>zgłoszeniu można przypisać odpowiednią wagę, aby precyzyjnie ustalić stopień trudności wdrożenia zgłoszonego pomysłu. </a:t>
+            </a:r>
+            <a:endParaRPr lang="pl-PL" sz="1600" dirty="0" smtClean="0">
+              <a:latin typeface="Calibri" panose="020F0502020204030204" pitchFamily="34" charset="0"/>
+            </a:endParaRPr>
+          </a:p>
+          <a:p>
+            <a:pPr marL="0" indent="0">
+              <a:buNone/>
+            </a:pPr>
+            <a:endParaRPr lang="pl-PL" sz="1600" dirty="0">
+              <a:latin typeface="Calibri" panose="020F0502020204030204" pitchFamily="34" charset="0"/>
+            </a:endParaRPr>
+          </a:p>
+          <a:p>
+            <a:pPr marL="0" indent="0">
+              <a:buNone/>
+            </a:pPr>
+            <a:r>
+              <a:rPr lang="pl-PL" sz="1600" dirty="0" smtClean="0">
+                <a:latin typeface="Calibri" panose="020F0502020204030204" pitchFamily="34" charset="0"/>
+              </a:rPr>
+              <a:t>Łatwiejsze </a:t>
+            </a:r>
+            <a:r>
+              <a:rPr lang="pl-PL" sz="1600" dirty="0">
+                <a:latin typeface="Calibri" panose="020F0502020204030204" pitchFamily="34" charset="0"/>
+              </a:rPr>
+              <a:t>z nich mogłyby otrzymać wagę 01-03, nieco trudniejsze 04-06, a najtrudniejsze 07-09. </a:t>
+            </a:r>
+            <a:endParaRPr lang="pl-PL" sz="1600" dirty="0" smtClean="0">
+              <a:latin typeface="Calibri" panose="020F0502020204030204" pitchFamily="34" charset="0"/>
+            </a:endParaRPr>
+          </a:p>
+          <a:p>
+            <a:pPr marL="0" indent="0">
+              <a:buNone/>
+            </a:pPr>
+            <a:endParaRPr lang="pl-PL" sz="1600" dirty="0">
+              <a:latin typeface="Calibri" panose="020F0502020204030204" pitchFamily="34" charset="0"/>
+            </a:endParaRPr>
+          </a:p>
+          <a:p>
+            <a:pPr marL="0" indent="0">
+              <a:buNone/>
+            </a:pPr>
+            <a:r>
+              <a:rPr lang="pl-PL" sz="1600" dirty="0" smtClean="0">
+                <a:latin typeface="Calibri" panose="020F0502020204030204" pitchFamily="34" charset="0"/>
+              </a:rPr>
+              <a:t>W </a:t>
+            </a:r>
+            <a:r>
+              <a:rPr lang="pl-PL" sz="1600" dirty="0">
+                <a:latin typeface="Calibri" panose="020F0502020204030204" pitchFamily="34" charset="0"/>
+              </a:rPr>
+              <a:t>porozumieniu z zespołem możesz oczywiście wypracować własne standardy wagowe.</a:t>
+            </a:r>
+          </a:p>
+          <a:p>
+            <a:pPr marL="0" indent="0">
+              <a:buNone/>
+            </a:pPr>
+            <a:endParaRPr lang="pl-PL" sz="1600" dirty="0">
+              <a:latin typeface="Calibri" panose="020F0502020204030204" pitchFamily="34" charset="0"/>
             </a:endParaRPr>
           </a:p>
         </p:txBody>
@@ -5958,7 +7274,7 @@
     </p:spTree>
     <p:extLst>
       <p:ext uri="{BB962C8B-B14F-4D97-AF65-F5344CB8AC3E}">
-        <p14:creationId xmlns:p14="http://schemas.microsoft.com/office/powerpoint/2010/main" val="1819133453"/>
+        <p14:creationId xmlns:p14="http://schemas.microsoft.com/office/powerpoint/2010/main" val="3934441048"/>
       </p:ext>
     </p:extLst>
   </p:cSld>
@@ -6018,133 +7334,119 @@
               <a:buNone/>
             </a:pPr>
             <a:r>
-              <a:rPr lang="pl-PL" sz="2400" b="1" dirty="0" err="1"/>
+              <a:rPr lang="pl-PL" sz="2400" b="1" dirty="0" err="1">
+                <a:latin typeface="Calibri" panose="020F0502020204030204" pitchFamily="34" charset="0"/>
+              </a:rPr>
               <a:t>Issue</a:t>
             </a:r>
             <a:r>
-              <a:rPr lang="pl-PL" sz="2400" b="1" dirty="0"/>
+              <a:rPr lang="pl-PL" sz="2400" b="1" dirty="0">
+                <a:latin typeface="Calibri" panose="020F0502020204030204" pitchFamily="34" charset="0"/>
+              </a:rPr>
               <a:t> Board</a:t>
             </a:r>
-            <a:endParaRPr lang="pl-PL" sz="1600" b="1" dirty="0"/>
+            <a:endParaRPr lang="pl-PL" sz="1600" b="1" dirty="0">
+              <a:latin typeface="Calibri" panose="020F0502020204030204" pitchFamily="34" charset="0"/>
+            </a:endParaRPr>
           </a:p>
           <a:p>
             <a:pPr marL="0" indent="0">
               <a:buNone/>
             </a:pPr>
             <a:endParaRPr lang="pl-PL" sz="1600" b="1" dirty="0" smtClean="0">
-              <a:latin typeface="+mj-lt"/>
-            </a:endParaRPr>
-          </a:p>
-          <a:p>
-            <a:pPr marL="0" indent="0">
-              <a:buNone/>
-            </a:pPr>
-            <a:r>
-              <a:rPr lang="pl-PL" sz="1600" b="1" dirty="0"/>
-              <a:t>Terminy</a:t>
-            </a:r>
-          </a:p>
-          <a:p>
-            <a:pPr marL="0" indent="0">
-              <a:buNone/>
-            </a:pPr>
-            <a:endParaRPr lang="pl-PL" sz="1600" dirty="0" smtClean="0"/>
-          </a:p>
-          <a:p>
-            <a:pPr marL="0" indent="0">
-              <a:buNone/>
-            </a:pPr>
-            <a:r>
-              <a:rPr lang="pl-PL" sz="1600" dirty="0" smtClean="0"/>
-              <a:t>Do </a:t>
-            </a:r>
-            <a:r>
-              <a:rPr lang="pl-PL" sz="1600" dirty="0"/>
-              <a:t>każdego zgłoszenia możesz przypisać termin. Niektóre zespoły mają napięty grafik, więc konieczna jest możliwość ustawienia </a:t>
-            </a:r>
-            <a:r>
-              <a:rPr lang="pl-PL" sz="1600" dirty="0" err="1"/>
-              <a:t>deadline’u</a:t>
-            </a:r>
-            <a:r>
-              <a:rPr lang="pl-PL" sz="1600" dirty="0"/>
-              <a:t> dla wdrożeń i rozwiązywania problemów. Terminy wprowadzają taką możliwość.</a:t>
-            </a:r>
-          </a:p>
-          <a:p>
-            <a:pPr marL="0" indent="0">
-              <a:buNone/>
-            </a:pPr>
-            <a:endParaRPr lang="pl-PL" sz="1600" dirty="0" smtClean="0"/>
-          </a:p>
-          <a:p>
-            <a:pPr marL="0" indent="0">
-              <a:buNone/>
-            </a:pPr>
-            <a:r>
-              <a:rPr lang="pl-PL" sz="1600" dirty="0" smtClean="0"/>
-              <a:t>W </a:t>
-            </a:r>
-            <a:r>
-              <a:rPr lang="pl-PL" sz="1600" dirty="0"/>
-              <a:t>przypadku terminów w projektach wielozadaniowych, takich jak: </a:t>
-            </a:r>
-            <a:r>
-              <a:rPr lang="pl-PL" sz="1600" b="1" dirty="0" err="1" smtClean="0"/>
-              <a:t>new</a:t>
-            </a:r>
-            <a:r>
-              <a:rPr lang="pl-PL" sz="1600" b="1" dirty="0" smtClean="0"/>
-              <a:t> </a:t>
-            </a:r>
-            <a:r>
-              <a:rPr lang="pl-PL" sz="1600" b="1" dirty="0" err="1" smtClean="0"/>
-              <a:t>release</a:t>
-            </a:r>
-            <a:r>
-              <a:rPr lang="pl-PL" sz="1600" dirty="0"/>
-              <a:t>, </a:t>
-            </a:r>
-            <a:r>
-              <a:rPr lang="pl-PL" sz="1600" b="1" dirty="0"/>
-              <a:t>uruchomienie produktu</a:t>
-            </a:r>
-            <a:r>
-              <a:rPr lang="pl-PL" sz="1600" dirty="0"/>
-              <a:t> czy też </a:t>
-            </a:r>
-            <a:r>
-              <a:rPr lang="pl-PL" sz="1600" b="1" dirty="0"/>
-              <a:t>kwartalne śledzenie zadań</a:t>
-            </a:r>
-            <a:r>
-              <a:rPr lang="pl-PL" sz="1600" dirty="0"/>
-              <a:t>, mamy do </a:t>
-            </a:r>
-            <a:r>
-              <a:rPr lang="pl-PL" sz="1600" dirty="0" smtClean="0"/>
-              <a:t>dyspozycji</a:t>
-            </a:r>
-            <a:r>
-              <a:rPr lang="pl-PL" sz="1600" dirty="0"/>
-              <a:t> </a:t>
-            </a:r>
-            <a:r>
-              <a:rPr lang="pl-PL" sz="1600" b="1" dirty="0" smtClean="0"/>
-              <a:t>kamienie milowe</a:t>
-            </a:r>
-            <a:r>
-              <a:rPr lang="pl-PL" sz="1600" dirty="0" smtClean="0"/>
+              <a:latin typeface="Calibri" panose="020F0502020204030204" pitchFamily="34" charset="0"/>
+            </a:endParaRPr>
+          </a:p>
+          <a:p>
+            <a:r>
+              <a:rPr lang="pl-PL" sz="1600" dirty="0">
+                <a:latin typeface="Calibri" panose="020F0502020204030204" pitchFamily="34" charset="0"/>
+              </a:rPr>
+              <a:t>GitLab </a:t>
+            </a:r>
+            <a:r>
+              <a:rPr lang="pl-PL" sz="1600" dirty="0" err="1">
+                <a:latin typeface="Calibri" panose="020F0502020204030204" pitchFamily="34" charset="0"/>
+              </a:rPr>
+              <a:t>Issue</a:t>
+            </a:r>
+            <a:r>
+              <a:rPr lang="pl-PL" sz="1600" dirty="0">
+                <a:latin typeface="Calibri" panose="020F0502020204030204" pitchFamily="34" charset="0"/>
+              </a:rPr>
+              <a:t> Board (tablica zgłoszeń) to znakomite narzędzie do planowania i organizowania zgłoszeń, umożliwiające dopasowanie ich do procesów w Twoim projekcie</a:t>
+            </a:r>
+            <a:r>
+              <a:rPr lang="pl-PL" sz="1600" dirty="0" smtClean="0">
+                <a:latin typeface="Calibri" panose="020F0502020204030204" pitchFamily="34" charset="0"/>
+              </a:rPr>
               <a:t>.</a:t>
             </a:r>
-            <a:endParaRPr lang="pl-PL" sz="1600" dirty="0"/>
+          </a:p>
+          <a:p>
+            <a:endParaRPr lang="pl-PL" sz="1600" dirty="0">
+              <a:latin typeface="Calibri" panose="020F0502020204030204" pitchFamily="34" charset="0"/>
+            </a:endParaRPr>
+          </a:p>
+          <a:p>
+            <a:r>
+              <a:rPr lang="pl-PL" sz="1600" dirty="0">
+                <a:latin typeface="Calibri" panose="020F0502020204030204" pitchFamily="34" charset="0"/>
+              </a:rPr>
+              <a:t>Tablica wyświetla odpowiednio oznaczone listy, umożliwiające dzielenie zgłoszeń według kategorii. Każda z list zawiera odpowiednie dla niej zgłoszenia, zaprezentowane w formie kart</a:t>
+            </a:r>
+            <a:r>
+              <a:rPr lang="pl-PL" sz="1600" dirty="0" smtClean="0">
+                <a:latin typeface="Calibri" panose="020F0502020204030204" pitchFamily="34" charset="0"/>
+              </a:rPr>
+              <a:t>.</a:t>
+            </a:r>
+          </a:p>
+          <a:p>
+            <a:endParaRPr lang="pl-PL" sz="1600" dirty="0">
+              <a:latin typeface="Calibri" panose="020F0502020204030204" pitchFamily="34" charset="0"/>
+            </a:endParaRPr>
+          </a:p>
+          <a:p>
+            <a:r>
+              <a:rPr lang="pl-PL" sz="1600" dirty="0">
+                <a:latin typeface="Calibri" panose="020F0502020204030204" pitchFamily="34" charset="0"/>
+              </a:rPr>
+              <a:t>Karty można przypinać do list w dowolny sposób. Taka akcja powoduje dodanie do niej znacznika listy. W efekcie ułatwia to pracę po przełączeniu z widoku tablicy (Board) na widok zgłoszenia (</a:t>
+            </a:r>
+            <a:r>
+              <a:rPr lang="pl-PL" sz="1600" dirty="0" err="1">
+                <a:latin typeface="Calibri" panose="020F0502020204030204" pitchFamily="34" charset="0"/>
+              </a:rPr>
+              <a:t>Issues</a:t>
+            </a:r>
+            <a:r>
+              <a:rPr lang="pl-PL" sz="1600" dirty="0" smtClean="0">
+                <a:latin typeface="Calibri" panose="020F0502020204030204" pitchFamily="34" charset="0"/>
+              </a:rPr>
+              <a:t>).</a:t>
+            </a:r>
+            <a:r>
+              <a:rPr lang="pl-PL" sz="1600" dirty="0">
+                <a:latin typeface="Calibri" panose="020F0502020204030204" pitchFamily="34" charset="0"/>
+              </a:rPr>
+              <a:t/>
+            </a:r>
+            <a:br>
+              <a:rPr lang="pl-PL" sz="1600" dirty="0">
+                <a:latin typeface="Calibri" panose="020F0502020204030204" pitchFamily="34" charset="0"/>
+              </a:rPr>
+            </a:br>
+            <a:endParaRPr lang="pl-PL" sz="1600" dirty="0">
+              <a:latin typeface="Calibri" panose="020F0502020204030204" pitchFamily="34" charset="0"/>
+            </a:endParaRPr>
           </a:p>
         </p:txBody>
       </p:sp>
     </p:spTree>
     <p:extLst>
       <p:ext uri="{BB962C8B-B14F-4D97-AF65-F5344CB8AC3E}">
-        <p14:creationId xmlns:p14="http://schemas.microsoft.com/office/powerpoint/2010/main" val="4125917706"/>
+        <p14:creationId xmlns:p14="http://schemas.microsoft.com/office/powerpoint/2010/main" val="3050583687"/>
       </p:ext>
     </p:extLst>
   </p:cSld>
@@ -6204,121 +7506,139 @@
               <a:buNone/>
             </a:pPr>
             <a:r>
-              <a:rPr lang="pl-PL" sz="2400" b="1" dirty="0" err="1"/>
+              <a:rPr lang="pl-PL" sz="2400" b="1" dirty="0" err="1">
+                <a:latin typeface="Calibri" panose="020F0502020204030204" pitchFamily="34" charset="0"/>
+              </a:rPr>
               <a:t>Issue</a:t>
             </a:r>
             <a:r>
-              <a:rPr lang="pl-PL" sz="2400" b="1" dirty="0"/>
+              <a:rPr lang="pl-PL" sz="2400" b="1" dirty="0">
+                <a:latin typeface="Calibri" panose="020F0502020204030204" pitchFamily="34" charset="0"/>
+              </a:rPr>
               <a:t> Board</a:t>
             </a:r>
-            <a:endParaRPr lang="pl-PL" sz="1600" b="1" dirty="0"/>
+            <a:endParaRPr lang="pl-PL" sz="1600" b="1" dirty="0">
+              <a:latin typeface="Calibri" panose="020F0502020204030204" pitchFamily="34" charset="0"/>
+            </a:endParaRPr>
           </a:p>
           <a:p>
             <a:pPr marL="0" indent="0">
               <a:buNone/>
             </a:pPr>
             <a:endParaRPr lang="pl-PL" sz="1600" b="1" dirty="0" smtClean="0">
-              <a:latin typeface="+mj-lt"/>
-            </a:endParaRPr>
-          </a:p>
-          <a:p>
-            <a:pPr marL="0" indent="0">
-              <a:buNone/>
-            </a:pPr>
-            <a:r>
-              <a:rPr lang="pl-PL" sz="1600" b="1" dirty="0" smtClean="0"/>
-              <a:t>Przydziały</a:t>
-            </a:r>
-          </a:p>
-          <a:p>
-            <a:pPr marL="0" indent="0">
-              <a:buNone/>
-            </a:pPr>
-            <a:endParaRPr lang="pl-PL" sz="1600" b="1" dirty="0"/>
-          </a:p>
-          <a:p>
-            <a:pPr marL="0" indent="0">
-              <a:buNone/>
-            </a:pPr>
-            <a:r>
-              <a:rPr lang="pl-PL" sz="1600" dirty="0"/>
-              <a:t>Gdy ktoś </a:t>
-            </a:r>
-            <a:r>
-              <a:rPr lang="pl-PL" sz="1600" dirty="0" smtClean="0"/>
-              <a:t>rozpoczyna </a:t>
-            </a:r>
-            <a:r>
-              <a:rPr lang="pl-PL" sz="1600" dirty="0"/>
-              <a:t>pracę nad zgłoszeniem, można je przypisać bezpośrednio do tej osoby. </a:t>
-            </a:r>
-            <a:endParaRPr lang="pl-PL" sz="1600" dirty="0" smtClean="0"/>
-          </a:p>
-          <a:p>
-            <a:pPr marL="0" indent="0">
-              <a:buNone/>
-            </a:pPr>
-            <a:endParaRPr lang="pl-PL" sz="1600" dirty="0" smtClean="0"/>
-          </a:p>
-          <a:p>
-            <a:pPr marL="0" indent="0">
-              <a:buNone/>
-            </a:pPr>
-            <a:r>
-              <a:rPr lang="pl-PL" sz="1600" dirty="0" smtClean="0"/>
-              <a:t>Przydziały </a:t>
-            </a:r>
-            <a:r>
-              <a:rPr lang="pl-PL" sz="1600" dirty="0"/>
-              <a:t>można zmieniać bez ograniczeń. </a:t>
-            </a:r>
-            <a:endParaRPr lang="pl-PL" sz="1600" dirty="0" smtClean="0"/>
-          </a:p>
-          <a:p>
-            <a:pPr marL="0" indent="0">
-              <a:buNone/>
-            </a:pPr>
-            <a:r>
-              <a:rPr lang="pl-PL" sz="1600" dirty="0" smtClean="0"/>
-              <a:t>Idea </a:t>
-            </a:r>
-            <a:r>
-              <a:rPr lang="pl-PL" sz="1600" dirty="0"/>
-              <a:t>jest taka, by osoba przypisana była odpowiedzialna za zgłoszenie do momentu przydzielenia go komuś innemu. </a:t>
-            </a:r>
-            <a:endParaRPr lang="pl-PL" sz="1600" dirty="0" smtClean="0"/>
-          </a:p>
-          <a:p>
-            <a:pPr marL="0" indent="0">
-              <a:buNone/>
-            </a:pPr>
-            <a:endParaRPr lang="pl-PL" sz="1600" dirty="0" smtClean="0"/>
-          </a:p>
-          <a:p>
-            <a:pPr marL="0" indent="0">
-              <a:buNone/>
-            </a:pPr>
-            <a:r>
-              <a:rPr lang="pl-PL" sz="1600" dirty="0" smtClean="0"/>
-              <a:t>Oczywiście </a:t>
-            </a:r>
-            <a:r>
-              <a:rPr lang="pl-PL" sz="1600" dirty="0"/>
-              <a:t>istnieje możliwość filtrowania zgłoszenia według przydziałów.</a:t>
-            </a:r>
-          </a:p>
-          <a:p>
-            <a:pPr marL="0" indent="0">
-              <a:buNone/>
-            </a:pPr>
-            <a:endParaRPr lang="pl-PL" sz="1600" dirty="0"/>
+              <a:latin typeface="Calibri" panose="020F0502020204030204" pitchFamily="34" charset="0"/>
+            </a:endParaRPr>
+          </a:p>
+          <a:p>
+            <a:pPr marL="0" indent="0">
+              <a:buNone/>
+            </a:pPr>
+            <a:r>
+              <a:rPr lang="pl-PL" sz="2000" b="1" dirty="0">
+                <a:latin typeface="Calibri" panose="020F0502020204030204" pitchFamily="34" charset="0"/>
+              </a:rPr>
+              <a:t>Nowością</a:t>
+            </a:r>
+            <a:r>
+              <a:rPr lang="pl-PL" sz="2000" dirty="0">
+                <a:latin typeface="Calibri" panose="020F0502020204030204" pitchFamily="34" charset="0"/>
+              </a:rPr>
+              <a:t> która została wprowadzona niedawno jest możliwość wykorzystywania wielu tablic zgłoszeń (</a:t>
+            </a:r>
+            <a:r>
+              <a:rPr lang="pl-PL" sz="2000" dirty="0" err="1">
+                <a:latin typeface="Calibri" panose="020F0502020204030204" pitchFamily="34" charset="0"/>
+              </a:rPr>
+              <a:t>Multiple</a:t>
+            </a:r>
+            <a:r>
+              <a:rPr lang="pl-PL" sz="2000" dirty="0">
+                <a:latin typeface="Calibri" panose="020F0502020204030204" pitchFamily="34" charset="0"/>
+              </a:rPr>
+              <a:t> </a:t>
+            </a:r>
+            <a:r>
+              <a:rPr lang="pl-PL" sz="2000" dirty="0" err="1">
+                <a:latin typeface="Calibri" panose="020F0502020204030204" pitchFamily="34" charset="0"/>
+              </a:rPr>
+              <a:t>Issue</a:t>
+            </a:r>
+            <a:r>
+              <a:rPr lang="pl-PL" sz="2000" dirty="0">
+                <a:latin typeface="Calibri" panose="020F0502020204030204" pitchFamily="34" charset="0"/>
+              </a:rPr>
+              <a:t> </a:t>
+            </a:r>
+            <a:r>
+              <a:rPr lang="pl-PL" sz="2000" dirty="0" err="1">
+                <a:latin typeface="Calibri" panose="020F0502020204030204" pitchFamily="34" charset="0"/>
+              </a:rPr>
+              <a:t>Boards</a:t>
+            </a:r>
+            <a:r>
+              <a:rPr lang="pl-PL" sz="2000" dirty="0">
+                <a:latin typeface="Calibri" panose="020F0502020204030204" pitchFamily="34" charset="0"/>
+              </a:rPr>
+              <a:t>) w jednym projekcie. </a:t>
+            </a:r>
+            <a:r>
+              <a:rPr lang="pl-PL" sz="2000" dirty="0" err="1">
+                <a:latin typeface="Calibri" panose="020F0502020204030204" pitchFamily="34" charset="0"/>
+              </a:rPr>
+              <a:t>Multiple</a:t>
+            </a:r>
+            <a:r>
+              <a:rPr lang="pl-PL" sz="2000" dirty="0">
+                <a:latin typeface="Calibri" panose="020F0502020204030204" pitchFamily="34" charset="0"/>
+              </a:rPr>
+              <a:t> </a:t>
+            </a:r>
+            <a:r>
+              <a:rPr lang="pl-PL" sz="2000" dirty="0" err="1">
+                <a:latin typeface="Calibri" panose="020F0502020204030204" pitchFamily="34" charset="0"/>
+              </a:rPr>
+              <a:t>Issue</a:t>
+            </a:r>
+            <a:r>
+              <a:rPr lang="pl-PL" sz="2000" dirty="0">
+                <a:latin typeface="Calibri" panose="020F0502020204030204" pitchFamily="34" charset="0"/>
+              </a:rPr>
+              <a:t> </a:t>
+            </a:r>
+            <a:r>
+              <a:rPr lang="pl-PL" sz="2000" dirty="0" err="1">
+                <a:latin typeface="Calibri" panose="020F0502020204030204" pitchFamily="34" charset="0"/>
+              </a:rPr>
+              <a:t>Boards</a:t>
+            </a:r>
+            <a:r>
+              <a:rPr lang="pl-PL" sz="2000" dirty="0">
+                <a:latin typeface="Calibri" panose="020F0502020204030204" pitchFamily="34" charset="0"/>
+              </a:rPr>
+              <a:t> jest najlepszym sposobem na jednoczesne organizowanie zgłoszeń z kilku różnych </a:t>
+            </a:r>
+            <a:r>
+              <a:rPr lang="pl-PL" sz="2000" dirty="0" err="1">
+                <a:latin typeface="Calibri" panose="020F0502020204030204" pitchFamily="34" charset="0"/>
+              </a:rPr>
+              <a:t>workflow</a:t>
+            </a:r>
+            <a:r>
+              <a:rPr lang="pl-PL" sz="2000" dirty="0" smtClean="0">
+                <a:latin typeface="Calibri" panose="020F0502020204030204" pitchFamily="34" charset="0"/>
+              </a:rPr>
+              <a:t>.</a:t>
+            </a:r>
+            <a:endParaRPr lang="pl-PL" sz="2000" dirty="0">
+              <a:latin typeface="Calibri" panose="020F0502020204030204" pitchFamily="34" charset="0"/>
+            </a:endParaRPr>
           </a:p>
         </p:txBody>
       </p:sp>
     </p:spTree>
     <p:extLst>
       <p:ext uri="{BB962C8B-B14F-4D97-AF65-F5344CB8AC3E}">
-        <p14:creationId xmlns:p14="http://schemas.microsoft.com/office/powerpoint/2010/main" val="3389744202"/>
+        <p14:creationId xmlns:p14="http://schemas.microsoft.com/office/powerpoint/2010/main" val="2877446438"/>
       </p:ext>
     </p:extLst>
   </p:cSld>
@@ -6378,125 +7698,150 @@
               <a:buNone/>
             </a:pPr>
             <a:r>
-              <a:rPr lang="pl-PL" sz="2400" b="1" dirty="0" err="1"/>
+              <a:rPr lang="pl-PL" sz="2400" b="1" dirty="0" err="1" smtClean="0">
+                <a:latin typeface="Calibri" panose="020F0502020204030204" pitchFamily="34" charset="0"/>
+              </a:rPr>
               <a:t>Issue</a:t>
             </a:r>
             <a:r>
-              <a:rPr lang="pl-PL" sz="2400" b="1" dirty="0"/>
-              <a:t> Board</a:t>
-            </a:r>
-            <a:endParaRPr lang="pl-PL" sz="1600" b="1" dirty="0"/>
+              <a:rPr lang="pl-PL" sz="2400" b="1" dirty="0" smtClean="0">
+                <a:latin typeface="Calibri" panose="020F0502020204030204" pitchFamily="34" charset="0"/>
+              </a:rPr>
+              <a:t> Board w praktyce</a:t>
+            </a:r>
+            <a:endParaRPr lang="pl-PL" sz="1600" b="1" dirty="0">
+              <a:latin typeface="Calibri" panose="020F0502020204030204" pitchFamily="34" charset="0"/>
+            </a:endParaRPr>
           </a:p>
           <a:p>
             <a:pPr marL="0" indent="0">
               <a:buNone/>
             </a:pPr>
             <a:endParaRPr lang="pl-PL" sz="1600" b="1" dirty="0" smtClean="0">
-              <a:latin typeface="+mj-lt"/>
-            </a:endParaRPr>
-          </a:p>
-          <a:p>
-            <a:pPr marL="0" indent="0">
-              <a:buNone/>
-            </a:pPr>
-            <a:r>
-              <a:rPr lang="pl-PL" sz="1600" b="1" dirty="0"/>
-              <a:t>Oznaczenia</a:t>
-            </a:r>
-          </a:p>
-          <a:p>
-            <a:pPr marL="0" indent="0">
-              <a:buNone/>
-            </a:pPr>
-            <a:endParaRPr lang="pl-PL" sz="1600" dirty="0" smtClean="0"/>
-          </a:p>
-          <a:p>
-            <a:pPr marL="0" indent="0">
-              <a:buNone/>
-            </a:pPr>
-            <a:r>
-              <a:rPr lang="pl-PL" sz="1600" dirty="0" smtClean="0"/>
-              <a:t>Oznaczenia </a:t>
-            </a:r>
-            <a:r>
-              <a:rPr lang="pl-PL" sz="1600" dirty="0"/>
-              <a:t>GitLab to kolejna ważna część </a:t>
-            </a:r>
-            <a:r>
-              <a:rPr lang="pl-PL" sz="1600" dirty="0" err="1"/>
-              <a:t>workflow</a:t>
-            </a:r>
-            <a:r>
-              <a:rPr lang="pl-PL" sz="1600" dirty="0"/>
-              <a:t> </a:t>
-            </a:r>
-            <a:r>
-              <a:rPr lang="pl-PL" sz="1600" dirty="0" err="1"/>
-              <a:t>GitLab’a</a:t>
-            </a:r>
-            <a:r>
-              <a:rPr lang="pl-PL" sz="1600" dirty="0"/>
-              <a:t>. Możemy używać ich do kategoryzowania zgłoszeń, rozmieszczania ich w </a:t>
-            </a:r>
-            <a:r>
-              <a:rPr lang="pl-PL" sz="1600" dirty="0" err="1"/>
-              <a:t>workflow</a:t>
-            </a:r>
-            <a:r>
-              <a:rPr lang="pl-PL" sz="1600" dirty="0"/>
-              <a:t>, jak i również do nadawania priorytetów.</a:t>
-            </a:r>
-          </a:p>
-          <a:p>
-            <a:pPr marL="0" indent="0">
-              <a:buNone/>
-            </a:pPr>
-            <a:endParaRPr lang="pl-PL" sz="1600" dirty="0"/>
-          </a:p>
-          <a:p>
-            <a:pPr marL="0" indent="0">
-              <a:buNone/>
-            </a:pPr>
-            <a:r>
-              <a:rPr lang="pl-PL" sz="1600" dirty="0"/>
-              <a:t>Oznaczenia pozwalają pracować z tablicą zgłoszeń GitLab, umożliwiając planowanie i organizując </a:t>
-            </a:r>
-            <a:r>
-              <a:rPr lang="pl-PL" sz="1600" dirty="0" err="1"/>
-              <a:t>workflow</a:t>
-            </a:r>
-            <a:r>
-              <a:rPr lang="pl-PL" sz="1600" dirty="0"/>
-              <a:t>.</a:t>
-            </a:r>
-          </a:p>
-          <a:p>
-            <a:pPr marL="0" indent="0">
-              <a:buNone/>
-            </a:pPr>
-            <a:endParaRPr lang="pl-PL" sz="1600" dirty="0"/>
-          </a:p>
-          <a:p>
-            <a:pPr marL="0" indent="0">
-              <a:buNone/>
-            </a:pPr>
-            <a:r>
-              <a:rPr lang="pl-PL" sz="1600" dirty="0"/>
-              <a:t>Nowością jest możliwość tworzenia oznaczeń grupowych, które pozwalają na przypisywanie tych samych oznaczeń do grup projektów.</a:t>
-            </a:r>
-          </a:p>
-          <a:p>
-            <a:pPr marL="0" indent="0">
-              <a:buNone/>
-            </a:pPr>
-            <a:endParaRPr lang="pl-PL" sz="1600" dirty="0"/>
+              <a:latin typeface="Calibri" panose="020F0502020204030204" pitchFamily="34" charset="0"/>
+            </a:endParaRPr>
+          </a:p>
+          <a:p>
+            <a:r>
+              <a:rPr lang="pl-PL" sz="2000" dirty="0" smtClean="0">
+                <a:latin typeface="Calibri" panose="020F0502020204030204" pitchFamily="34" charset="0"/>
+              </a:rPr>
+              <a:t>Jedno narzędzie / nieskończona funkcjonalność</a:t>
+            </a:r>
+          </a:p>
+          <a:p>
+            <a:endParaRPr lang="pl-PL" sz="2000" dirty="0" smtClean="0">
+              <a:latin typeface="Calibri" panose="020F0502020204030204" pitchFamily="34" charset="0"/>
+            </a:endParaRPr>
+          </a:p>
+          <a:p>
+            <a:r>
+              <a:rPr lang="pl-PL" sz="2000" dirty="0">
+                <a:latin typeface="Calibri" panose="020F0502020204030204" pitchFamily="34" charset="0"/>
+              </a:rPr>
+              <a:t>Wszystko w jednym </a:t>
+            </a:r>
+            <a:r>
+              <a:rPr lang="pl-PL" sz="2000" dirty="0" smtClean="0">
+                <a:latin typeface="Calibri" panose="020F0502020204030204" pitchFamily="34" charset="0"/>
+              </a:rPr>
+              <a:t>miejscu</a:t>
+            </a:r>
+          </a:p>
+          <a:p>
+            <a:endParaRPr lang="pl-PL" sz="2000" dirty="0" smtClean="0">
+              <a:latin typeface="Calibri" panose="020F0502020204030204" pitchFamily="34" charset="0"/>
+            </a:endParaRPr>
+          </a:p>
+          <a:p>
+            <a:r>
+              <a:rPr lang="pl-PL" sz="2000" dirty="0" smtClean="0">
+                <a:latin typeface="Calibri" panose="020F0502020204030204" pitchFamily="34" charset="0"/>
+              </a:rPr>
+              <a:t>Analiza problemów </a:t>
+            </a:r>
+            <a:r>
+              <a:rPr lang="pl-PL" sz="2000" dirty="0">
+                <a:latin typeface="Calibri" panose="020F0502020204030204" pitchFamily="34" charset="0"/>
+              </a:rPr>
+              <a:t>i </a:t>
+            </a:r>
+            <a:r>
+              <a:rPr lang="pl-PL" sz="2000" dirty="0" smtClean="0">
+                <a:latin typeface="Calibri" panose="020F0502020204030204" pitchFamily="34" charset="0"/>
+              </a:rPr>
+              <a:t>postępów </a:t>
+            </a:r>
+            <a:r>
+              <a:rPr lang="pl-PL" sz="2000" dirty="0">
+                <a:latin typeface="Calibri" panose="020F0502020204030204" pitchFamily="34" charset="0"/>
+              </a:rPr>
+              <a:t>bez przełączania się między </a:t>
+            </a:r>
+            <a:r>
+              <a:rPr lang="pl-PL" sz="2000" dirty="0" smtClean="0">
+                <a:latin typeface="Calibri" panose="020F0502020204030204" pitchFamily="34" charset="0"/>
+              </a:rPr>
+              <a:t>produktami</a:t>
+            </a:r>
+          </a:p>
+          <a:p>
+            <a:endParaRPr lang="pl-PL" sz="2000" dirty="0" smtClean="0">
+              <a:latin typeface="Calibri" panose="020F0502020204030204" pitchFamily="34" charset="0"/>
+            </a:endParaRPr>
+          </a:p>
+          <a:p>
+            <a:r>
+              <a:rPr lang="pl-PL" sz="2000" dirty="0" smtClean="0">
+                <a:latin typeface="Calibri" panose="020F0502020204030204" pitchFamily="34" charset="0"/>
+              </a:rPr>
+              <a:t>Jeden </a:t>
+            </a:r>
+            <a:r>
+              <a:rPr lang="pl-PL" sz="2000" dirty="0">
+                <a:latin typeface="Calibri" panose="020F0502020204030204" pitchFamily="34" charset="0"/>
+              </a:rPr>
+              <a:t>interfejs do śledzenia </a:t>
+            </a:r>
+            <a:r>
+              <a:rPr lang="pl-PL" sz="2000" dirty="0" smtClean="0">
+                <a:latin typeface="Calibri" panose="020F0502020204030204" pitchFamily="34" charset="0"/>
+              </a:rPr>
+              <a:t>wszystkich zgłoszeń </a:t>
+            </a:r>
+            <a:br>
+              <a:rPr lang="pl-PL" sz="2000" dirty="0" smtClean="0">
+                <a:latin typeface="Calibri" panose="020F0502020204030204" pitchFamily="34" charset="0"/>
+              </a:rPr>
+            </a:br>
+            <a:r>
+              <a:rPr lang="pl-PL" sz="2000" dirty="0" smtClean="0">
+                <a:latin typeface="Calibri" panose="020F0502020204030204" pitchFamily="34" charset="0"/>
+              </a:rPr>
+              <a:t>(od </a:t>
+            </a:r>
+            <a:r>
+              <a:rPr lang="pl-PL" sz="2000" dirty="0">
+                <a:latin typeface="Calibri" panose="020F0502020204030204" pitchFamily="34" charset="0"/>
+              </a:rPr>
+              <a:t>zaległości do </a:t>
+            </a:r>
+            <a:r>
+              <a:rPr lang="pl-PL" sz="2000" dirty="0" smtClean="0">
+                <a:latin typeface="Calibri" panose="020F0502020204030204" pitchFamily="34" charset="0"/>
+              </a:rPr>
+              <a:t>wykonania)</a:t>
+            </a:r>
+            <a:endParaRPr lang="pl-PL" sz="2000" dirty="0">
+              <a:latin typeface="Calibri" panose="020F0502020204030204" pitchFamily="34" charset="0"/>
+            </a:endParaRPr>
           </a:p>
         </p:txBody>
       </p:sp>
     </p:spTree>
     <p:extLst>
       <p:ext uri="{BB962C8B-B14F-4D97-AF65-F5344CB8AC3E}">
-        <p14:creationId xmlns:p14="http://schemas.microsoft.com/office/powerpoint/2010/main" val="2839700375"/>
+        <p14:creationId xmlns:p14="http://schemas.microsoft.com/office/powerpoint/2010/main" val="911577590"/>
       </p:ext>
     </p:extLst>
   </p:cSld>
